--- a/presentations/Sensors-and-Actuators.pptx
+++ b/presentations/Sensors-and-Actuators.pptx
@@ -6,25 +6,26 @@
     <p:sldMasterId id="2147483669" r:id="rId2"/>
   </p:sldMasterIdLst>
   <p:notesMasterIdLst>
-    <p:notesMasterId r:id="rId19"/>
+    <p:notesMasterId r:id="rId20"/>
   </p:notesMasterIdLst>
   <p:sldIdLst>
     <p:sldId id="257" r:id="rId3"/>
-    <p:sldId id="273" r:id="rId4"/>
-    <p:sldId id="259" r:id="rId5"/>
-    <p:sldId id="265" r:id="rId6"/>
-    <p:sldId id="263" r:id="rId7"/>
-    <p:sldId id="266" r:id="rId8"/>
-    <p:sldId id="264" r:id="rId9"/>
-    <p:sldId id="261" r:id="rId10"/>
-    <p:sldId id="268" r:id="rId11"/>
-    <p:sldId id="262" r:id="rId12"/>
-    <p:sldId id="269" r:id="rId13"/>
-    <p:sldId id="270" r:id="rId14"/>
-    <p:sldId id="271" r:id="rId15"/>
-    <p:sldId id="272" r:id="rId16"/>
-    <p:sldId id="274" r:id="rId17"/>
-    <p:sldId id="258" r:id="rId18"/>
+    <p:sldId id="275" r:id="rId4"/>
+    <p:sldId id="273" r:id="rId5"/>
+    <p:sldId id="259" r:id="rId6"/>
+    <p:sldId id="265" r:id="rId7"/>
+    <p:sldId id="263" r:id="rId8"/>
+    <p:sldId id="266" r:id="rId9"/>
+    <p:sldId id="264" r:id="rId10"/>
+    <p:sldId id="261" r:id="rId11"/>
+    <p:sldId id="268" r:id="rId12"/>
+    <p:sldId id="262" r:id="rId13"/>
+    <p:sldId id="269" r:id="rId14"/>
+    <p:sldId id="270" r:id="rId15"/>
+    <p:sldId id="271" r:id="rId16"/>
+    <p:sldId id="272" r:id="rId17"/>
+    <p:sldId id="274" r:id="rId18"/>
+    <p:sldId id="258" r:id="rId19"/>
   </p:sldIdLst>
   <p:sldSz cx="12192000" cy="6858000"/>
   <p:notesSz cx="7010400" cy="9296400"/>
@@ -213,7 +214,7 @@
           <a:p>
             <a:fld id="{55C0259C-16B0-4266-AFC7-1333BE129B15}" type="datetimeFigureOut">
               <a:rPr lang="en-US" smtClean="0"/>
-              <a:t>2/7/2018</a:t>
+              <a:t>9/6/2018</a:t>
             </a:fld>
             <a:endParaRPr lang="en-US"/>
           </a:p>
@@ -587,6 +588,134 @@
   <p:cSld>
     <p:spTree>
       <p:nvGrpSpPr>
+        <p:cNvPr id="1" name="Shape 300"/>
+        <p:cNvGrpSpPr/>
+        <p:nvPr/>
+      </p:nvGrpSpPr>
+      <p:grpSpPr>
+        <a:xfrm>
+          <a:off x="0" y="0"/>
+          <a:ext cx="0" cy="0"/>
+          <a:chOff x="0" y="0"/>
+          <a:chExt cx="0" cy="0"/>
+        </a:xfrm>
+      </p:grpSpPr>
+      <p:sp>
+        <p:nvSpPr>
+          <p:cNvPr id="301" name="Shape 301"/>
+          <p:cNvSpPr txBox="1">
+            <a:spLocks noGrp="1"/>
+          </p:cNvSpPr>
+          <p:nvPr>
+            <p:ph type="body" idx="1"/>
+          </p:nvPr>
+        </p:nvSpPr>
+        <p:spPr>
+          <a:xfrm>
+            <a:off x="701041" y="4415790"/>
+            <a:ext cx="5608319" cy="4183380"/>
+          </a:xfrm>
+          <a:prstGeom prst="rect">
+            <a:avLst/>
+          </a:prstGeom>
+          <a:noFill/>
+          <a:ln>
+            <a:noFill/>
+          </a:ln>
+        </p:spPr>
+        <p:txBody>
+          <a:bodyPr wrap="square" lIns="93162" tIns="93162" rIns="93162" bIns="93162" anchor="t" anchorCtr="0">
+            <a:noAutofit/>
+          </a:bodyPr>
+          <a:lstStyle/>
+          <a:p>
+            <a:pPr>
+              <a:buClr>
+                <a:schemeClr val="dk1"/>
+              </a:buClr>
+              <a:buSzPct val="25000"/>
+            </a:pPr>
+            <a:endParaRPr sz="1100">
+              <a:solidFill>
+                <a:schemeClr val="dk1"/>
+              </a:solidFill>
+              <a:latin typeface="Arial"/>
+              <a:ea typeface="Arial"/>
+              <a:cs typeface="Arial"/>
+              <a:sym typeface="Arial"/>
+            </a:endParaRPr>
+          </a:p>
+        </p:txBody>
+      </p:sp>
+      <p:sp>
+        <p:nvSpPr>
+          <p:cNvPr id="302" name="Shape 302"/>
+          <p:cNvSpPr>
+            <a:spLocks noGrp="1" noRot="1" noChangeAspect="1"/>
+          </p:cNvSpPr>
+          <p:nvPr>
+            <p:ph type="sldImg" idx="2"/>
+          </p:nvPr>
+        </p:nvSpPr>
+        <p:spPr>
+          <a:xfrm>
+            <a:off x="406400" y="696913"/>
+            <a:ext cx="6197600" cy="3486150"/>
+          </a:xfrm>
+          <a:custGeom>
+            <a:avLst/>
+            <a:gdLst/>
+            <a:ahLst/>
+            <a:cxnLst/>
+            <a:rect l="0" t="0" r="0" b="0"/>
+            <a:pathLst>
+              <a:path w="120000" h="120000" extrusionOk="0">
+                <a:moveTo>
+                  <a:pt x="0" y="0"/>
+                </a:moveTo>
+                <a:lnTo>
+                  <a:pt x="120000" y="0"/>
+                </a:lnTo>
+                <a:lnTo>
+                  <a:pt x="120000" y="120000"/>
+                </a:lnTo>
+                <a:lnTo>
+                  <a:pt x="0" y="120000"/>
+                </a:lnTo>
+                <a:close/>
+              </a:path>
+            </a:pathLst>
+          </a:custGeom>
+          <a:noFill/>
+          <a:ln w="9525" cap="flat" cmpd="sng">
+            <a:solidFill>
+              <a:srgbClr val="000000"/>
+            </a:solidFill>
+            <a:prstDash val="solid"/>
+            <a:round/>
+            <a:headEnd type="none" w="med" len="med"/>
+            <a:tailEnd type="none" w="med" len="med"/>
+          </a:ln>
+        </p:spPr>
+      </p:sp>
+    </p:spTree>
+    <p:extLst>
+      <p:ext uri="{BB962C8B-B14F-4D97-AF65-F5344CB8AC3E}">
+        <p14:creationId xmlns:p14="http://schemas.microsoft.com/office/powerpoint/2010/main" val="3451199587"/>
+      </p:ext>
+    </p:extLst>
+  </p:cSld>
+  <p:clrMapOvr>
+    <a:masterClrMapping/>
+  </p:clrMapOvr>
+</p:notes>
+</file>
+
+<file path=ppt/notesSlides/notesSlide11.xml><?xml version="1.0" encoding="utf-8"?>
+<p:notes xmlns:a="http://schemas.openxmlformats.org/drawingml/2006/main" xmlns:r="http://schemas.openxmlformats.org/officeDocument/2006/relationships" xmlns:p="http://schemas.openxmlformats.org/presentationml/2006/main" showMasterSp="0" showMasterPhAnim="0">
+  <p:cSld>
+    <p:spTree>
+      <p:nvGrpSpPr>
         <p:cNvPr id="1" name="Shape 259"/>
         <p:cNvGrpSpPr/>
         <p:nvPr/>
@@ -682,7 +811,7 @@
 </p:notes>
 </file>
 
-<file path=ppt/notesSlides/notesSlide11.xml><?xml version="1.0" encoding="utf-8"?>
+<file path=ppt/notesSlides/notesSlide12.xml><?xml version="1.0" encoding="utf-8"?>
 <p:notes xmlns:a="http://schemas.openxmlformats.org/drawingml/2006/main" xmlns:r="http://schemas.openxmlformats.org/officeDocument/2006/relationships" xmlns:p="http://schemas.openxmlformats.org/presentationml/2006/main" showMasterSp="0" showMasterPhAnim="0">
   <p:cSld>
     <p:spTree>
@@ -782,7 +911,7 @@
 </p:notes>
 </file>
 
-<file path=ppt/notesSlides/notesSlide12.xml><?xml version="1.0" encoding="utf-8"?>
+<file path=ppt/notesSlides/notesSlide13.xml><?xml version="1.0" encoding="utf-8"?>
 <p:notes xmlns:a="http://schemas.openxmlformats.org/drawingml/2006/main" xmlns:r="http://schemas.openxmlformats.org/officeDocument/2006/relationships" xmlns:p="http://schemas.openxmlformats.org/presentationml/2006/main" showMasterSp="0" showMasterPhAnim="0">
   <p:cSld>
     <p:spTree>
@@ -910,7 +1039,7 @@
 </p:notes>
 </file>
 
-<file path=ppt/notesSlides/notesSlide13.xml><?xml version="1.0" encoding="utf-8"?>
+<file path=ppt/notesSlides/notesSlide14.xml><?xml version="1.0" encoding="utf-8"?>
 <p:notes xmlns:a="http://schemas.openxmlformats.org/drawingml/2006/main" xmlns:r="http://schemas.openxmlformats.org/officeDocument/2006/relationships" xmlns:p="http://schemas.openxmlformats.org/presentationml/2006/main" showMasterSp="0" showMasterPhAnim="0">
   <p:cSld>
     <p:spTree>
@@ -1038,7 +1167,7 @@
 </p:notes>
 </file>
 
-<file path=ppt/notesSlides/notesSlide14.xml><?xml version="1.0" encoding="utf-8"?>
+<file path=ppt/notesSlides/notesSlide15.xml><?xml version="1.0" encoding="utf-8"?>
 <p:notes xmlns:a="http://schemas.openxmlformats.org/drawingml/2006/main" xmlns:r="http://schemas.openxmlformats.org/officeDocument/2006/relationships" xmlns:p="http://schemas.openxmlformats.org/presentationml/2006/main" showMasterSp="0" showMasterPhAnim="0">
   <p:cSld>
     <p:spTree>
@@ -1138,98 +1267,6 @@
 </p:notes>
 </file>
 
-<file path=ppt/notesSlides/notesSlide15.xml><?xml version="1.0" encoding="utf-8"?>
-<p:notes xmlns:a="http://schemas.openxmlformats.org/drawingml/2006/main" xmlns:r="http://schemas.openxmlformats.org/officeDocument/2006/relationships" xmlns:p="http://schemas.openxmlformats.org/presentationml/2006/main">
-  <p:cSld>
-    <p:spTree>
-      <p:nvGrpSpPr>
-        <p:cNvPr id="1" name=""/>
-        <p:cNvGrpSpPr/>
-        <p:nvPr/>
-      </p:nvGrpSpPr>
-      <p:grpSpPr>
-        <a:xfrm>
-          <a:off x="0" y="0"/>
-          <a:ext cx="0" cy="0"/>
-          <a:chOff x="0" y="0"/>
-          <a:chExt cx="0" cy="0"/>
-        </a:xfrm>
-      </p:grpSpPr>
-      <p:sp>
-        <p:nvSpPr>
-          <p:cNvPr id="2" name="Slide Image Placeholder 1"/>
-          <p:cNvSpPr>
-            <a:spLocks noGrp="1" noRot="1" noChangeAspect="1"/>
-          </p:cNvSpPr>
-          <p:nvPr>
-            <p:ph type="sldImg"/>
-          </p:nvPr>
-        </p:nvSpPr>
-        <p:spPr/>
-      </p:sp>
-      <p:sp>
-        <p:nvSpPr>
-          <p:cNvPr id="3" name="Notes Placeholder 2"/>
-          <p:cNvSpPr>
-            <a:spLocks noGrp="1"/>
-          </p:cNvSpPr>
-          <p:nvPr>
-            <p:ph type="body" idx="1"/>
-          </p:nvPr>
-        </p:nvSpPr>
-        <p:spPr/>
-        <p:txBody>
-          <a:bodyPr/>
-          <a:lstStyle/>
-          <a:p>
-            <a:r>
-              <a:rPr lang="en-US" dirty="0" smtClean="0"/>
-              <a:t>Path to</a:t>
-            </a:r>
-            <a:r>
-              <a:rPr lang="en-US" baseline="0" dirty="0" smtClean="0"/>
-              <a:t> Industry 4.0 slide … </a:t>
-            </a:r>
-            <a:endParaRPr lang="en-US" dirty="0"/>
-          </a:p>
-        </p:txBody>
-      </p:sp>
-      <p:sp>
-        <p:nvSpPr>
-          <p:cNvPr id="4" name="Slide Number Placeholder 3"/>
-          <p:cNvSpPr>
-            <a:spLocks noGrp="1"/>
-          </p:cNvSpPr>
-          <p:nvPr>
-            <p:ph type="sldNum" sz="quarter" idx="10"/>
-          </p:nvPr>
-        </p:nvSpPr>
-        <p:spPr/>
-        <p:txBody>
-          <a:bodyPr/>
-          <a:lstStyle/>
-          <a:p>
-            <a:fld id="{0331ECBF-CC2B-47B0-A627-BCA69053E9B5}" type="slidenum">
-              <a:rPr lang="en-US" smtClean="0"/>
-              <a:t>15</a:t>
-            </a:fld>
-            <a:endParaRPr lang="en-US"/>
-          </a:p>
-        </p:txBody>
-      </p:sp>
-    </p:spTree>
-    <p:extLst>
-      <p:ext uri="{BB962C8B-B14F-4D97-AF65-F5344CB8AC3E}">
-        <p14:creationId xmlns:p14="http://schemas.microsoft.com/office/powerpoint/2010/main" val="2991449903"/>
-      </p:ext>
-    </p:extLst>
-  </p:cSld>
-  <p:clrMapOvr>
-    <a:masterClrMapping/>
-  </p:clrMapOvr>
-</p:notes>
-</file>
-
 <file path=ppt/notesSlides/notesSlide16.xml><?xml version="1.0" encoding="utf-8"?>
 <p:notes xmlns:a="http://schemas.openxmlformats.org/drawingml/2006/main" xmlns:r="http://schemas.openxmlformats.org/officeDocument/2006/relationships" xmlns:p="http://schemas.openxmlformats.org/presentationml/2006/main">
   <p:cSld>
@@ -1274,7 +1311,15 @@
           <a:bodyPr/>
           <a:lstStyle/>
           <a:p>
-            <a:endParaRPr lang="en-US"/>
+            <a:r>
+              <a:rPr lang="en-US" dirty="0" smtClean="0"/>
+              <a:t>Path to</a:t>
+            </a:r>
+            <a:r>
+              <a:rPr lang="en-US" baseline="0" dirty="0" smtClean="0"/>
+              <a:t> Industry 4.0 slide … </a:t>
+            </a:r>
+            <a:endParaRPr lang="en-US" dirty="0"/>
           </a:p>
         </p:txBody>
       </p:sp>
@@ -1296,6 +1341,90 @@
             <a:fld id="{0331ECBF-CC2B-47B0-A627-BCA69053E9B5}" type="slidenum">
               <a:rPr lang="en-US" smtClean="0"/>
               <a:t>16</a:t>
+            </a:fld>
+            <a:endParaRPr lang="en-US"/>
+          </a:p>
+        </p:txBody>
+      </p:sp>
+    </p:spTree>
+    <p:extLst>
+      <p:ext uri="{BB962C8B-B14F-4D97-AF65-F5344CB8AC3E}">
+        <p14:creationId xmlns:p14="http://schemas.microsoft.com/office/powerpoint/2010/main" val="2991449903"/>
+      </p:ext>
+    </p:extLst>
+  </p:cSld>
+  <p:clrMapOvr>
+    <a:masterClrMapping/>
+  </p:clrMapOvr>
+</p:notes>
+</file>
+
+<file path=ppt/notesSlides/notesSlide17.xml><?xml version="1.0" encoding="utf-8"?>
+<p:notes xmlns:a="http://schemas.openxmlformats.org/drawingml/2006/main" xmlns:r="http://schemas.openxmlformats.org/officeDocument/2006/relationships" xmlns:p="http://schemas.openxmlformats.org/presentationml/2006/main">
+  <p:cSld>
+    <p:spTree>
+      <p:nvGrpSpPr>
+        <p:cNvPr id="1" name=""/>
+        <p:cNvGrpSpPr/>
+        <p:nvPr/>
+      </p:nvGrpSpPr>
+      <p:grpSpPr>
+        <a:xfrm>
+          <a:off x="0" y="0"/>
+          <a:ext cx="0" cy="0"/>
+          <a:chOff x="0" y="0"/>
+          <a:chExt cx="0" cy="0"/>
+        </a:xfrm>
+      </p:grpSpPr>
+      <p:sp>
+        <p:nvSpPr>
+          <p:cNvPr id="2" name="Slide Image Placeholder 1"/>
+          <p:cNvSpPr>
+            <a:spLocks noGrp="1" noRot="1" noChangeAspect="1"/>
+          </p:cNvSpPr>
+          <p:nvPr>
+            <p:ph type="sldImg"/>
+          </p:nvPr>
+        </p:nvSpPr>
+        <p:spPr/>
+      </p:sp>
+      <p:sp>
+        <p:nvSpPr>
+          <p:cNvPr id="3" name="Notes Placeholder 2"/>
+          <p:cNvSpPr>
+            <a:spLocks noGrp="1"/>
+          </p:cNvSpPr>
+          <p:nvPr>
+            <p:ph type="body" idx="1"/>
+          </p:nvPr>
+        </p:nvSpPr>
+        <p:spPr/>
+        <p:txBody>
+          <a:bodyPr/>
+          <a:lstStyle/>
+          <a:p>
+            <a:endParaRPr lang="en-US"/>
+          </a:p>
+        </p:txBody>
+      </p:sp>
+      <p:sp>
+        <p:nvSpPr>
+          <p:cNvPr id="4" name="Slide Number Placeholder 3"/>
+          <p:cNvSpPr>
+            <a:spLocks noGrp="1"/>
+          </p:cNvSpPr>
+          <p:nvPr>
+            <p:ph type="sldNum" sz="quarter" idx="10"/>
+          </p:nvPr>
+        </p:nvSpPr>
+        <p:spPr/>
+        <p:txBody>
+          <a:bodyPr/>
+          <a:lstStyle/>
+          <a:p>
+            <a:fld id="{0331ECBF-CC2B-47B0-A627-BCA69053E9B5}" type="slidenum">
+              <a:rPr lang="en-US" smtClean="0"/>
+              <a:t>17</a:t>
             </a:fld>
             <a:endParaRPr lang="en-US"/>
           </a:p>
@@ -1358,387 +1487,6 @@
           <a:bodyPr/>
           <a:lstStyle/>
           <a:p>
-            <a:pPr fontAlgn="base"/>
-            <a:r>
-              <a:rPr lang="en-US" b="1" dirty="0"/>
-              <a:t>In the good old days, clinicians thought in groups; “rounding,” whether on the wards or in the radiology reading room, was a chance for colleagues to work together on problems too difficult for any single mind to solve</a:t>
-            </a:r>
-            <a:r>
-              <a:rPr lang="en-US" b="1" dirty="0" smtClean="0"/>
-              <a:t>.</a:t>
-            </a:r>
-          </a:p>
-          <a:p>
-            <a:pPr fontAlgn="base"/>
-            <a:endParaRPr lang="en-US" b="1" dirty="0"/>
-          </a:p>
-          <a:p>
-            <a:pPr fontAlgn="base"/>
-            <a:r>
-              <a:rPr lang="en-US" b="1" dirty="0"/>
-              <a:t>Today, thinking looks very different: we do it alone, bathed in the blue light of computer </a:t>
-            </a:r>
-            <a:r>
-              <a:rPr lang="en-US" b="1" dirty="0" smtClean="0"/>
-              <a:t>screens.</a:t>
-            </a:r>
-            <a:r>
-              <a:rPr lang="en-US" b="1" baseline="0" dirty="0" smtClean="0"/>
-              <a:t> </a:t>
-            </a:r>
-            <a:r>
-              <a:rPr lang="en-US" b="1" dirty="0" smtClean="0"/>
-              <a:t>Our </a:t>
-            </a:r>
-            <a:r>
-              <a:rPr lang="en-US" b="1" dirty="0"/>
-              <a:t>knee-jerk reaction is to blame the computer, but the roots of this shift run far deeper. Medical thinking has become vastly more complex, mirroring changes in our patients, our health care system, and medical science. The complexity of medicine now exceeds the capacity of the human mind</a:t>
-            </a:r>
-            <a:r>
-              <a:rPr lang="en-US" b="1" dirty="0" smtClean="0"/>
-              <a:t>.</a:t>
-            </a:r>
-          </a:p>
-          <a:p>
-            <a:pPr fontAlgn="base"/>
-            <a:endParaRPr lang="en-US" b="1" dirty="0"/>
-          </a:p>
-          <a:p>
-            <a:pPr fontAlgn="base"/>
-            <a:r>
-              <a:rPr lang="en-US" b="1" dirty="0"/>
-              <a:t>Computers, far from being the problem, are the solution. But using them to manage the complexity of 21st-century medicine will require fundamental changes in the way we think about thinking and in the structure of medical education and research</a:t>
-            </a:r>
-            <a:r>
-              <a:rPr lang="en-US" b="1" dirty="0" smtClean="0"/>
-              <a:t>.</a:t>
-            </a:r>
-          </a:p>
-          <a:p>
-            <a:pPr fontAlgn="base"/>
-            <a:endParaRPr lang="en-US" dirty="0"/>
-          </a:p>
-          <a:p>
-            <a:pPr fontAlgn="base"/>
-            <a:r>
-              <a:rPr lang="en-US" dirty="0"/>
-              <a:t>It’s ironic that just when clinicians feel that there’s no time in their daily routines for thinking, the need for deep thinking is more urgent than ever. Medical knowledge is expanding rapidly, with a widening array of therapies and diagnostics fueled by advances in immunology, genetics, and systems biology. Patients are older, with more coexisting illnesses and more medications. They see more specialists and undergo more diagnostic testing, which leads to exponential accumulation of electronic health record (EHR) data. Every patient is now a “big data” challenge, with vast amounts of information on past trajectories and current states</a:t>
-            </a:r>
-            <a:r>
-              <a:rPr lang="en-US" dirty="0" smtClean="0"/>
-              <a:t>.</a:t>
-            </a:r>
-          </a:p>
-          <a:p>
-            <a:pPr fontAlgn="base"/>
-            <a:endParaRPr lang="en-US" dirty="0"/>
-          </a:p>
-          <a:p>
-            <a:pPr fontAlgn="base"/>
-            <a:r>
-              <a:rPr lang="en-US" dirty="0"/>
-              <a:t>All this information strains our collective ability to think. Medical decision making has become maddeningly complex. Patients and clinicians want simple answers, but we know little about whom to refer for </a:t>
-            </a:r>
-            <a:r>
-              <a:rPr lang="en-US" i="1" dirty="0"/>
-              <a:t>BRCA</a:t>
-            </a:r>
-            <a:r>
-              <a:rPr lang="en-US" dirty="0"/>
-              <a:t> testing or whom to treat with PCSK9 inhibitors. Common processes that were once straightforward — ruling out pulmonary embolism or managing new atrial fibrillation — now require numerous decisions</a:t>
-            </a:r>
-            <a:r>
-              <a:rPr lang="en-US" dirty="0" smtClean="0"/>
-              <a:t>.</a:t>
-            </a:r>
-          </a:p>
-          <a:p>
-            <a:pPr fontAlgn="base"/>
-            <a:endParaRPr lang="en-US" dirty="0"/>
-          </a:p>
-          <a:p>
-            <a:pPr fontAlgn="base"/>
-            <a:r>
-              <a:rPr lang="en-US" dirty="0"/>
-              <a:t>So, it’s not surprising that we get many of these decisions wrong. Most tests come back negative, yet misdiagnosis remains common.</a:t>
-            </a:r>
-            <a:r>
-              <a:rPr lang="en-US" dirty="0">
-                <a:hlinkClick r:id="rId3"/>
-              </a:rPr>
-              <a:t>1</a:t>
-            </a:r>
-            <a:r>
-              <a:rPr lang="en-US" dirty="0"/>
-              <a:t> Patients seeking emergency care are often admitted to the hospital unnecessarily, yet many also die suddenly soon after being sent home.</a:t>
-            </a:r>
-            <a:r>
-              <a:rPr lang="en-US" dirty="0">
-                <a:hlinkClick r:id="rId4"/>
-              </a:rPr>
-              <a:t>2</a:t>
-            </a:r>
-            <a:r>
-              <a:rPr lang="en-US" dirty="0"/>
-              <a:t> Overall, we provide far less benefit to our patients than we hope. These failures contribute to deep dissatisfaction and burnout among doctors and threaten the health care system’s financial sustainability</a:t>
-            </a:r>
-            <a:r>
-              <a:rPr lang="en-US" dirty="0" smtClean="0"/>
-              <a:t>.</a:t>
-            </a:r>
-          </a:p>
-          <a:p>
-            <a:pPr fontAlgn="base"/>
-            <a:endParaRPr lang="en-US" dirty="0"/>
-          </a:p>
-          <a:p>
-            <a:pPr fontAlgn="base"/>
-            <a:r>
-              <a:rPr lang="en-US" dirty="0"/>
-              <a:t>If a root cause of our challenges is complexity, the solutions are unlikely to be simple. Asking doctors to work harder or get smarter won’t help. Calls to reduce “unnecessary” care fall flat: we all know how difficult it’s become to identify what care is necessary. Changing incentives is an appealing lever for policymakers, but that alone will not make decisions any easier: we can reward physicians for delivering less care, but the end result may simply be less care, not better care</a:t>
-            </a:r>
-            <a:r>
-              <a:rPr lang="en-US" dirty="0" smtClean="0"/>
-              <a:t>.</a:t>
-            </a:r>
-          </a:p>
-          <a:p>
-            <a:pPr fontAlgn="base"/>
-            <a:endParaRPr lang="en-US" dirty="0"/>
-          </a:p>
-          <a:p>
-            <a:pPr fontAlgn="base"/>
-            <a:r>
-              <a:rPr lang="en-US" dirty="0"/>
-              <a:t>The first step toward a solution is acknowledging the profound mismatch between the human mind’s abilities and medicine’s complexity. Long ago, we realized that our inborn sensorium was inadequate for scrutinizing the body’s inner workings — hence, we developed microscopes, stethoscopes, electrocardiograms, and radiographs. Will our inborn cognition alone solve the mysteries of health and disease in a new century? The state of our health care system offers little reason for optimism</a:t>
-            </a:r>
-            <a:r>
-              <a:rPr lang="en-US" dirty="0" smtClean="0"/>
-              <a:t>.</a:t>
-            </a:r>
-          </a:p>
-          <a:p>
-            <a:pPr fontAlgn="base"/>
-            <a:endParaRPr lang="en-US" dirty="0"/>
-          </a:p>
-          <a:p>
-            <a:pPr fontAlgn="base"/>
-            <a:r>
-              <a:rPr lang="en-US" dirty="0"/>
-              <a:t>But there is hope. The same computers that today torment us with never-ending checkboxes and forms will tomorrow be able to process and synthesize medical data in ways we could never do ourselves. Already, there are indications that data science can help us with critical problems</a:t>
-            </a:r>
-            <a:r>
-              <a:rPr lang="en-US" dirty="0" smtClean="0"/>
-              <a:t>.</a:t>
-            </a:r>
-          </a:p>
-          <a:p>
-            <a:pPr fontAlgn="base"/>
-            <a:endParaRPr lang="en-US" dirty="0"/>
-          </a:p>
-          <a:p>
-            <a:pPr fontAlgn="base"/>
-            <a:r>
-              <a:rPr lang="en-US" dirty="0"/>
-              <a:t>Consider the challenge of reading electrocardiograms. Doctors look for a handful of features to diagnose ischemia or rhythm disturbances — but can we ever truly “read” the waveforms in a 10-second tracing, let alone the multiple-day recording of a </a:t>
-            </a:r>
-            <a:r>
-              <a:rPr lang="en-US" dirty="0" err="1"/>
-              <a:t>Holter</a:t>
-            </a:r>
-            <a:r>
-              <a:rPr lang="en-US" dirty="0"/>
-              <a:t> monitor? Algorithms, by contrast, can systematically analyze every heartbeat. There are early signs that such analyses can identify subtle microscopic variations linked to sudden cardiac death.</a:t>
-            </a:r>
-            <a:r>
-              <a:rPr lang="en-US" dirty="0">
-                <a:hlinkClick r:id="rId5"/>
-              </a:rPr>
-              <a:t>3</a:t>
-            </a:r>
-            <a:r>
-              <a:rPr lang="en-US" dirty="0"/>
-              <a:t> If validated, such algorithms could help us identify and treat the tens of thousands of Americans who might otherwise drop dead unexpectedly in any given year. And they could guide basic research on the mechanisms of newly discovered predictors</a:t>
-            </a:r>
-            <a:r>
-              <a:rPr lang="en-US" dirty="0" smtClean="0"/>
-              <a:t>.</a:t>
-            </a:r>
-          </a:p>
-          <a:p>
-            <a:pPr fontAlgn="base"/>
-            <a:endParaRPr lang="en-US" dirty="0"/>
-          </a:p>
-          <a:p>
-            <a:pPr fontAlgn="base"/>
-            <a:r>
-              <a:rPr lang="en-US" dirty="0"/>
-              <a:t>Algorithms have also been deployed for an analysis of massive amounts of EHR data whose results suggest that type 2 diabetes has three subtypes, each with its own biologic signature and disease trajectory.</a:t>
-            </a:r>
-            <a:r>
-              <a:rPr lang="en-US" dirty="0">
-                <a:hlinkClick r:id="rId6"/>
-              </a:rPr>
-              <a:t>4</a:t>
-            </a:r>
-            <a:r>
-              <a:rPr lang="en-US" dirty="0"/>
-              <a:t> Knowing which type of patients we’re dealing with can help us deliver treatments to those who benefit most and may help us understand why some patients have complications and others don’t</a:t>
-            </a:r>
-            <a:r>
-              <a:rPr lang="en-US" dirty="0" smtClean="0"/>
-              <a:t>.</a:t>
-            </a:r>
-          </a:p>
-          <a:p>
-            <a:pPr fontAlgn="base"/>
-            <a:endParaRPr lang="en-US" dirty="0"/>
-          </a:p>
-          <a:p>
-            <a:pPr fontAlgn="base"/>
-            <a:r>
-              <a:rPr lang="en-US" dirty="0"/>
-              <a:t>There is little doubt that algorithms will transform the thinking underlying medicine. The only question is whether this transformation will be driven by forces from within or outside the field. If medicine wishes to stay in control of its own future, physicians will not only have to embrace algorithms, they will also have to excel at developing and evaluating them, bringing machine-learning methods into the medical domain</a:t>
-            </a:r>
-            <a:r>
-              <a:rPr lang="en-US" dirty="0" smtClean="0"/>
-              <a:t>.</a:t>
-            </a:r>
-          </a:p>
-          <a:p>
-            <a:pPr fontAlgn="base"/>
-            <a:endParaRPr lang="en-US" dirty="0"/>
-          </a:p>
-          <a:p>
-            <a:pPr fontAlgn="base"/>
-            <a:r>
-              <a:rPr lang="en-US" dirty="0"/>
-              <a:t>Machine learning has already spurred innovation in fields ranging from astrophysics to ecology. In these disciplines, the expert advice of computer scientists is sought when cutting-edge algorithms are needed for thorny problems, but experts in the field — astrophysicists or ecologists — set the research agenda and lead the day-to-day business of applying machine learning to relevant data</a:t>
-            </a:r>
-            <a:r>
-              <a:rPr lang="en-US" dirty="0" smtClean="0"/>
-              <a:t>.</a:t>
-            </a:r>
-          </a:p>
-          <a:p>
-            <a:pPr fontAlgn="base"/>
-            <a:endParaRPr lang="en-US" dirty="0"/>
-          </a:p>
-          <a:p>
-            <a:pPr fontAlgn="base"/>
-            <a:r>
-              <a:rPr lang="en-US" dirty="0"/>
-              <a:t>In medicine, by contrast, clinical records are considered treasure troves of data for researchers from nonclinical disciplines. Physicians are not needed to enroll patients — so they’re consulted only occasionally, perhaps to suggest an interesting outcome to predict. They are far from the intellectual center of the work and rarely engage meaningfully in thinking about how algorithms are developed or what would happen if they were applied clinically</a:t>
-            </a:r>
-            <a:r>
-              <a:rPr lang="en-US" dirty="0" smtClean="0"/>
-              <a:t>.</a:t>
-            </a:r>
-          </a:p>
-          <a:p>
-            <a:pPr fontAlgn="base"/>
-            <a:endParaRPr lang="en-US" dirty="0"/>
-          </a:p>
-          <a:p>
-            <a:pPr fontAlgn="base"/>
-            <a:r>
-              <a:rPr lang="en-US" dirty="0"/>
-              <a:t>But ignoring clinical thinking is dangerous. Imagine a highly accurate algorithm that uses EHR data to predict which emergency department patients are at high risk for stroke. It would learn to diagnose stroke by churning through large sets of routinely collected data. Critically, all these data are the product of human decisions: a patient’s decision to seek care, a doctor’s decision to order a test, a diagnostician’s decision to call the condition a stroke. Thus, rather than predicting the biologic phenomenon of cerebral ischemia, the algorithm would predict the chain of human decisions leading to the coding of stroke</a:t>
-            </a:r>
-            <a:r>
-              <a:rPr lang="en-US" dirty="0" smtClean="0"/>
-              <a:t>.</a:t>
-            </a:r>
-          </a:p>
-          <a:p>
-            <a:pPr fontAlgn="base"/>
-            <a:endParaRPr lang="en-US" dirty="0"/>
-          </a:p>
-          <a:p>
-            <a:pPr fontAlgn="base"/>
-            <a:r>
-              <a:rPr lang="en-US" dirty="0"/>
-              <a:t>Algorithms that learn from human decisions will also learn human mistakes, such as </a:t>
-            </a:r>
-            <a:r>
-              <a:rPr lang="en-US" dirty="0" err="1"/>
-              <a:t>overtesting</a:t>
-            </a:r>
-            <a:r>
-              <a:rPr lang="en-US" dirty="0"/>
-              <a:t> and </a:t>
-            </a:r>
-            <a:r>
-              <a:rPr lang="en-US" dirty="0" err="1"/>
-              <a:t>overdiagnosis</a:t>
-            </a:r>
-            <a:r>
-              <a:rPr lang="en-US" dirty="0"/>
-              <a:t>, failing to notice people who lack access to care, </a:t>
-            </a:r>
-            <a:r>
-              <a:rPr lang="en-US" dirty="0" err="1"/>
-              <a:t>undertesting</a:t>
-            </a:r>
-            <a:r>
-              <a:rPr lang="en-US" dirty="0"/>
-              <a:t> those who cannot pay, and mirroring race or gender biases. Ignoring these facts will result in automating and even magnifying problems in our current health system.</a:t>
-            </a:r>
-            <a:r>
-              <a:rPr lang="en-US" dirty="0">
-                <a:hlinkClick r:id="rId7"/>
-              </a:rPr>
-              <a:t>5</a:t>
-            </a:r>
-            <a:r>
-              <a:rPr lang="en-US" dirty="0"/>
-              <a:t> Noticing and undoing these problems requires a deep familiarity with clinical decisions and the data they produce — a reality that highlights the importance of viewing algorithms as thinking partners, rather than replacements, for doctors</a:t>
-            </a:r>
-            <a:r>
-              <a:rPr lang="en-US" dirty="0" smtClean="0"/>
-              <a:t>.</a:t>
-            </a:r>
-          </a:p>
-          <a:p>
-            <a:pPr fontAlgn="base"/>
-            <a:endParaRPr lang="en-US" dirty="0"/>
-          </a:p>
-          <a:p>
-            <a:pPr fontAlgn="base"/>
-            <a:r>
-              <a:rPr lang="en-US" dirty="0"/>
-              <a:t>Ultimately, machine learning in medicine will be a team sport, like medicine itself. But the team will need some new players: clinicians trained in statistics and computer science, who can contribute meaningfully to algorithm development and evaluation. Today’s medical education system is ill prepared to meet these needs. Undergraduate premedical requirements are absurdly outdated. Medical education does little to train doctors in the data science, statistics, or behavioral science required to develop, evaluate, and apply algorithms in clinical practice</a:t>
-            </a:r>
-            <a:r>
-              <a:rPr lang="en-US" dirty="0" smtClean="0"/>
-              <a:t>.</a:t>
-            </a:r>
-          </a:p>
-          <a:p>
-            <a:pPr fontAlgn="base"/>
-            <a:endParaRPr lang="en-US" dirty="0"/>
-          </a:p>
-          <a:p>
-            <a:pPr fontAlgn="base"/>
-            <a:r>
-              <a:rPr lang="en-US" dirty="0"/>
-              <a:t>The integration of data science and medicine is not as far away as it may seem: cell biology and genetics, once also foreign to medicine, are now at the core of medical research, and medical education has made all doctors into informed consumers of these fields. Similar efforts in data science are urgently needed. If we lay the groundwork today, 21st-century clinicians can have the tools they need to process data, make decisions, and master the complexity of 21st-century patients.</a:t>
-            </a:r>
-          </a:p>
-          <a:p>
-            <a:r>
-              <a:rPr lang="en-US" dirty="0"/>
-              <a:t> </a:t>
-            </a:r>
-          </a:p>
-          <a:p>
-            <a:r>
-              <a:rPr lang="en-US" dirty="0" smtClean="0"/>
-              <a:t/>
-            </a:r>
-            <a:br>
-              <a:rPr lang="en-US" dirty="0" smtClean="0"/>
-            </a:br>
             <a:endParaRPr lang="en-US" dirty="0"/>
           </a:p>
         </p:txBody>
@@ -1758,18 +1506,34 @@
           <a:bodyPr/>
           <a:lstStyle/>
           <a:p>
-            <a:fld id="{0331ECBF-CC2B-47B0-A627-BCA69053E9B5}" type="slidenum">
-              <a:rPr lang="en-US" smtClean="0"/>
+            <a:pPr defTabSz="918515">
+              <a:defRPr/>
+            </a:pPr>
+            <a:fld id="{B1683E88-F191-4F69-A29D-62A3EA806C18}" type="slidenum">
+              <a:rPr lang="en-US" sz="900">
+                <a:solidFill>
+                  <a:prstClr val="black"/>
+                </a:solidFill>
+                <a:latin typeface="Arial"/>
+              </a:rPr>
+              <a:pPr defTabSz="918515">
+                <a:defRPr/>
+              </a:pPr>
               <a:t>2</a:t>
             </a:fld>
-            <a:endParaRPr lang="en-US"/>
+            <a:endParaRPr lang="en-US" sz="900" dirty="0">
+              <a:solidFill>
+                <a:prstClr val="black"/>
+              </a:solidFill>
+              <a:latin typeface="Arial"/>
+            </a:endParaRPr>
           </a:p>
         </p:txBody>
       </p:sp>
     </p:spTree>
     <p:extLst>
       <p:ext uri="{BB962C8B-B14F-4D97-AF65-F5344CB8AC3E}">
-        <p14:creationId xmlns:p14="http://schemas.microsoft.com/office/powerpoint/2010/main" val="4090373790"/>
+        <p14:creationId xmlns:p14="http://schemas.microsoft.com/office/powerpoint/2010/main" val="3862367480"/>
       </p:ext>
     </p:extLst>
   </p:cSld>
@@ -1823,7 +1587,388 @@
           <a:bodyPr/>
           <a:lstStyle/>
           <a:p>
-            <a:endParaRPr lang="en-US"/>
+            <a:pPr fontAlgn="base"/>
+            <a:r>
+              <a:rPr lang="en-US" b="1" dirty="0"/>
+              <a:t>In the good old days, clinicians thought in groups; “rounding,” whether on the wards or in the radiology reading room, was a chance for colleagues to work together on problems too difficult for any single mind to solve</a:t>
+            </a:r>
+            <a:r>
+              <a:rPr lang="en-US" b="1" dirty="0" smtClean="0"/>
+              <a:t>.</a:t>
+            </a:r>
+          </a:p>
+          <a:p>
+            <a:pPr fontAlgn="base"/>
+            <a:endParaRPr lang="en-US" b="1" dirty="0"/>
+          </a:p>
+          <a:p>
+            <a:pPr fontAlgn="base"/>
+            <a:r>
+              <a:rPr lang="en-US" b="1" dirty="0"/>
+              <a:t>Today, thinking looks very different: we do it alone, bathed in the blue light of computer </a:t>
+            </a:r>
+            <a:r>
+              <a:rPr lang="en-US" b="1" dirty="0" smtClean="0"/>
+              <a:t>screens.</a:t>
+            </a:r>
+            <a:r>
+              <a:rPr lang="en-US" b="1" baseline="0" dirty="0" smtClean="0"/>
+              <a:t> </a:t>
+            </a:r>
+            <a:r>
+              <a:rPr lang="en-US" b="1" dirty="0" smtClean="0"/>
+              <a:t>Our </a:t>
+            </a:r>
+            <a:r>
+              <a:rPr lang="en-US" b="1" dirty="0"/>
+              <a:t>knee-jerk reaction is to blame the computer, but the roots of this shift run far deeper. Medical thinking has become vastly more complex, mirroring changes in our patients, our health care system, and medical science. The complexity of medicine now exceeds the capacity of the human mind</a:t>
+            </a:r>
+            <a:r>
+              <a:rPr lang="en-US" b="1" dirty="0" smtClean="0"/>
+              <a:t>.</a:t>
+            </a:r>
+          </a:p>
+          <a:p>
+            <a:pPr fontAlgn="base"/>
+            <a:endParaRPr lang="en-US" b="1" dirty="0"/>
+          </a:p>
+          <a:p>
+            <a:pPr fontAlgn="base"/>
+            <a:r>
+              <a:rPr lang="en-US" b="1" dirty="0"/>
+              <a:t>Computers, far from being the problem, are the solution. But using them to manage the complexity of 21st-century medicine will require fundamental changes in the way we think about thinking and in the structure of medical education and research</a:t>
+            </a:r>
+            <a:r>
+              <a:rPr lang="en-US" b="1" dirty="0" smtClean="0"/>
+              <a:t>.</a:t>
+            </a:r>
+          </a:p>
+          <a:p>
+            <a:pPr fontAlgn="base"/>
+            <a:endParaRPr lang="en-US" dirty="0"/>
+          </a:p>
+          <a:p>
+            <a:pPr fontAlgn="base"/>
+            <a:r>
+              <a:rPr lang="en-US" dirty="0"/>
+              <a:t>It’s ironic that just when clinicians feel that there’s no time in their daily routines for thinking, the need for deep thinking is more urgent than ever. Medical knowledge is expanding rapidly, with a widening array of therapies and diagnostics fueled by advances in immunology, genetics, and systems biology. Patients are older, with more coexisting illnesses and more medications. They see more specialists and undergo more diagnostic testing, which leads to exponential accumulation of electronic health record (EHR) data. Every patient is now a “big data” challenge, with vast amounts of information on past trajectories and current states</a:t>
+            </a:r>
+            <a:r>
+              <a:rPr lang="en-US" dirty="0" smtClean="0"/>
+              <a:t>.</a:t>
+            </a:r>
+          </a:p>
+          <a:p>
+            <a:pPr fontAlgn="base"/>
+            <a:endParaRPr lang="en-US" dirty="0"/>
+          </a:p>
+          <a:p>
+            <a:pPr fontAlgn="base"/>
+            <a:r>
+              <a:rPr lang="en-US" dirty="0"/>
+              <a:t>All this information strains our collective ability to think. Medical decision making has become maddeningly complex. Patients and clinicians want simple answers, but we know little about whom to refer for </a:t>
+            </a:r>
+            <a:r>
+              <a:rPr lang="en-US" i="1" dirty="0"/>
+              <a:t>BRCA</a:t>
+            </a:r>
+            <a:r>
+              <a:rPr lang="en-US" dirty="0"/>
+              <a:t> testing or whom to treat with PCSK9 inhibitors. Common processes that were once straightforward — ruling out pulmonary embolism or managing new atrial fibrillation — now require numerous decisions</a:t>
+            </a:r>
+            <a:r>
+              <a:rPr lang="en-US" dirty="0" smtClean="0"/>
+              <a:t>.</a:t>
+            </a:r>
+          </a:p>
+          <a:p>
+            <a:pPr fontAlgn="base"/>
+            <a:endParaRPr lang="en-US" dirty="0"/>
+          </a:p>
+          <a:p>
+            <a:pPr fontAlgn="base"/>
+            <a:r>
+              <a:rPr lang="en-US" dirty="0"/>
+              <a:t>So, it’s not surprising that we get many of these decisions wrong. Most tests come back negative, yet misdiagnosis remains common.</a:t>
+            </a:r>
+            <a:r>
+              <a:rPr lang="en-US" dirty="0">
+                <a:hlinkClick r:id="rId3"/>
+              </a:rPr>
+              <a:t>1</a:t>
+            </a:r>
+            <a:r>
+              <a:rPr lang="en-US" dirty="0"/>
+              <a:t> Patients seeking emergency care are often admitted to the hospital unnecessarily, yet many also die suddenly soon after being sent home.</a:t>
+            </a:r>
+            <a:r>
+              <a:rPr lang="en-US" dirty="0">
+                <a:hlinkClick r:id="rId4"/>
+              </a:rPr>
+              <a:t>2</a:t>
+            </a:r>
+            <a:r>
+              <a:rPr lang="en-US" dirty="0"/>
+              <a:t> Overall, we provide far less benefit to our patients than we hope. These failures contribute to deep dissatisfaction and burnout among doctors and threaten the health care system’s financial sustainability</a:t>
+            </a:r>
+            <a:r>
+              <a:rPr lang="en-US" dirty="0" smtClean="0"/>
+              <a:t>.</a:t>
+            </a:r>
+          </a:p>
+          <a:p>
+            <a:pPr fontAlgn="base"/>
+            <a:endParaRPr lang="en-US" dirty="0"/>
+          </a:p>
+          <a:p>
+            <a:pPr fontAlgn="base"/>
+            <a:r>
+              <a:rPr lang="en-US" dirty="0"/>
+              <a:t>If a root cause of our challenges is complexity, the solutions are unlikely to be simple. Asking doctors to work harder or get smarter won’t help. Calls to reduce “unnecessary” care fall flat: we all know how difficult it’s become to identify what care is necessary. Changing incentives is an appealing lever for policymakers, but that alone will not make decisions any easier: we can reward physicians for delivering less care, but the end result may simply be less care, not better care</a:t>
+            </a:r>
+            <a:r>
+              <a:rPr lang="en-US" dirty="0" smtClean="0"/>
+              <a:t>.</a:t>
+            </a:r>
+          </a:p>
+          <a:p>
+            <a:pPr fontAlgn="base"/>
+            <a:endParaRPr lang="en-US" dirty="0"/>
+          </a:p>
+          <a:p>
+            <a:pPr fontAlgn="base"/>
+            <a:r>
+              <a:rPr lang="en-US" dirty="0"/>
+              <a:t>The first step toward a solution is acknowledging the profound mismatch between the human mind’s abilities and medicine’s complexity. Long ago, we realized that our inborn sensorium was inadequate for scrutinizing the body’s inner workings — hence, we developed microscopes, stethoscopes, electrocardiograms, and radiographs. Will our inborn cognition alone solve the mysteries of health and disease in a new century? The state of our health care system offers little reason for optimism</a:t>
+            </a:r>
+            <a:r>
+              <a:rPr lang="en-US" dirty="0" smtClean="0"/>
+              <a:t>.</a:t>
+            </a:r>
+          </a:p>
+          <a:p>
+            <a:pPr fontAlgn="base"/>
+            <a:endParaRPr lang="en-US" dirty="0"/>
+          </a:p>
+          <a:p>
+            <a:pPr fontAlgn="base"/>
+            <a:r>
+              <a:rPr lang="en-US" dirty="0"/>
+              <a:t>But there is hope. The same computers that today torment us with never-ending checkboxes and forms will tomorrow be able to process and synthesize medical data in ways we could never do ourselves. Already, there are indications that data science can help us with critical problems</a:t>
+            </a:r>
+            <a:r>
+              <a:rPr lang="en-US" dirty="0" smtClean="0"/>
+              <a:t>.</a:t>
+            </a:r>
+          </a:p>
+          <a:p>
+            <a:pPr fontAlgn="base"/>
+            <a:endParaRPr lang="en-US" dirty="0"/>
+          </a:p>
+          <a:p>
+            <a:pPr fontAlgn="base"/>
+            <a:r>
+              <a:rPr lang="en-US" dirty="0"/>
+              <a:t>Consider the challenge of reading electrocardiograms. Doctors look for a handful of features to diagnose ischemia or rhythm disturbances — but can we ever truly “read” the waveforms in a 10-second tracing, let alone the multiple-day recording of a </a:t>
+            </a:r>
+            <a:r>
+              <a:rPr lang="en-US" dirty="0" err="1"/>
+              <a:t>Holter</a:t>
+            </a:r>
+            <a:r>
+              <a:rPr lang="en-US" dirty="0"/>
+              <a:t> monitor? Algorithms, by contrast, can systematically analyze every heartbeat. There are early signs that such analyses can identify subtle microscopic variations linked to sudden cardiac death.</a:t>
+            </a:r>
+            <a:r>
+              <a:rPr lang="en-US" dirty="0">
+                <a:hlinkClick r:id="rId5"/>
+              </a:rPr>
+              <a:t>3</a:t>
+            </a:r>
+            <a:r>
+              <a:rPr lang="en-US" dirty="0"/>
+              <a:t> If validated, such algorithms could help us identify and treat the tens of thousands of Americans who might otherwise drop dead unexpectedly in any given year. And they could guide basic research on the mechanisms of newly discovered predictors</a:t>
+            </a:r>
+            <a:r>
+              <a:rPr lang="en-US" dirty="0" smtClean="0"/>
+              <a:t>.</a:t>
+            </a:r>
+          </a:p>
+          <a:p>
+            <a:pPr fontAlgn="base"/>
+            <a:endParaRPr lang="en-US" dirty="0"/>
+          </a:p>
+          <a:p>
+            <a:pPr fontAlgn="base"/>
+            <a:r>
+              <a:rPr lang="en-US" dirty="0"/>
+              <a:t>Algorithms have also been deployed for an analysis of massive amounts of EHR data whose results suggest that type 2 diabetes has three subtypes, each with its own biologic signature and disease trajectory.</a:t>
+            </a:r>
+            <a:r>
+              <a:rPr lang="en-US" dirty="0">
+                <a:hlinkClick r:id="rId6"/>
+              </a:rPr>
+              <a:t>4</a:t>
+            </a:r>
+            <a:r>
+              <a:rPr lang="en-US" dirty="0"/>
+              <a:t> Knowing which type of patients we’re dealing with can help us deliver treatments to those who benefit most and may help us understand why some patients have complications and others don’t</a:t>
+            </a:r>
+            <a:r>
+              <a:rPr lang="en-US" dirty="0" smtClean="0"/>
+              <a:t>.</a:t>
+            </a:r>
+          </a:p>
+          <a:p>
+            <a:pPr fontAlgn="base"/>
+            <a:endParaRPr lang="en-US" dirty="0"/>
+          </a:p>
+          <a:p>
+            <a:pPr fontAlgn="base"/>
+            <a:r>
+              <a:rPr lang="en-US" dirty="0"/>
+              <a:t>There is little doubt that algorithms will transform the thinking underlying medicine. The only question is whether this transformation will be driven by forces from within or outside the field. If medicine wishes to stay in control of its own future, physicians will not only have to embrace algorithms, they will also have to excel at developing and evaluating them, bringing machine-learning methods into the medical domain</a:t>
+            </a:r>
+            <a:r>
+              <a:rPr lang="en-US" dirty="0" smtClean="0"/>
+              <a:t>.</a:t>
+            </a:r>
+          </a:p>
+          <a:p>
+            <a:pPr fontAlgn="base"/>
+            <a:endParaRPr lang="en-US" dirty="0"/>
+          </a:p>
+          <a:p>
+            <a:pPr fontAlgn="base"/>
+            <a:r>
+              <a:rPr lang="en-US" dirty="0"/>
+              <a:t>Machine learning has already spurred innovation in fields ranging from astrophysics to ecology. In these disciplines, the expert advice of computer scientists is sought when cutting-edge algorithms are needed for thorny problems, but experts in the field — astrophysicists or ecologists — set the research agenda and lead the day-to-day business of applying machine learning to relevant data</a:t>
+            </a:r>
+            <a:r>
+              <a:rPr lang="en-US" dirty="0" smtClean="0"/>
+              <a:t>.</a:t>
+            </a:r>
+          </a:p>
+          <a:p>
+            <a:pPr fontAlgn="base"/>
+            <a:endParaRPr lang="en-US" dirty="0"/>
+          </a:p>
+          <a:p>
+            <a:pPr fontAlgn="base"/>
+            <a:r>
+              <a:rPr lang="en-US" dirty="0"/>
+              <a:t>In medicine, by contrast, clinical records are considered treasure troves of data for researchers from nonclinical disciplines. Physicians are not needed to enroll patients — so they’re consulted only occasionally, perhaps to suggest an interesting outcome to predict. They are far from the intellectual center of the work and rarely engage meaningfully in thinking about how algorithms are developed or what would happen if they were applied clinically</a:t>
+            </a:r>
+            <a:r>
+              <a:rPr lang="en-US" dirty="0" smtClean="0"/>
+              <a:t>.</a:t>
+            </a:r>
+          </a:p>
+          <a:p>
+            <a:pPr fontAlgn="base"/>
+            <a:endParaRPr lang="en-US" dirty="0"/>
+          </a:p>
+          <a:p>
+            <a:pPr fontAlgn="base"/>
+            <a:r>
+              <a:rPr lang="en-US" dirty="0"/>
+              <a:t>But ignoring clinical thinking is dangerous. Imagine a highly accurate algorithm that uses EHR data to predict which emergency department patients are at high risk for stroke. It would learn to diagnose stroke by churning through large sets of routinely collected data. Critically, all these data are the product of human decisions: a patient’s decision to seek care, a doctor’s decision to order a test, a diagnostician’s decision to call the condition a stroke. Thus, rather than predicting the biologic phenomenon of cerebral ischemia, the algorithm would predict the chain of human decisions leading to the coding of stroke</a:t>
+            </a:r>
+            <a:r>
+              <a:rPr lang="en-US" dirty="0" smtClean="0"/>
+              <a:t>.</a:t>
+            </a:r>
+          </a:p>
+          <a:p>
+            <a:pPr fontAlgn="base"/>
+            <a:endParaRPr lang="en-US" dirty="0"/>
+          </a:p>
+          <a:p>
+            <a:pPr fontAlgn="base"/>
+            <a:r>
+              <a:rPr lang="en-US" dirty="0"/>
+              <a:t>Algorithms that learn from human decisions will also learn human mistakes, such as </a:t>
+            </a:r>
+            <a:r>
+              <a:rPr lang="en-US" dirty="0" err="1"/>
+              <a:t>overtesting</a:t>
+            </a:r>
+            <a:r>
+              <a:rPr lang="en-US" dirty="0"/>
+              <a:t> and </a:t>
+            </a:r>
+            <a:r>
+              <a:rPr lang="en-US" dirty="0" err="1"/>
+              <a:t>overdiagnosis</a:t>
+            </a:r>
+            <a:r>
+              <a:rPr lang="en-US" dirty="0"/>
+              <a:t>, failing to notice people who lack access to care, </a:t>
+            </a:r>
+            <a:r>
+              <a:rPr lang="en-US" dirty="0" err="1"/>
+              <a:t>undertesting</a:t>
+            </a:r>
+            <a:r>
+              <a:rPr lang="en-US" dirty="0"/>
+              <a:t> those who cannot pay, and mirroring race or gender biases. Ignoring these facts will result in automating and even magnifying problems in our current health system.</a:t>
+            </a:r>
+            <a:r>
+              <a:rPr lang="en-US" dirty="0">
+                <a:hlinkClick r:id="rId7"/>
+              </a:rPr>
+              <a:t>5</a:t>
+            </a:r>
+            <a:r>
+              <a:rPr lang="en-US" dirty="0"/>
+              <a:t> Noticing and undoing these problems requires a deep familiarity with clinical decisions and the data they produce — a reality that highlights the importance of viewing algorithms as thinking partners, rather than replacements, for doctors</a:t>
+            </a:r>
+            <a:r>
+              <a:rPr lang="en-US" dirty="0" smtClean="0"/>
+              <a:t>.</a:t>
+            </a:r>
+          </a:p>
+          <a:p>
+            <a:pPr fontAlgn="base"/>
+            <a:endParaRPr lang="en-US" dirty="0"/>
+          </a:p>
+          <a:p>
+            <a:pPr fontAlgn="base"/>
+            <a:r>
+              <a:rPr lang="en-US" dirty="0"/>
+              <a:t>Ultimately, machine learning in medicine will be a team sport, like medicine itself. But the team will need some new players: clinicians trained in statistics and computer science, who can contribute meaningfully to algorithm development and evaluation. Today’s medical education system is ill prepared to meet these needs. Undergraduate premedical requirements are absurdly outdated. Medical education does little to train doctors in the data science, statistics, or behavioral science required to develop, evaluate, and apply algorithms in clinical practice</a:t>
+            </a:r>
+            <a:r>
+              <a:rPr lang="en-US" dirty="0" smtClean="0"/>
+              <a:t>.</a:t>
+            </a:r>
+          </a:p>
+          <a:p>
+            <a:pPr fontAlgn="base"/>
+            <a:endParaRPr lang="en-US" dirty="0"/>
+          </a:p>
+          <a:p>
+            <a:pPr fontAlgn="base"/>
+            <a:r>
+              <a:rPr lang="en-US" dirty="0"/>
+              <a:t>The integration of data science and medicine is not as far away as it may seem: cell biology and genetics, once also foreign to medicine, are now at the core of medical research, and medical education has made all doctors into informed consumers of these fields. Similar efforts in data science are urgently needed. If we lay the groundwork today, 21st-century clinicians can have the tools they need to process data, make decisions, and master the complexity of 21st-century patients.</a:t>
+            </a:r>
+          </a:p>
+          <a:p>
+            <a:r>
+              <a:rPr lang="en-US" dirty="0"/>
+              <a:t> </a:t>
+            </a:r>
+          </a:p>
+          <a:p>
+            <a:r>
+              <a:rPr lang="en-US" dirty="0" smtClean="0"/>
+              <a:t/>
+            </a:r>
+            <a:br>
+              <a:rPr lang="en-US" dirty="0" smtClean="0"/>
+            </a:br>
+            <a:endParaRPr lang="en-US" dirty="0"/>
           </a:p>
         </p:txBody>
       </p:sp>
@@ -1853,7 +1998,7 @@
     </p:spTree>
     <p:extLst>
       <p:ext uri="{BB962C8B-B14F-4D97-AF65-F5344CB8AC3E}">
-        <p14:creationId xmlns:p14="http://schemas.microsoft.com/office/powerpoint/2010/main" val="2346364339"/>
+        <p14:creationId xmlns:p14="http://schemas.microsoft.com/office/powerpoint/2010/main" val="4090373790"/>
       </p:ext>
     </p:extLst>
   </p:cSld>
@@ -1937,7 +2082,7 @@
     </p:spTree>
     <p:extLst>
       <p:ext uri="{BB962C8B-B14F-4D97-AF65-F5344CB8AC3E}">
-        <p14:creationId xmlns:p14="http://schemas.microsoft.com/office/powerpoint/2010/main" val="2632106734"/>
+        <p14:creationId xmlns:p14="http://schemas.microsoft.com/office/powerpoint/2010/main" val="2346364339"/>
       </p:ext>
     </p:extLst>
   </p:cSld>
@@ -2021,7 +2166,7 @@
     </p:spTree>
     <p:extLst>
       <p:ext uri="{BB962C8B-B14F-4D97-AF65-F5344CB8AC3E}">
-        <p14:creationId xmlns:p14="http://schemas.microsoft.com/office/powerpoint/2010/main" val="2621183855"/>
+        <p14:creationId xmlns:p14="http://schemas.microsoft.com/office/powerpoint/2010/main" val="2632106734"/>
       </p:ext>
     </p:extLst>
   </p:cSld>
@@ -2105,7 +2250,7 @@
     </p:spTree>
     <p:extLst>
       <p:ext uri="{BB962C8B-B14F-4D97-AF65-F5344CB8AC3E}">
-        <p14:creationId xmlns:p14="http://schemas.microsoft.com/office/powerpoint/2010/main" val="2434618469"/>
+        <p14:creationId xmlns:p14="http://schemas.microsoft.com/office/powerpoint/2010/main" val="2621183855"/>
       </p:ext>
     </p:extLst>
   </p:cSld>
@@ -2189,6 +2334,90 @@
     </p:spTree>
     <p:extLst>
       <p:ext uri="{BB962C8B-B14F-4D97-AF65-F5344CB8AC3E}">
+        <p14:creationId xmlns:p14="http://schemas.microsoft.com/office/powerpoint/2010/main" val="2434618469"/>
+      </p:ext>
+    </p:extLst>
+  </p:cSld>
+  <p:clrMapOvr>
+    <a:masterClrMapping/>
+  </p:clrMapOvr>
+</p:notes>
+</file>
+
+<file path=ppt/notesSlides/notesSlide8.xml><?xml version="1.0" encoding="utf-8"?>
+<p:notes xmlns:a="http://schemas.openxmlformats.org/drawingml/2006/main" xmlns:r="http://schemas.openxmlformats.org/officeDocument/2006/relationships" xmlns:p="http://schemas.openxmlformats.org/presentationml/2006/main">
+  <p:cSld>
+    <p:spTree>
+      <p:nvGrpSpPr>
+        <p:cNvPr id="1" name=""/>
+        <p:cNvGrpSpPr/>
+        <p:nvPr/>
+      </p:nvGrpSpPr>
+      <p:grpSpPr>
+        <a:xfrm>
+          <a:off x="0" y="0"/>
+          <a:ext cx="0" cy="0"/>
+          <a:chOff x="0" y="0"/>
+          <a:chExt cx="0" cy="0"/>
+        </a:xfrm>
+      </p:grpSpPr>
+      <p:sp>
+        <p:nvSpPr>
+          <p:cNvPr id="2" name="Slide Image Placeholder 1"/>
+          <p:cNvSpPr>
+            <a:spLocks noGrp="1" noRot="1" noChangeAspect="1"/>
+          </p:cNvSpPr>
+          <p:nvPr>
+            <p:ph type="sldImg"/>
+          </p:nvPr>
+        </p:nvSpPr>
+        <p:spPr/>
+      </p:sp>
+      <p:sp>
+        <p:nvSpPr>
+          <p:cNvPr id="3" name="Notes Placeholder 2"/>
+          <p:cNvSpPr>
+            <a:spLocks noGrp="1"/>
+          </p:cNvSpPr>
+          <p:nvPr>
+            <p:ph type="body" idx="1"/>
+          </p:nvPr>
+        </p:nvSpPr>
+        <p:spPr/>
+        <p:txBody>
+          <a:bodyPr/>
+          <a:lstStyle/>
+          <a:p>
+            <a:endParaRPr lang="en-US"/>
+          </a:p>
+        </p:txBody>
+      </p:sp>
+      <p:sp>
+        <p:nvSpPr>
+          <p:cNvPr id="4" name="Slide Number Placeholder 3"/>
+          <p:cNvSpPr>
+            <a:spLocks noGrp="1"/>
+          </p:cNvSpPr>
+          <p:nvPr>
+            <p:ph type="sldNum" sz="quarter" idx="10"/>
+          </p:nvPr>
+        </p:nvSpPr>
+        <p:spPr/>
+        <p:txBody>
+          <a:bodyPr/>
+          <a:lstStyle/>
+          <a:p>
+            <a:fld id="{0331ECBF-CC2B-47B0-A627-BCA69053E9B5}" type="slidenum">
+              <a:rPr lang="en-US" smtClean="0"/>
+              <a:t>8</a:t>
+            </a:fld>
+            <a:endParaRPr lang="en-US"/>
+          </a:p>
+        </p:txBody>
+      </p:sp>
+    </p:spTree>
+    <p:extLst>
+      <p:ext uri="{BB962C8B-B14F-4D97-AF65-F5344CB8AC3E}">
         <p14:creationId xmlns:p14="http://schemas.microsoft.com/office/powerpoint/2010/main" val="2460818726"/>
       </p:ext>
     </p:extLst>
@@ -2199,7 +2428,7 @@
 </p:notes>
 </file>
 
-<file path=ppt/notesSlides/notesSlide8.xml><?xml version="1.0" encoding="utf-8"?>
+<file path=ppt/notesSlides/notesSlide9.xml><?xml version="1.0" encoding="utf-8"?>
 <p:notes xmlns:a="http://schemas.openxmlformats.org/drawingml/2006/main" xmlns:r="http://schemas.openxmlformats.org/officeDocument/2006/relationships" xmlns:p="http://schemas.openxmlformats.org/presentationml/2006/main" showMasterSp="0" showMasterPhAnim="0">
   <p:cSld>
     <p:spTree>
@@ -2290,134 +2519,6 @@
     <p:extLst>
       <p:ext uri="{BB962C8B-B14F-4D97-AF65-F5344CB8AC3E}">
         <p14:creationId xmlns:p14="http://schemas.microsoft.com/office/powerpoint/2010/main" val="1504563472"/>
-      </p:ext>
-    </p:extLst>
-  </p:cSld>
-  <p:clrMapOvr>
-    <a:masterClrMapping/>
-  </p:clrMapOvr>
-</p:notes>
-</file>
-
-<file path=ppt/notesSlides/notesSlide9.xml><?xml version="1.0" encoding="utf-8"?>
-<p:notes xmlns:a="http://schemas.openxmlformats.org/drawingml/2006/main" xmlns:r="http://schemas.openxmlformats.org/officeDocument/2006/relationships" xmlns:p="http://schemas.openxmlformats.org/presentationml/2006/main" showMasterSp="0" showMasterPhAnim="0">
-  <p:cSld>
-    <p:spTree>
-      <p:nvGrpSpPr>
-        <p:cNvPr id="1" name="Shape 300"/>
-        <p:cNvGrpSpPr/>
-        <p:nvPr/>
-      </p:nvGrpSpPr>
-      <p:grpSpPr>
-        <a:xfrm>
-          <a:off x="0" y="0"/>
-          <a:ext cx="0" cy="0"/>
-          <a:chOff x="0" y="0"/>
-          <a:chExt cx="0" cy="0"/>
-        </a:xfrm>
-      </p:grpSpPr>
-      <p:sp>
-        <p:nvSpPr>
-          <p:cNvPr id="301" name="Shape 301"/>
-          <p:cNvSpPr txBox="1">
-            <a:spLocks noGrp="1"/>
-          </p:cNvSpPr>
-          <p:nvPr>
-            <p:ph type="body" idx="1"/>
-          </p:nvPr>
-        </p:nvSpPr>
-        <p:spPr>
-          <a:xfrm>
-            <a:off x="701041" y="4415790"/>
-            <a:ext cx="5608319" cy="4183380"/>
-          </a:xfrm>
-          <a:prstGeom prst="rect">
-            <a:avLst/>
-          </a:prstGeom>
-          <a:noFill/>
-          <a:ln>
-            <a:noFill/>
-          </a:ln>
-        </p:spPr>
-        <p:txBody>
-          <a:bodyPr wrap="square" lIns="93162" tIns="93162" rIns="93162" bIns="93162" anchor="t" anchorCtr="0">
-            <a:noAutofit/>
-          </a:bodyPr>
-          <a:lstStyle/>
-          <a:p>
-            <a:pPr>
-              <a:buClr>
-                <a:schemeClr val="dk1"/>
-              </a:buClr>
-              <a:buSzPct val="25000"/>
-            </a:pPr>
-            <a:endParaRPr sz="1100">
-              <a:solidFill>
-                <a:schemeClr val="dk1"/>
-              </a:solidFill>
-              <a:latin typeface="Arial"/>
-              <a:ea typeface="Arial"/>
-              <a:cs typeface="Arial"/>
-              <a:sym typeface="Arial"/>
-            </a:endParaRPr>
-          </a:p>
-        </p:txBody>
-      </p:sp>
-      <p:sp>
-        <p:nvSpPr>
-          <p:cNvPr id="302" name="Shape 302"/>
-          <p:cNvSpPr>
-            <a:spLocks noGrp="1" noRot="1" noChangeAspect="1"/>
-          </p:cNvSpPr>
-          <p:nvPr>
-            <p:ph type="sldImg" idx="2"/>
-          </p:nvPr>
-        </p:nvSpPr>
-        <p:spPr>
-          <a:xfrm>
-            <a:off x="406400" y="696913"/>
-            <a:ext cx="6197600" cy="3486150"/>
-          </a:xfrm>
-          <a:custGeom>
-            <a:avLst/>
-            <a:gdLst/>
-            <a:ahLst/>
-            <a:cxnLst/>
-            <a:rect l="0" t="0" r="0" b="0"/>
-            <a:pathLst>
-              <a:path w="120000" h="120000" extrusionOk="0">
-                <a:moveTo>
-                  <a:pt x="0" y="0"/>
-                </a:moveTo>
-                <a:lnTo>
-                  <a:pt x="120000" y="0"/>
-                </a:lnTo>
-                <a:lnTo>
-                  <a:pt x="120000" y="120000"/>
-                </a:lnTo>
-                <a:lnTo>
-                  <a:pt x="0" y="120000"/>
-                </a:lnTo>
-                <a:close/>
-              </a:path>
-            </a:pathLst>
-          </a:custGeom>
-          <a:noFill/>
-          <a:ln w="9525" cap="flat" cmpd="sng">
-            <a:solidFill>
-              <a:srgbClr val="000000"/>
-            </a:solidFill>
-            <a:prstDash val="solid"/>
-            <a:round/>
-            <a:headEnd type="none" w="med" len="med"/>
-            <a:tailEnd type="none" w="med" len="med"/>
-          </a:ln>
-        </p:spPr>
-      </p:sp>
-    </p:spTree>
-    <p:extLst>
-      <p:ext uri="{BB962C8B-B14F-4D97-AF65-F5344CB8AC3E}">
-        <p14:creationId xmlns:p14="http://schemas.microsoft.com/office/powerpoint/2010/main" val="3451199587"/>
       </p:ext>
     </p:extLst>
   </p:cSld>
@@ -2650,6 +2751,689 @@
 </file>
 
 <file path=ppt/slideLayouts/slideLayout10.xml><?xml version="1.0" encoding="utf-8"?>
+<p:sldLayout xmlns:a="http://schemas.openxmlformats.org/drawingml/2006/main" xmlns:r="http://schemas.openxmlformats.org/officeDocument/2006/relationships" xmlns:p="http://schemas.openxmlformats.org/presentationml/2006/main" type="title">
+  <p:cSld name="Title slide">
+    <p:bg>
+      <p:bgPr>
+        <a:blipFill>
+          <a:blip r:embed="rId2">
+            <a:alphaModFix/>
+          </a:blip>
+          <a:stretch>
+            <a:fillRect/>
+          </a:stretch>
+        </a:blipFill>
+        <a:effectLst/>
+      </p:bgPr>
+    </p:bg>
+    <p:spTree>
+      <p:nvGrpSpPr>
+        <p:cNvPr id="1" name="Shape 9"/>
+        <p:cNvGrpSpPr/>
+        <p:nvPr/>
+      </p:nvGrpSpPr>
+      <p:grpSpPr>
+        <a:xfrm>
+          <a:off x="0" y="0"/>
+          <a:ext cx="0" cy="0"/>
+          <a:chOff x="0" y="0"/>
+          <a:chExt cx="0" cy="0"/>
+        </a:xfrm>
+      </p:grpSpPr>
+      <p:sp>
+        <p:nvSpPr>
+          <p:cNvPr id="10" name="Shape 10"/>
+          <p:cNvSpPr/>
+          <p:nvPr/>
+        </p:nvSpPr>
+        <p:spPr>
+          <a:xfrm flipH="1">
+            <a:off x="10995199" y="5661233"/>
+            <a:ext cx="1196800" cy="1196800"/>
+          </a:xfrm>
+          <a:prstGeom prst="rtTriangle">
+            <a:avLst/>
+          </a:prstGeom>
+          <a:solidFill>
+            <a:schemeClr val="lt1"/>
+          </a:solidFill>
+          <a:ln>
+            <a:noFill/>
+          </a:ln>
+        </p:spPr>
+        <p:txBody>
+          <a:bodyPr wrap="square" lIns="121900" tIns="121900" rIns="121900" bIns="121900" anchor="ctr" anchorCtr="0">
+            <a:noAutofit/>
+          </a:bodyPr>
+          <a:lstStyle/>
+          <a:p>
+            <a:pPr>
+              <a:buClr>
+                <a:srgbClr val="000000"/>
+              </a:buClr>
+              <a:buFont typeface="Arial"/>
+              <a:buNone/>
+            </a:pPr>
+            <a:endParaRPr sz="1867" kern="0">
+              <a:solidFill>
+                <a:srgbClr val="000000"/>
+              </a:solidFill>
+              <a:ea typeface="Arial"/>
+              <a:cs typeface="Arial"/>
+              <a:sym typeface="Arial"/>
+            </a:endParaRPr>
+          </a:p>
+        </p:txBody>
+      </p:sp>
+      <p:sp>
+        <p:nvSpPr>
+          <p:cNvPr id="11" name="Shape 11"/>
+          <p:cNvSpPr/>
+          <p:nvPr/>
+        </p:nvSpPr>
+        <p:spPr>
+          <a:xfrm flipH="1">
+            <a:off x="10995199" y="5661167"/>
+            <a:ext cx="1196800" cy="1196800"/>
+          </a:xfrm>
+          <a:prstGeom prst="round1Rect">
+            <a:avLst>
+              <a:gd name="adj" fmla="val 16667"/>
+            </a:avLst>
+          </a:prstGeom>
+          <a:solidFill>
+            <a:schemeClr val="lt1">
+              <a:alpha val="67843"/>
+            </a:schemeClr>
+          </a:solidFill>
+          <a:ln>
+            <a:noFill/>
+          </a:ln>
+        </p:spPr>
+        <p:txBody>
+          <a:bodyPr wrap="square" lIns="121900" tIns="121900" rIns="121900" bIns="121900" anchor="ctr" anchorCtr="0">
+            <a:noAutofit/>
+          </a:bodyPr>
+          <a:lstStyle/>
+          <a:p>
+            <a:pPr>
+              <a:buClr>
+                <a:srgbClr val="000000"/>
+              </a:buClr>
+              <a:buFont typeface="Arial"/>
+              <a:buNone/>
+            </a:pPr>
+            <a:endParaRPr sz="1867" kern="0">
+              <a:solidFill>
+                <a:srgbClr val="000000"/>
+              </a:solidFill>
+              <a:ea typeface="Arial"/>
+              <a:cs typeface="Arial"/>
+              <a:sym typeface="Arial"/>
+            </a:endParaRPr>
+          </a:p>
+        </p:txBody>
+      </p:sp>
+      <p:sp>
+        <p:nvSpPr>
+          <p:cNvPr id="12" name="Shape 12"/>
+          <p:cNvSpPr txBox="1">
+            <a:spLocks noGrp="1"/>
+          </p:cNvSpPr>
+          <p:nvPr>
+            <p:ph type="ctrTitle"/>
+          </p:nvPr>
+        </p:nvSpPr>
+        <p:spPr>
+          <a:xfrm>
+            <a:off x="520700" y="2425700"/>
+            <a:ext cx="10962800" cy="1244800"/>
+          </a:xfrm>
+          <a:prstGeom prst="rect">
+            <a:avLst/>
+          </a:prstGeom>
+          <a:noFill/>
+          <a:ln>
+            <a:noFill/>
+          </a:ln>
+        </p:spPr>
+        <p:txBody>
+          <a:bodyPr wrap="square" lIns="91425" tIns="91425" rIns="91425" bIns="91425" anchor="b" anchorCtr="0"/>
+          <a:lstStyle>
+            <a:lvl1pPr marL="0" marR="0" lvl="0" indent="0" algn="l" rtl="0">
+              <a:lnSpc>
+                <a:spcPct val="100000"/>
+              </a:lnSpc>
+              <a:spcBef>
+                <a:spcPts val="0"/>
+              </a:spcBef>
+              <a:spcAft>
+                <a:spcPts val="0"/>
+              </a:spcAft>
+              <a:buClr>
+                <a:schemeClr val="lt1"/>
+              </a:buClr>
+              <a:buFont typeface="Roboto"/>
+              <a:buNone/>
+              <a:defRPr sz="6400" b="0" i="0" u="none" strike="noStrike" cap="none">
+                <a:solidFill>
+                  <a:schemeClr val="lt1"/>
+                </a:solidFill>
+                <a:latin typeface="Roboto"/>
+                <a:ea typeface="Roboto"/>
+                <a:cs typeface="Roboto"/>
+                <a:sym typeface="Roboto"/>
+              </a:defRPr>
+            </a:lvl1pPr>
+            <a:lvl2pPr lvl="1" indent="0">
+              <a:spcBef>
+                <a:spcPts val="0"/>
+              </a:spcBef>
+              <a:buClr>
+                <a:schemeClr val="lt1"/>
+              </a:buClr>
+              <a:buFont typeface="Roboto"/>
+              <a:buNone/>
+              <a:defRPr sz="6400">
+                <a:solidFill>
+                  <a:schemeClr val="lt1"/>
+                </a:solidFill>
+                <a:latin typeface="Roboto"/>
+                <a:ea typeface="Roboto"/>
+                <a:cs typeface="Roboto"/>
+                <a:sym typeface="Roboto"/>
+              </a:defRPr>
+            </a:lvl2pPr>
+            <a:lvl3pPr lvl="2" indent="0">
+              <a:spcBef>
+                <a:spcPts val="0"/>
+              </a:spcBef>
+              <a:buClr>
+                <a:schemeClr val="lt1"/>
+              </a:buClr>
+              <a:buFont typeface="Roboto"/>
+              <a:buNone/>
+              <a:defRPr sz="6400">
+                <a:solidFill>
+                  <a:schemeClr val="lt1"/>
+                </a:solidFill>
+                <a:latin typeface="Roboto"/>
+                <a:ea typeface="Roboto"/>
+                <a:cs typeface="Roboto"/>
+                <a:sym typeface="Roboto"/>
+              </a:defRPr>
+            </a:lvl3pPr>
+            <a:lvl4pPr lvl="3" indent="0">
+              <a:spcBef>
+                <a:spcPts val="0"/>
+              </a:spcBef>
+              <a:buClr>
+                <a:schemeClr val="lt1"/>
+              </a:buClr>
+              <a:buFont typeface="Roboto"/>
+              <a:buNone/>
+              <a:defRPr sz="6400">
+                <a:solidFill>
+                  <a:schemeClr val="lt1"/>
+                </a:solidFill>
+                <a:latin typeface="Roboto"/>
+                <a:ea typeface="Roboto"/>
+                <a:cs typeface="Roboto"/>
+                <a:sym typeface="Roboto"/>
+              </a:defRPr>
+            </a:lvl4pPr>
+            <a:lvl5pPr lvl="4" indent="0">
+              <a:spcBef>
+                <a:spcPts val="0"/>
+              </a:spcBef>
+              <a:buClr>
+                <a:schemeClr val="lt1"/>
+              </a:buClr>
+              <a:buFont typeface="Roboto"/>
+              <a:buNone/>
+              <a:defRPr sz="6400">
+                <a:solidFill>
+                  <a:schemeClr val="lt1"/>
+                </a:solidFill>
+                <a:latin typeface="Roboto"/>
+                <a:ea typeface="Roboto"/>
+                <a:cs typeface="Roboto"/>
+                <a:sym typeface="Roboto"/>
+              </a:defRPr>
+            </a:lvl5pPr>
+            <a:lvl6pPr lvl="5" indent="0">
+              <a:spcBef>
+                <a:spcPts val="0"/>
+              </a:spcBef>
+              <a:buClr>
+                <a:schemeClr val="lt1"/>
+              </a:buClr>
+              <a:buFont typeface="Roboto"/>
+              <a:buNone/>
+              <a:defRPr sz="6400">
+                <a:solidFill>
+                  <a:schemeClr val="lt1"/>
+                </a:solidFill>
+                <a:latin typeface="Roboto"/>
+                <a:ea typeface="Roboto"/>
+                <a:cs typeface="Roboto"/>
+                <a:sym typeface="Roboto"/>
+              </a:defRPr>
+            </a:lvl6pPr>
+            <a:lvl7pPr lvl="6" indent="0">
+              <a:spcBef>
+                <a:spcPts val="0"/>
+              </a:spcBef>
+              <a:buClr>
+                <a:schemeClr val="lt1"/>
+              </a:buClr>
+              <a:buFont typeface="Roboto"/>
+              <a:buNone/>
+              <a:defRPr sz="6400">
+                <a:solidFill>
+                  <a:schemeClr val="lt1"/>
+                </a:solidFill>
+                <a:latin typeface="Roboto"/>
+                <a:ea typeface="Roboto"/>
+                <a:cs typeface="Roboto"/>
+                <a:sym typeface="Roboto"/>
+              </a:defRPr>
+            </a:lvl7pPr>
+            <a:lvl8pPr lvl="7" indent="0">
+              <a:spcBef>
+                <a:spcPts val="0"/>
+              </a:spcBef>
+              <a:buClr>
+                <a:schemeClr val="lt1"/>
+              </a:buClr>
+              <a:buFont typeface="Roboto"/>
+              <a:buNone/>
+              <a:defRPr sz="6400">
+                <a:solidFill>
+                  <a:schemeClr val="lt1"/>
+                </a:solidFill>
+                <a:latin typeface="Roboto"/>
+                <a:ea typeface="Roboto"/>
+                <a:cs typeface="Roboto"/>
+                <a:sym typeface="Roboto"/>
+              </a:defRPr>
+            </a:lvl8pPr>
+            <a:lvl9pPr lvl="8" indent="0">
+              <a:spcBef>
+                <a:spcPts val="0"/>
+              </a:spcBef>
+              <a:buClr>
+                <a:schemeClr val="lt1"/>
+              </a:buClr>
+              <a:buFont typeface="Roboto"/>
+              <a:buNone/>
+              <a:defRPr sz="6400">
+                <a:solidFill>
+                  <a:schemeClr val="lt1"/>
+                </a:solidFill>
+                <a:latin typeface="Roboto"/>
+                <a:ea typeface="Roboto"/>
+                <a:cs typeface="Roboto"/>
+                <a:sym typeface="Roboto"/>
+              </a:defRPr>
+            </a:lvl9pPr>
+          </a:lstStyle>
+          <a:p>
+            <a:endParaRPr/>
+          </a:p>
+        </p:txBody>
+      </p:sp>
+      <p:sp>
+        <p:nvSpPr>
+          <p:cNvPr id="13" name="Shape 13"/>
+          <p:cNvSpPr txBox="1">
+            <a:spLocks noGrp="1"/>
+          </p:cNvSpPr>
+          <p:nvPr>
+            <p:ph type="subTitle" idx="1"/>
+          </p:nvPr>
+        </p:nvSpPr>
+        <p:spPr>
+          <a:xfrm>
+            <a:off x="520700" y="3718840"/>
+            <a:ext cx="10962800" cy="577200"/>
+          </a:xfrm>
+          <a:prstGeom prst="rect">
+            <a:avLst/>
+          </a:prstGeom>
+          <a:noFill/>
+          <a:ln>
+            <a:noFill/>
+          </a:ln>
+        </p:spPr>
+        <p:txBody>
+          <a:bodyPr wrap="square" lIns="91425" tIns="91425" rIns="91425" bIns="91425" anchor="t" anchorCtr="0"/>
+          <a:lstStyle>
+            <a:lvl1pPr marL="0" marR="0" lvl="0" indent="0" algn="l" rtl="0">
+              <a:lnSpc>
+                <a:spcPct val="100000"/>
+              </a:lnSpc>
+              <a:spcBef>
+                <a:spcPts val="0"/>
+              </a:spcBef>
+              <a:spcAft>
+                <a:spcPts val="0"/>
+              </a:spcAft>
+              <a:buClr>
+                <a:schemeClr val="lt1"/>
+              </a:buClr>
+              <a:buFont typeface="Roboto"/>
+              <a:buNone/>
+              <a:defRPr sz="2400" b="0" i="0" u="none" strike="noStrike" cap="none">
+                <a:solidFill>
+                  <a:schemeClr val="lt1"/>
+                </a:solidFill>
+                <a:latin typeface="Roboto"/>
+                <a:ea typeface="Roboto"/>
+                <a:cs typeface="Roboto"/>
+                <a:sym typeface="Roboto"/>
+              </a:defRPr>
+            </a:lvl1pPr>
+            <a:lvl2pPr marL="609585" marR="0" lvl="1" indent="0" algn="l" rtl="0">
+              <a:lnSpc>
+                <a:spcPct val="100000"/>
+              </a:lnSpc>
+              <a:spcBef>
+                <a:spcPts val="0"/>
+              </a:spcBef>
+              <a:spcAft>
+                <a:spcPts val="0"/>
+              </a:spcAft>
+              <a:buClr>
+                <a:schemeClr val="lt1"/>
+              </a:buClr>
+              <a:buFont typeface="Roboto"/>
+              <a:buNone/>
+              <a:defRPr sz="2400" b="0" i="0" u="none" strike="noStrike" cap="none">
+                <a:solidFill>
+                  <a:schemeClr val="lt1"/>
+                </a:solidFill>
+                <a:latin typeface="Roboto"/>
+                <a:ea typeface="Roboto"/>
+                <a:cs typeface="Roboto"/>
+                <a:sym typeface="Roboto"/>
+              </a:defRPr>
+            </a:lvl2pPr>
+            <a:lvl3pPr marL="1219170" marR="0" lvl="2" indent="0" algn="l" rtl="0">
+              <a:lnSpc>
+                <a:spcPct val="100000"/>
+              </a:lnSpc>
+              <a:spcBef>
+                <a:spcPts val="0"/>
+              </a:spcBef>
+              <a:spcAft>
+                <a:spcPts val="0"/>
+              </a:spcAft>
+              <a:buClr>
+                <a:schemeClr val="lt1"/>
+              </a:buClr>
+              <a:buFont typeface="Roboto"/>
+              <a:buNone/>
+              <a:defRPr sz="2400" b="0" i="0" u="none" strike="noStrike" cap="none">
+                <a:solidFill>
+                  <a:schemeClr val="lt1"/>
+                </a:solidFill>
+                <a:latin typeface="Roboto"/>
+                <a:ea typeface="Roboto"/>
+                <a:cs typeface="Roboto"/>
+                <a:sym typeface="Roboto"/>
+              </a:defRPr>
+            </a:lvl3pPr>
+            <a:lvl4pPr marL="1828754" marR="0" lvl="3" indent="0" algn="l" rtl="0">
+              <a:lnSpc>
+                <a:spcPct val="100000"/>
+              </a:lnSpc>
+              <a:spcBef>
+                <a:spcPts val="0"/>
+              </a:spcBef>
+              <a:spcAft>
+                <a:spcPts val="0"/>
+              </a:spcAft>
+              <a:buClr>
+                <a:schemeClr val="lt1"/>
+              </a:buClr>
+              <a:buFont typeface="Roboto"/>
+              <a:buNone/>
+              <a:defRPr sz="2400" b="0" i="0" u="none" strike="noStrike" cap="none">
+                <a:solidFill>
+                  <a:schemeClr val="lt1"/>
+                </a:solidFill>
+                <a:latin typeface="Roboto"/>
+                <a:ea typeface="Roboto"/>
+                <a:cs typeface="Roboto"/>
+                <a:sym typeface="Roboto"/>
+              </a:defRPr>
+            </a:lvl4pPr>
+            <a:lvl5pPr marL="2438339" marR="0" lvl="4" indent="0" algn="l" rtl="0">
+              <a:lnSpc>
+                <a:spcPct val="100000"/>
+              </a:lnSpc>
+              <a:spcBef>
+                <a:spcPts val="0"/>
+              </a:spcBef>
+              <a:spcAft>
+                <a:spcPts val="0"/>
+              </a:spcAft>
+              <a:buClr>
+                <a:schemeClr val="lt1"/>
+              </a:buClr>
+              <a:buFont typeface="Roboto"/>
+              <a:buNone/>
+              <a:defRPr sz="2400" b="0" i="0" u="none" strike="noStrike" cap="none">
+                <a:solidFill>
+                  <a:schemeClr val="lt1"/>
+                </a:solidFill>
+                <a:latin typeface="Roboto"/>
+                <a:ea typeface="Roboto"/>
+                <a:cs typeface="Roboto"/>
+                <a:sym typeface="Roboto"/>
+              </a:defRPr>
+            </a:lvl5pPr>
+            <a:lvl6pPr marL="3047924" marR="0" lvl="5" indent="0" algn="l" rtl="0">
+              <a:lnSpc>
+                <a:spcPct val="100000"/>
+              </a:lnSpc>
+              <a:spcBef>
+                <a:spcPts val="0"/>
+              </a:spcBef>
+              <a:spcAft>
+                <a:spcPts val="0"/>
+              </a:spcAft>
+              <a:buClr>
+                <a:schemeClr val="lt1"/>
+              </a:buClr>
+              <a:buFont typeface="Roboto"/>
+              <a:buNone/>
+              <a:defRPr sz="2400" b="0" i="0" u="none" strike="noStrike" cap="none">
+                <a:solidFill>
+                  <a:schemeClr val="lt1"/>
+                </a:solidFill>
+                <a:latin typeface="Roboto"/>
+                <a:ea typeface="Roboto"/>
+                <a:cs typeface="Roboto"/>
+                <a:sym typeface="Roboto"/>
+              </a:defRPr>
+            </a:lvl6pPr>
+            <a:lvl7pPr marL="3657509" marR="0" lvl="6" indent="0" algn="l" rtl="0">
+              <a:lnSpc>
+                <a:spcPct val="100000"/>
+              </a:lnSpc>
+              <a:spcBef>
+                <a:spcPts val="0"/>
+              </a:spcBef>
+              <a:spcAft>
+                <a:spcPts val="0"/>
+              </a:spcAft>
+              <a:buClr>
+                <a:schemeClr val="lt1"/>
+              </a:buClr>
+              <a:buFont typeface="Roboto"/>
+              <a:buNone/>
+              <a:defRPr sz="2400" b="0" i="0" u="none" strike="noStrike" cap="none">
+                <a:solidFill>
+                  <a:schemeClr val="lt1"/>
+                </a:solidFill>
+                <a:latin typeface="Roboto"/>
+                <a:ea typeface="Roboto"/>
+                <a:cs typeface="Roboto"/>
+                <a:sym typeface="Roboto"/>
+              </a:defRPr>
+            </a:lvl7pPr>
+            <a:lvl8pPr marL="4267093" marR="0" lvl="7" indent="0" algn="l" rtl="0">
+              <a:lnSpc>
+                <a:spcPct val="100000"/>
+              </a:lnSpc>
+              <a:spcBef>
+                <a:spcPts val="0"/>
+              </a:spcBef>
+              <a:spcAft>
+                <a:spcPts val="0"/>
+              </a:spcAft>
+              <a:buClr>
+                <a:schemeClr val="lt1"/>
+              </a:buClr>
+              <a:buFont typeface="Roboto"/>
+              <a:buNone/>
+              <a:defRPr sz="2400" b="0" i="0" u="none" strike="noStrike" cap="none">
+                <a:solidFill>
+                  <a:schemeClr val="lt1"/>
+                </a:solidFill>
+                <a:latin typeface="Roboto"/>
+                <a:ea typeface="Roboto"/>
+                <a:cs typeface="Roboto"/>
+                <a:sym typeface="Roboto"/>
+              </a:defRPr>
+            </a:lvl8pPr>
+            <a:lvl9pPr marL="4876678" marR="0" lvl="8" indent="0" algn="l" rtl="0">
+              <a:lnSpc>
+                <a:spcPct val="100000"/>
+              </a:lnSpc>
+              <a:spcBef>
+                <a:spcPts val="0"/>
+              </a:spcBef>
+              <a:spcAft>
+                <a:spcPts val="0"/>
+              </a:spcAft>
+              <a:buClr>
+                <a:schemeClr val="lt1"/>
+              </a:buClr>
+              <a:buFont typeface="Roboto"/>
+              <a:buNone/>
+              <a:defRPr sz="2400" b="0" i="0" u="none" strike="noStrike" cap="none">
+                <a:solidFill>
+                  <a:schemeClr val="lt1"/>
+                </a:solidFill>
+                <a:latin typeface="Roboto"/>
+                <a:ea typeface="Roboto"/>
+                <a:cs typeface="Roboto"/>
+                <a:sym typeface="Roboto"/>
+              </a:defRPr>
+            </a:lvl9pPr>
+          </a:lstStyle>
+          <a:p>
+            <a:endParaRPr/>
+          </a:p>
+        </p:txBody>
+      </p:sp>
+      <p:sp>
+        <p:nvSpPr>
+          <p:cNvPr id="14" name="Shape 14"/>
+          <p:cNvSpPr txBox="1">
+            <a:spLocks noGrp="1"/>
+          </p:cNvSpPr>
+          <p:nvPr>
+            <p:ph type="sldNum" idx="12"/>
+          </p:nvPr>
+        </p:nvSpPr>
+        <p:spPr>
+          <a:xfrm>
+            <a:off x="11364720" y="6260831"/>
+            <a:ext cx="731600" cy="524800"/>
+          </a:xfrm>
+          <a:prstGeom prst="rect">
+            <a:avLst/>
+          </a:prstGeom>
+          <a:noFill/>
+          <a:ln>
+            <a:noFill/>
+          </a:ln>
+        </p:spPr>
+        <p:txBody>
+          <a:bodyPr wrap="square" lIns="91425" tIns="91425" rIns="91425" bIns="91425" anchor="ctr" anchorCtr="0">
+            <a:noAutofit/>
+          </a:bodyPr>
+          <a:lstStyle/>
+          <a:p>
+            <a:pPr>
+              <a:buClr>
+                <a:srgbClr val="000000"/>
+              </a:buClr>
+              <a:buSzPct val="25000"/>
+              <a:buFont typeface="Arial"/>
+              <a:buNone/>
+            </a:pPr>
+            <a:fld id="{00000000-1234-1234-1234-123412341234}" type="slidenum">
+              <a:rPr lang="en"/>
+              <a:pPr>
+                <a:buClr>
+                  <a:srgbClr val="000000"/>
+                </a:buClr>
+                <a:buSzPct val="25000"/>
+                <a:buFont typeface="Arial"/>
+                <a:buNone/>
+              </a:pPr>
+              <a:t>‹#›</a:t>
+            </a:fld>
+            <a:endParaRPr lang="en"/>
+          </a:p>
+        </p:txBody>
+      </p:sp>
+      <p:pic>
+        <p:nvPicPr>
+          <p:cNvPr id="15" name="Shape 15"/>
+          <p:cNvPicPr preferRelativeResize="0"/>
+          <p:nvPr/>
+        </p:nvPicPr>
+        <p:blipFill rotWithShape="1">
+          <a:blip r:embed="rId3">
+            <a:alphaModFix/>
+          </a:blip>
+          <a:srcRect/>
+          <a:stretch/>
+        </p:blipFill>
+        <p:spPr>
+          <a:xfrm>
+            <a:off x="520683" y="847349"/>
+            <a:ext cx="1663600" cy="1104800"/>
+          </a:xfrm>
+          <a:prstGeom prst="rect">
+            <a:avLst/>
+          </a:prstGeom>
+          <a:noFill/>
+          <a:ln>
+            <a:noFill/>
+          </a:ln>
+        </p:spPr>
+      </p:pic>
+    </p:spTree>
+    <p:extLst>
+      <p:ext uri="{BB962C8B-B14F-4D97-AF65-F5344CB8AC3E}">
+        <p14:creationId xmlns:p14="http://schemas.microsoft.com/office/powerpoint/2010/main" val="138554402"/>
+      </p:ext>
+    </p:extLst>
+  </p:cSld>
+  <p:clrMapOvr>
+    <a:masterClrMapping/>
+  </p:clrMapOvr>
+</p:sldLayout>
+</file>
+
+<file path=ppt/slideLayouts/slideLayout11.xml><?xml version="1.0" encoding="utf-8"?>
 <p:sldLayout xmlns:a="http://schemas.openxmlformats.org/drawingml/2006/main" xmlns:r="http://schemas.openxmlformats.org/officeDocument/2006/relationships" xmlns:p="http://schemas.openxmlformats.org/presentationml/2006/main">
   <p:cSld name="Title slide 1">
     <p:bg>
@@ -3305,7 +4089,7 @@
 </p:sldLayout>
 </file>
 
-<file path=ppt/slideLayouts/slideLayout11.xml><?xml version="1.0" encoding="utf-8"?>
+<file path=ppt/slideLayouts/slideLayout12.xml><?xml version="1.0" encoding="utf-8"?>
 <p:sldLayout xmlns:a="http://schemas.openxmlformats.org/drawingml/2006/main" xmlns:r="http://schemas.openxmlformats.org/officeDocument/2006/relationships" xmlns:p="http://schemas.openxmlformats.org/presentationml/2006/main" type="twoColTx">
   <p:cSld name="Title and two columns">
     <p:spTree>
@@ -4242,7 +5026,7 @@
 </p:sldLayout>
 </file>
 
-<file path=ppt/slideLayouts/slideLayout12.xml><?xml version="1.0" encoding="utf-8"?>
+<file path=ppt/slideLayouts/slideLayout13.xml><?xml version="1.0" encoding="utf-8"?>
 <p:sldLayout xmlns:a="http://schemas.openxmlformats.org/drawingml/2006/main" xmlns:r="http://schemas.openxmlformats.org/officeDocument/2006/relationships" xmlns:p="http://schemas.openxmlformats.org/presentationml/2006/main" type="titleOnly">
   <p:cSld name="Title only">
     <p:spTree>
@@ -4665,7 +5449,7 @@
 </p:sldLayout>
 </file>
 
-<file path=ppt/slideLayouts/slideLayout13.xml><?xml version="1.0" encoding="utf-8"?>
+<file path=ppt/slideLayouts/slideLayout14.xml><?xml version="1.0" encoding="utf-8"?>
 <p:sldLayout xmlns:a="http://schemas.openxmlformats.org/drawingml/2006/main" xmlns:r="http://schemas.openxmlformats.org/officeDocument/2006/relationships" xmlns:p="http://schemas.openxmlformats.org/presentationml/2006/main">
   <p:cSld name="Section title and description">
     <p:spTree>
@@ -5610,7 +6394,7 @@
 </p:sldLayout>
 </file>
 
-<file path=ppt/slideLayouts/slideLayout14.xml><?xml version="1.0" encoding="utf-8"?>
+<file path=ppt/slideLayouts/slideLayout15.xml><?xml version="1.0" encoding="utf-8"?>
 <p:sldLayout xmlns:a="http://schemas.openxmlformats.org/drawingml/2006/main" xmlns:r="http://schemas.openxmlformats.org/officeDocument/2006/relationships" xmlns:p="http://schemas.openxmlformats.org/presentationml/2006/main">
   <p:cSld name="One column text">
     <p:spTree>
@@ -6290,7 +7074,7 @@
 </p:sldLayout>
 </file>
 
-<file path=ppt/slideLayouts/slideLayout15.xml><?xml version="1.0" encoding="utf-8"?>
+<file path=ppt/slideLayouts/slideLayout16.xml><?xml version="1.0" encoding="utf-8"?>
 <p:sldLayout xmlns:a="http://schemas.openxmlformats.org/drawingml/2006/main" xmlns:r="http://schemas.openxmlformats.org/officeDocument/2006/relationships" xmlns:p="http://schemas.openxmlformats.org/presentationml/2006/main" type="blank">
   <p:cSld name="Blank">
     <p:bg>
@@ -6381,7 +7165,7 @@
 </p:sldLayout>
 </file>
 
-<file path=ppt/slideLayouts/slideLayout16.xml><?xml version="1.0" encoding="utf-8"?>
+<file path=ppt/slideLayouts/slideLayout17.xml><?xml version="1.0" encoding="utf-8"?>
 <p:sldLayout xmlns:a="http://schemas.openxmlformats.org/drawingml/2006/main" xmlns:r="http://schemas.openxmlformats.org/officeDocument/2006/relationships" xmlns:p="http://schemas.openxmlformats.org/presentationml/2006/main" type="tx">
   <p:cSld name="Title and body">
     <p:spTree>
@@ -7061,7 +7845,7 @@
 </p:sldLayout>
 </file>
 
-<file path=ppt/slideLayouts/slideLayout17.xml><?xml version="1.0" encoding="utf-8"?>
+<file path=ppt/slideLayouts/slideLayout18.xml><?xml version="1.0" encoding="utf-8"?>
 <p:sldLayout xmlns:a="http://schemas.openxmlformats.org/drawingml/2006/main" xmlns:r="http://schemas.openxmlformats.org/officeDocument/2006/relationships" xmlns:p="http://schemas.openxmlformats.org/presentationml/2006/main">
   <p:cSld name="Main point">
     <p:spTree>
@@ -7361,7 +8145,7 @@
 </p:sldLayout>
 </file>
 
-<file path=ppt/slideLayouts/slideLayout18.xml><?xml version="1.0" encoding="utf-8"?>
+<file path=ppt/slideLayouts/slideLayout19.xml><?xml version="1.0" encoding="utf-8"?>
 <p:sldLayout xmlns:a="http://schemas.openxmlformats.org/drawingml/2006/main" xmlns:r="http://schemas.openxmlformats.org/officeDocument/2006/relationships" xmlns:p="http://schemas.openxmlformats.org/presentationml/2006/main" type="secHead">
   <p:cSld name="Section header">
     <p:spTree>
@@ -7652,76 +8436,6 @@
     <p:extLst>
       <p:ext uri="{BB962C8B-B14F-4D97-AF65-F5344CB8AC3E}">
         <p14:creationId xmlns:p14="http://schemas.microsoft.com/office/powerpoint/2010/main" val="1067146291"/>
-      </p:ext>
-    </p:extLst>
-  </p:cSld>
-  <p:clrMapOvr>
-    <a:masterClrMapping/>
-  </p:clrMapOvr>
-</p:sldLayout>
-</file>
-
-<file path=ppt/slideLayouts/slideLayout19.xml><?xml version="1.0" encoding="utf-8"?>
-<p:sldLayout xmlns:a="http://schemas.openxmlformats.org/drawingml/2006/main" xmlns:r="http://schemas.openxmlformats.org/officeDocument/2006/relationships" xmlns:p="http://schemas.openxmlformats.org/presentationml/2006/main">
-  <p:cSld name="Back Cover Radial Gradient">
-    <p:bg>
-      <p:bgPr>
-        <a:blipFill>
-          <a:blip r:embed="rId2">
-            <a:alphaModFix/>
-          </a:blip>
-          <a:stretch>
-            <a:fillRect/>
-          </a:stretch>
-        </a:blipFill>
-        <a:effectLst/>
-      </p:bgPr>
-    </p:bg>
-    <p:spTree>
-      <p:nvGrpSpPr>
-        <p:cNvPr id="1" name="Shape 66"/>
-        <p:cNvGrpSpPr/>
-        <p:nvPr/>
-      </p:nvGrpSpPr>
-      <p:grpSpPr>
-        <a:xfrm>
-          <a:off x="0" y="0"/>
-          <a:ext cx="0" cy="0"/>
-          <a:chOff x="0" y="0"/>
-          <a:chExt cx="0" cy="0"/>
-        </a:xfrm>
-      </p:grpSpPr>
-      <p:pic>
-        <p:nvPicPr>
-          <p:cNvPr id="67" name="Shape 67"/>
-          <p:cNvPicPr preferRelativeResize="0"/>
-          <p:nvPr/>
-        </p:nvPicPr>
-        <p:blipFill rotWithShape="1">
-          <a:blip r:embed="rId3">
-            <a:alphaModFix/>
-          </a:blip>
-          <a:srcRect/>
-          <a:stretch/>
-        </p:blipFill>
-        <p:spPr>
-          <a:xfrm>
-            <a:off x="4636576" y="2500173"/>
-            <a:ext cx="2811600" cy="1853200"/>
-          </a:xfrm>
-          <a:prstGeom prst="rect">
-            <a:avLst/>
-          </a:prstGeom>
-          <a:noFill/>
-          <a:ln>
-            <a:noFill/>
-          </a:ln>
-        </p:spPr>
-      </p:pic>
-    </p:spTree>
-    <p:extLst>
-      <p:ext uri="{BB962C8B-B14F-4D97-AF65-F5344CB8AC3E}">
-        <p14:creationId xmlns:p14="http://schemas.microsoft.com/office/powerpoint/2010/main" val="1836809719"/>
       </p:ext>
     </p:extLst>
   </p:cSld>
@@ -8091,6 +8805,76 @@
 </file>
 
 <file path=ppt/slideLayouts/slideLayout20.xml><?xml version="1.0" encoding="utf-8"?>
+<p:sldLayout xmlns:a="http://schemas.openxmlformats.org/drawingml/2006/main" xmlns:r="http://schemas.openxmlformats.org/officeDocument/2006/relationships" xmlns:p="http://schemas.openxmlformats.org/presentationml/2006/main">
+  <p:cSld name="Back Cover Radial Gradient">
+    <p:bg>
+      <p:bgPr>
+        <a:blipFill>
+          <a:blip r:embed="rId2">
+            <a:alphaModFix/>
+          </a:blip>
+          <a:stretch>
+            <a:fillRect/>
+          </a:stretch>
+        </a:blipFill>
+        <a:effectLst/>
+      </p:bgPr>
+    </p:bg>
+    <p:spTree>
+      <p:nvGrpSpPr>
+        <p:cNvPr id="1" name="Shape 66"/>
+        <p:cNvGrpSpPr/>
+        <p:nvPr/>
+      </p:nvGrpSpPr>
+      <p:grpSpPr>
+        <a:xfrm>
+          <a:off x="0" y="0"/>
+          <a:ext cx="0" cy="0"/>
+          <a:chOff x="0" y="0"/>
+          <a:chExt cx="0" cy="0"/>
+        </a:xfrm>
+      </p:grpSpPr>
+      <p:pic>
+        <p:nvPicPr>
+          <p:cNvPr id="67" name="Shape 67"/>
+          <p:cNvPicPr preferRelativeResize="0"/>
+          <p:nvPr/>
+        </p:nvPicPr>
+        <p:blipFill rotWithShape="1">
+          <a:blip r:embed="rId3">
+            <a:alphaModFix/>
+          </a:blip>
+          <a:srcRect/>
+          <a:stretch/>
+        </p:blipFill>
+        <p:spPr>
+          <a:xfrm>
+            <a:off x="4636576" y="2500173"/>
+            <a:ext cx="2811600" cy="1853200"/>
+          </a:xfrm>
+          <a:prstGeom prst="rect">
+            <a:avLst/>
+          </a:prstGeom>
+          <a:noFill/>
+          <a:ln>
+            <a:noFill/>
+          </a:ln>
+        </p:spPr>
+      </p:pic>
+    </p:spTree>
+    <p:extLst>
+      <p:ext uri="{BB962C8B-B14F-4D97-AF65-F5344CB8AC3E}">
+        <p14:creationId xmlns:p14="http://schemas.microsoft.com/office/powerpoint/2010/main" val="1836809719"/>
+      </p:ext>
+    </p:extLst>
+  </p:cSld>
+  <p:clrMapOvr>
+    <a:masterClrMapping/>
+  </p:clrMapOvr>
+</p:sldLayout>
+</file>
+
+<file path=ppt/slideLayouts/slideLayout21.xml><?xml version="1.0" encoding="utf-8"?>
 <p:sldLayout xmlns:a="http://schemas.openxmlformats.org/drawingml/2006/main" xmlns:r="http://schemas.openxmlformats.org/officeDocument/2006/relationships" xmlns:p="http://schemas.openxmlformats.org/presentationml/2006/main">
   <p:cSld name="3_Custom Layout">
     <p:spTree>
@@ -8404,7 +9188,7 @@
 </p:sldLayout>
 </file>
 
-<file path=ppt/slideLayouts/slideLayout21.xml><?xml version="1.0" encoding="utf-8"?>
+<file path=ppt/slideLayouts/slideLayout22.xml><?xml version="1.0" encoding="utf-8"?>
 <p:sldLayout xmlns:a="http://schemas.openxmlformats.org/drawingml/2006/main" xmlns:r="http://schemas.openxmlformats.org/officeDocument/2006/relationships" xmlns:p="http://schemas.openxmlformats.org/presentationml/2006/main">
   <p:cSld name="Text and Right Image">
     <p:spTree>
@@ -9196,7 +9980,7 @@
 </p:sldLayout>
 </file>
 
-<file path=ppt/slideLayouts/slideLayout22.xml><?xml version="1.0" encoding="utf-8"?>
+<file path=ppt/slideLayouts/slideLayout23.xml><?xml version="1.0" encoding="utf-8"?>
 <p:sldLayout xmlns:a="http://schemas.openxmlformats.org/drawingml/2006/main" xmlns:r="http://schemas.openxmlformats.org/officeDocument/2006/relationships" xmlns:p="http://schemas.openxmlformats.org/presentationml/2006/main">
   <p:cSld name="Title and Bulleted Text">
     <p:spTree>
@@ -9772,7 +10556,7 @@
 </p:sldLayout>
 </file>
 
-<file path=ppt/slideLayouts/slideLayout23.xml><?xml version="1.0" encoding="utf-8"?>
+<file path=ppt/slideLayouts/slideLayout24.xml><?xml version="1.0" encoding="utf-8"?>
 <p:sldLayout xmlns:a="http://schemas.openxmlformats.org/drawingml/2006/main" xmlns:r="http://schemas.openxmlformats.org/officeDocument/2006/relationships" xmlns:p="http://schemas.openxmlformats.org/presentationml/2006/main">
   <p:cSld name="Text and Bottom Half Image">
     <p:spTree>
@@ -10817,7 +11601,7 @@
 </p:sldLayout>
 </file>
 
-<file path=ppt/slideLayouts/slideLayout24.xml><?xml version="1.0" encoding="utf-8"?>
+<file path=ppt/slideLayouts/slideLayout25.xml><?xml version="1.0" encoding="utf-8"?>
 <p:sldLayout xmlns:a="http://schemas.openxmlformats.org/drawingml/2006/main" xmlns:r="http://schemas.openxmlformats.org/officeDocument/2006/relationships" xmlns:p="http://schemas.openxmlformats.org/presentationml/2006/main">
   <p:cSld name="Title and Content">
     <p:spTree>
@@ -14889,24 +15673,34 @@
 </file>
 
 <file path=ppt/slideLayouts/slideLayout9.xml><?xml version="1.0" encoding="utf-8"?>
-<p:sldLayout xmlns:a="http://schemas.openxmlformats.org/drawingml/2006/main" xmlns:r="http://schemas.openxmlformats.org/officeDocument/2006/relationships" xmlns:p="http://schemas.openxmlformats.org/presentationml/2006/main" type="title">
-  <p:cSld name="Title slide">
+<p:sldLayout xmlns:a="http://schemas.openxmlformats.org/drawingml/2006/main" xmlns:r="http://schemas.openxmlformats.org/officeDocument/2006/relationships" xmlns:p="http://schemas.openxmlformats.org/presentationml/2006/main" userDrawn="1">
+  <p:cSld name="Title and Content - dark gradient">
     <p:bg>
       <p:bgPr>
-        <a:blipFill>
-          <a:blip r:embed="rId2">
-            <a:alphaModFix/>
-          </a:blip>
-          <a:stretch>
-            <a:fillRect/>
-          </a:stretch>
-        </a:blipFill>
+        <a:gradFill>
+          <a:gsLst>
+            <a:gs pos="19000">
+              <a:schemeClr val="bg2"/>
+            </a:gs>
+            <a:gs pos="100000">
+              <a:schemeClr val="bg2">
+                <a:lumMod val="30000"/>
+              </a:schemeClr>
+            </a:gs>
+            <a:gs pos="0">
+              <a:schemeClr val="bg2"/>
+            </a:gs>
+          </a:gsLst>
+          <a:path path="circle">
+            <a:fillToRect l="50000" t="50000" r="50000" b="50000"/>
+          </a:path>
+        </a:gradFill>
         <a:effectLst/>
       </p:bgPr>
     </p:bg>
     <p:spTree>
       <p:nvGrpSpPr>
-        <p:cNvPr id="1" name="Shape 9"/>
+        <p:cNvPr id="1" name=""/>
         <p:cNvGrpSpPr/>
         <p:nvPr/>
       </p:nvGrpSpPr>
@@ -14918,114 +15712,30 @@
           <a:chExt cx="0" cy="0"/>
         </a:xfrm>
       </p:grpSpPr>
-      <p:sp>
-        <p:nvSpPr>
-          <p:cNvPr id="10" name="Shape 10"/>
-          <p:cNvSpPr/>
-          <p:nvPr/>
-        </p:nvSpPr>
-        <p:spPr>
-          <a:xfrm flipH="1">
-            <a:off x="10995199" y="5661233"/>
-            <a:ext cx="1196800" cy="1196800"/>
-          </a:xfrm>
-          <a:prstGeom prst="rtTriangle">
-            <a:avLst/>
-          </a:prstGeom>
-          <a:solidFill>
-            <a:schemeClr val="lt1"/>
-          </a:solidFill>
-          <a:ln>
-            <a:noFill/>
-          </a:ln>
-        </p:spPr>
-        <p:txBody>
-          <a:bodyPr wrap="square" lIns="121900" tIns="121900" rIns="121900" bIns="121900" anchor="ctr" anchorCtr="0">
-            <a:noAutofit/>
-          </a:bodyPr>
-          <a:lstStyle/>
-          <a:p>
-            <a:pPr>
-              <a:buClr>
-                <a:srgbClr val="000000"/>
-              </a:buClr>
-              <a:buFont typeface="Arial"/>
-              <a:buNone/>
-            </a:pPr>
-            <a:endParaRPr sz="1867" kern="0">
-              <a:solidFill>
-                <a:srgbClr val="000000"/>
-              </a:solidFill>
-              <a:ea typeface="Arial"/>
-              <a:cs typeface="Arial"/>
-              <a:sym typeface="Arial"/>
-            </a:endParaRPr>
-          </a:p>
-        </p:txBody>
-      </p:sp>
-      <p:sp>
-        <p:nvSpPr>
-          <p:cNvPr id="11" name="Shape 11"/>
-          <p:cNvSpPr/>
-          <p:nvPr/>
-        </p:nvSpPr>
-        <p:spPr>
-          <a:xfrm flipH="1">
-            <a:off x="10995199" y="5661167"/>
-            <a:ext cx="1196800" cy="1196800"/>
-          </a:xfrm>
-          <a:prstGeom prst="round1Rect">
-            <a:avLst>
-              <a:gd name="adj" fmla="val 16667"/>
-            </a:avLst>
-          </a:prstGeom>
-          <a:solidFill>
-            <a:schemeClr val="lt1">
-              <a:alpha val="67843"/>
-            </a:schemeClr>
-          </a:solidFill>
-          <a:ln>
-            <a:noFill/>
-          </a:ln>
-        </p:spPr>
-        <p:txBody>
-          <a:bodyPr wrap="square" lIns="121900" tIns="121900" rIns="121900" bIns="121900" anchor="ctr" anchorCtr="0">
-            <a:noAutofit/>
-          </a:bodyPr>
-          <a:lstStyle/>
-          <a:p>
-            <a:pPr>
-              <a:buClr>
-                <a:srgbClr val="000000"/>
-              </a:buClr>
-              <a:buFont typeface="Arial"/>
-              <a:buNone/>
-            </a:pPr>
-            <a:endParaRPr sz="1867" kern="0">
-              <a:solidFill>
-                <a:srgbClr val="000000"/>
-              </a:solidFill>
-              <a:ea typeface="Arial"/>
-              <a:cs typeface="Arial"/>
-              <a:sym typeface="Arial"/>
-            </a:endParaRPr>
-          </a:p>
-        </p:txBody>
-      </p:sp>
-      <p:sp>
-        <p:nvSpPr>
-          <p:cNvPr id="12" name="Shape 12"/>
-          <p:cNvSpPr txBox="1">
-            <a:spLocks noGrp="1"/>
-          </p:cNvSpPr>
-          <p:nvPr>
-            <p:ph type="ctrTitle"/>
-          </p:nvPr>
-        </p:nvSpPr>
-        <p:spPr>
+      <p:pic>
+        <p:nvPicPr>
+          <p:cNvPr id="2050" name="Picture 2"/>
+          <p:cNvPicPr>
+            <a:picLocks noChangeAspect="1" noChangeArrowheads="1"/>
+          </p:cNvPicPr>
+          <p:nvPr userDrawn="1"/>
+        </p:nvPicPr>
+        <p:blipFill>
+          <a:blip r:embed="rId2">
+            <a:extLst>
+              <a:ext uri="{28A0092B-C50C-407E-A947-70E740481C1C}">
+                <a14:useLocalDpi xmlns:a14="http://schemas.microsoft.com/office/drawing/2010/main" val="0"/>
+              </a:ext>
+            </a:extLst>
+          </a:blip>
+          <a:stretch>
+            <a:fillRect/>
+          </a:stretch>
+        </p:blipFill>
+        <p:spPr bwMode="auto">
           <a:xfrm>
-            <a:off x="520700" y="2425700"/>
-            <a:ext cx="10962800" cy="1244800"/>
+            <a:off x="7566" y="1"/>
+            <a:ext cx="12176869" cy="6405033"/>
           </a:xfrm>
           <a:prstGeom prst="rect">
             <a:avLst/>
@@ -15034,540 +15744,311 @@
           <a:ln>
             <a:noFill/>
           </a:ln>
+          <a:effectLst/>
+          <a:extLst>
+            <a:ext uri="{909E8E84-426E-40DD-AFC4-6F175D3DCCD1}">
+              <a14:hiddenFill xmlns:a14="http://schemas.microsoft.com/office/drawing/2010/main">
+                <a:solidFill>
+                  <a:schemeClr val="accent1"/>
+                </a:solidFill>
+              </a14:hiddenFill>
+            </a:ext>
+            <a:ext uri="{91240B29-F687-4F45-9708-019B960494DF}">
+              <a14:hiddenLine xmlns:a14="http://schemas.microsoft.com/office/drawing/2010/main" w="9525">
+                <a:solidFill>
+                  <a:schemeClr val="tx1"/>
+                </a:solidFill>
+                <a:miter lim="800000"/>
+                <a:headEnd/>
+                <a:tailEnd/>
+              </a14:hiddenLine>
+            </a:ext>
+            <a:ext uri="{AF507438-7753-43E0-B8FC-AC1667EBCBE1}">
+              <a14:hiddenEffects xmlns:a14="http://schemas.microsoft.com/office/drawing/2010/main">
+                <a:effectLst>
+                  <a:outerShdw dist="35921" dir="2700000" algn="ctr" rotWithShape="0">
+                    <a:schemeClr val="bg2"/>
+                  </a:outerShdw>
+                </a:effectLst>
+              </a14:hiddenEffects>
+            </a:ext>
+          </a:extLst>
+        </p:spPr>
+      </p:pic>
+      <p:sp>
+        <p:nvSpPr>
+          <p:cNvPr id="2" name="Title 1"/>
+          <p:cNvSpPr>
+            <a:spLocks noGrp="1"/>
+          </p:cNvSpPr>
+          <p:nvPr userDrawn="1">
+            <p:ph type="title" hasCustomPrompt="1"/>
+          </p:nvPr>
+        </p:nvSpPr>
+        <p:spPr>
+          <a:xfrm>
+            <a:off x="471950" y="304701"/>
+            <a:ext cx="11248101" cy="652486"/>
+          </a:xfrm>
         </p:spPr>
         <p:txBody>
-          <a:bodyPr wrap="square" lIns="91425" tIns="91425" rIns="91425" bIns="91425" anchor="b" anchorCtr="0"/>
+          <a:bodyPr/>
           <a:lstStyle>
-            <a:lvl1pPr marL="0" marR="0" lvl="0" indent="0" algn="l" rtl="0">
-              <a:lnSpc>
-                <a:spcPct val="100000"/>
-              </a:lnSpc>
-              <a:spcBef>
-                <a:spcPts val="0"/>
-              </a:spcBef>
-              <a:spcAft>
-                <a:spcPts val="0"/>
-              </a:spcAft>
-              <a:buClr>
-                <a:schemeClr val="lt1"/>
-              </a:buClr>
-              <a:buFont typeface="Roboto"/>
-              <a:buNone/>
-              <a:defRPr sz="6400" b="0" i="0" u="none" strike="noStrike" cap="none">
-                <a:solidFill>
-                  <a:schemeClr val="lt1"/>
-                </a:solidFill>
-                <a:latin typeface="Roboto"/>
-                <a:ea typeface="Roboto"/>
-                <a:cs typeface="Roboto"/>
-                <a:sym typeface="Roboto"/>
+            <a:lvl1pPr>
+              <a:defRPr sz="5200">
+                <a:solidFill>
+                  <a:schemeClr val="tx1">
+                    <a:alpha val="90000"/>
+                  </a:schemeClr>
+                </a:solidFill>
               </a:defRPr>
             </a:lvl1pPr>
-            <a:lvl2pPr lvl="1" indent="0">
-              <a:spcBef>
-                <a:spcPts val="0"/>
-              </a:spcBef>
-              <a:buClr>
-                <a:schemeClr val="lt1"/>
-              </a:buClr>
-              <a:buFont typeface="Roboto"/>
-              <a:buNone/>
-              <a:defRPr sz="6400">
-                <a:solidFill>
-                  <a:schemeClr val="lt1"/>
-                </a:solidFill>
-                <a:latin typeface="Roboto"/>
-                <a:ea typeface="Roboto"/>
-                <a:cs typeface="Roboto"/>
-                <a:sym typeface="Roboto"/>
-              </a:defRPr>
-            </a:lvl2pPr>
-            <a:lvl3pPr lvl="2" indent="0">
-              <a:spcBef>
-                <a:spcPts val="0"/>
-              </a:spcBef>
-              <a:buClr>
-                <a:schemeClr val="lt1"/>
-              </a:buClr>
-              <a:buFont typeface="Roboto"/>
-              <a:buNone/>
-              <a:defRPr sz="6400">
-                <a:solidFill>
-                  <a:schemeClr val="lt1"/>
-                </a:solidFill>
-                <a:latin typeface="Roboto"/>
-                <a:ea typeface="Roboto"/>
-                <a:cs typeface="Roboto"/>
-                <a:sym typeface="Roboto"/>
-              </a:defRPr>
-            </a:lvl3pPr>
-            <a:lvl4pPr lvl="3" indent="0">
-              <a:spcBef>
-                <a:spcPts val="0"/>
-              </a:spcBef>
-              <a:buClr>
-                <a:schemeClr val="lt1"/>
-              </a:buClr>
-              <a:buFont typeface="Roboto"/>
-              <a:buNone/>
-              <a:defRPr sz="6400">
-                <a:solidFill>
-                  <a:schemeClr val="lt1"/>
-                </a:solidFill>
-                <a:latin typeface="Roboto"/>
-                <a:ea typeface="Roboto"/>
-                <a:cs typeface="Roboto"/>
-                <a:sym typeface="Roboto"/>
-              </a:defRPr>
-            </a:lvl4pPr>
-            <a:lvl5pPr lvl="4" indent="0">
-              <a:spcBef>
-                <a:spcPts val="0"/>
-              </a:spcBef>
-              <a:buClr>
-                <a:schemeClr val="lt1"/>
-              </a:buClr>
-              <a:buFont typeface="Roboto"/>
-              <a:buNone/>
-              <a:defRPr sz="6400">
-                <a:solidFill>
-                  <a:schemeClr val="lt1"/>
-                </a:solidFill>
-                <a:latin typeface="Roboto"/>
-                <a:ea typeface="Roboto"/>
-                <a:cs typeface="Roboto"/>
-                <a:sym typeface="Roboto"/>
-              </a:defRPr>
-            </a:lvl5pPr>
-            <a:lvl6pPr lvl="5" indent="0">
-              <a:spcBef>
-                <a:spcPts val="0"/>
-              </a:spcBef>
-              <a:buClr>
-                <a:schemeClr val="lt1"/>
-              </a:buClr>
-              <a:buFont typeface="Roboto"/>
-              <a:buNone/>
-              <a:defRPr sz="6400">
-                <a:solidFill>
-                  <a:schemeClr val="lt1"/>
-                </a:solidFill>
-                <a:latin typeface="Roboto"/>
-                <a:ea typeface="Roboto"/>
-                <a:cs typeface="Roboto"/>
-                <a:sym typeface="Roboto"/>
-              </a:defRPr>
-            </a:lvl6pPr>
-            <a:lvl7pPr lvl="6" indent="0">
-              <a:spcBef>
-                <a:spcPts val="0"/>
-              </a:spcBef>
-              <a:buClr>
-                <a:schemeClr val="lt1"/>
-              </a:buClr>
-              <a:buFont typeface="Roboto"/>
-              <a:buNone/>
-              <a:defRPr sz="6400">
-                <a:solidFill>
-                  <a:schemeClr val="lt1"/>
-                </a:solidFill>
-                <a:latin typeface="Roboto"/>
-                <a:ea typeface="Roboto"/>
-                <a:cs typeface="Roboto"/>
-                <a:sym typeface="Roboto"/>
-              </a:defRPr>
-            </a:lvl7pPr>
-            <a:lvl8pPr lvl="7" indent="0">
-              <a:spcBef>
-                <a:spcPts val="0"/>
-              </a:spcBef>
-              <a:buClr>
-                <a:schemeClr val="lt1"/>
-              </a:buClr>
-              <a:buFont typeface="Roboto"/>
-              <a:buNone/>
-              <a:defRPr sz="6400">
-                <a:solidFill>
-                  <a:schemeClr val="lt1"/>
-                </a:solidFill>
-                <a:latin typeface="Roboto"/>
-                <a:ea typeface="Roboto"/>
-                <a:cs typeface="Roboto"/>
-                <a:sym typeface="Roboto"/>
-              </a:defRPr>
-            </a:lvl8pPr>
-            <a:lvl9pPr lvl="8" indent="0">
-              <a:spcBef>
-                <a:spcPts val="0"/>
-              </a:spcBef>
-              <a:buClr>
-                <a:schemeClr val="lt1"/>
-              </a:buClr>
-              <a:buFont typeface="Roboto"/>
-              <a:buNone/>
-              <a:defRPr sz="6400">
-                <a:solidFill>
-                  <a:schemeClr val="lt1"/>
-                </a:solidFill>
-                <a:latin typeface="Roboto"/>
-                <a:ea typeface="Roboto"/>
-                <a:cs typeface="Roboto"/>
-                <a:sym typeface="Roboto"/>
-              </a:defRPr>
-            </a:lvl9pPr>
           </a:lstStyle>
           <a:p>
-            <a:endParaRPr/>
+            <a:r>
+              <a:rPr lang="en-US" dirty="0"/>
+              <a:t>Click to edit title</a:t>
+            </a:r>
           </a:p>
         </p:txBody>
       </p:sp>
       <p:sp>
         <p:nvSpPr>
-          <p:cNvPr id="13" name="Shape 13"/>
-          <p:cNvSpPr txBox="1">
+          <p:cNvPr id="3" name="Content Placeholder 2"/>
+          <p:cNvSpPr>
             <a:spLocks noGrp="1"/>
           </p:cNvSpPr>
-          <p:nvPr>
-            <p:ph type="subTitle" idx="1"/>
+          <p:nvPr userDrawn="1">
+            <p:ph idx="1" hasCustomPrompt="1"/>
           </p:nvPr>
         </p:nvSpPr>
         <p:spPr>
           <a:xfrm>
-            <a:off x="520700" y="3718840"/>
-            <a:ext cx="10962800" cy="577200"/>
+            <a:off x="471950" y="1558456"/>
+            <a:ext cx="11248101" cy="4284985"/>
+          </a:xfrm>
+        </p:spPr>
+        <p:txBody>
+          <a:bodyPr/>
+          <a:lstStyle>
+            <a:lvl1pPr>
+              <a:buClr>
+                <a:schemeClr val="tx1"/>
+              </a:buClr>
+              <a:defRPr>
+                <a:solidFill>
+                  <a:schemeClr val="tx1"/>
+                </a:solidFill>
+              </a:defRPr>
+            </a:lvl1pPr>
+            <a:lvl2pPr>
+              <a:buClr>
+                <a:schemeClr val="tx1"/>
+              </a:buClr>
+              <a:defRPr>
+                <a:solidFill>
+                  <a:schemeClr val="tx1"/>
+                </a:solidFill>
+              </a:defRPr>
+            </a:lvl2pPr>
+            <a:lvl3pPr>
+              <a:buClr>
+                <a:schemeClr val="tx1"/>
+              </a:buClr>
+              <a:defRPr>
+                <a:solidFill>
+                  <a:schemeClr val="tx1"/>
+                </a:solidFill>
+              </a:defRPr>
+            </a:lvl3pPr>
+            <a:lvl4pPr>
+              <a:buClr>
+                <a:schemeClr val="tx1"/>
+              </a:buClr>
+              <a:defRPr>
+                <a:solidFill>
+                  <a:schemeClr val="tx1"/>
+                </a:solidFill>
+              </a:defRPr>
+            </a:lvl4pPr>
+            <a:lvl5pPr>
+              <a:buClr>
+                <a:schemeClr val="tx1"/>
+              </a:buClr>
+              <a:defRPr>
+                <a:solidFill>
+                  <a:schemeClr val="tx1"/>
+                </a:solidFill>
+              </a:defRPr>
+            </a:lvl5pPr>
+          </a:lstStyle>
+          <a:p>
+            <a:pPr lvl="0"/>
+            <a:r>
+              <a:rPr lang="en-US" dirty="0"/>
+              <a:t>Click to edit text</a:t>
+            </a:r>
+          </a:p>
+          <a:p>
+            <a:pPr lvl="1"/>
+            <a:r>
+              <a:rPr lang="en-US" dirty="0"/>
+              <a:t>Second level</a:t>
+            </a:r>
+          </a:p>
+          <a:p>
+            <a:pPr lvl="2"/>
+            <a:r>
+              <a:rPr lang="en-US" dirty="0"/>
+              <a:t>Third level</a:t>
+            </a:r>
+          </a:p>
+          <a:p>
+            <a:pPr lvl="3"/>
+            <a:r>
+              <a:rPr lang="en-US" dirty="0"/>
+              <a:t>Fourth level</a:t>
+            </a:r>
+          </a:p>
+          <a:p>
+            <a:pPr lvl="4"/>
+            <a:r>
+              <a:rPr lang="en-US" dirty="0"/>
+              <a:t>Fifth level</a:t>
+            </a:r>
+          </a:p>
+        </p:txBody>
+      </p:sp>
+      <p:sp>
+        <p:nvSpPr>
+          <p:cNvPr id="7" name="Text Placeholder 7"/>
+          <p:cNvSpPr>
+            <a:spLocks noGrp="1"/>
+          </p:cNvSpPr>
+          <p:nvPr userDrawn="1">
+            <p:ph type="body" sz="quarter" idx="13" hasCustomPrompt="1"/>
+          </p:nvPr>
+        </p:nvSpPr>
+        <p:spPr>
+          <a:xfrm>
+            <a:off x="471950" y="6185100"/>
+            <a:ext cx="11248101" cy="222240"/>
+          </a:xfrm>
+        </p:spPr>
+        <p:txBody>
+          <a:bodyPr wrap="square" anchor="b" anchorCtr="0">
+            <a:spAutoFit/>
+          </a:bodyPr>
+          <a:lstStyle>
+            <a:lvl1pPr marL="0" indent="0">
+              <a:lnSpc>
+                <a:spcPct val="75000"/>
+              </a:lnSpc>
+              <a:spcBef>
+                <a:spcPts val="0"/>
+              </a:spcBef>
+              <a:buFont typeface="Arial" pitchFamily="34" charset="0"/>
+              <a:buNone/>
+              <a:defRPr sz="1067">
+                <a:solidFill>
+                  <a:schemeClr val="tx1">
+                    <a:lumMod val="75000"/>
+                  </a:schemeClr>
+                </a:solidFill>
+                <a:latin typeface="+mn-lt"/>
+              </a:defRPr>
+            </a:lvl1pPr>
+            <a:lvl2pPr marL="228594" indent="-152396">
+              <a:defRPr sz="1200"/>
+            </a:lvl2pPr>
+            <a:lvl3pPr marL="457189" indent="-152396">
+              <a:defRPr sz="1200"/>
+            </a:lvl3pPr>
+            <a:lvl4pPr marL="685783" indent="-152396">
+              <a:defRPr sz="1200"/>
+            </a:lvl4pPr>
+            <a:lvl5pPr marL="914377" indent="-152396">
+              <a:defRPr sz="1200"/>
+            </a:lvl5pPr>
+          </a:lstStyle>
+          <a:p>
+            <a:pPr lvl="0"/>
+            <a:r>
+              <a:rPr lang="en-US" dirty="0"/>
+              <a:t>Click to edit footnote</a:t>
+            </a:r>
+          </a:p>
+        </p:txBody>
+      </p:sp>
+      <p:sp>
+        <p:nvSpPr>
+          <p:cNvPr id="4" name="Slide Number Placeholder 3"/>
+          <p:cNvSpPr>
+            <a:spLocks noGrp="1"/>
+          </p:cNvSpPr>
+          <p:nvPr userDrawn="1">
+            <p:ph type="sldNum" sz="quarter" idx="14"/>
+          </p:nvPr>
+        </p:nvSpPr>
+        <p:spPr>
+          <a:xfrm>
+            <a:off x="11797792" y="6553185"/>
+            <a:ext cx="170987" cy="164148"/>
           </a:xfrm>
           <a:prstGeom prst="rect">
             <a:avLst/>
           </a:prstGeom>
-          <a:noFill/>
-          <a:ln>
-            <a:noFill/>
-          </a:ln>
         </p:spPr>
         <p:txBody>
-          <a:bodyPr wrap="square" lIns="91425" tIns="91425" rIns="91425" bIns="91425" anchor="t" anchorCtr="0"/>
-          <a:lstStyle>
-            <a:lvl1pPr marL="0" marR="0" lvl="0" indent="0" algn="l" rtl="0">
-              <a:lnSpc>
-                <a:spcPct val="100000"/>
-              </a:lnSpc>
-              <a:spcBef>
-                <a:spcPts val="0"/>
+          <a:bodyPr/>
+          <a:lstStyle/>
+          <a:p>
+            <a:pPr eaLnBrk="0" fontAlgn="base" hangingPunct="0">
+              <a:spcBef>
+                <a:spcPct val="50000"/>
               </a:spcBef>
               <a:spcAft>
-                <a:spcPts val="0"/>
+                <a:spcPct val="0"/>
               </a:spcAft>
-              <a:buClr>
-                <a:schemeClr val="lt1"/>
-              </a:buClr>
-              <a:buFont typeface="Roboto"/>
-              <a:buNone/>
-              <a:defRPr sz="2400" b="0" i="0" u="none" strike="noStrike" cap="none">
-                <a:solidFill>
-                  <a:schemeClr val="lt1"/>
-                </a:solidFill>
-                <a:latin typeface="Roboto"/>
-                <a:ea typeface="Roboto"/>
-                <a:cs typeface="Roboto"/>
-                <a:sym typeface="Roboto"/>
-              </a:defRPr>
-            </a:lvl1pPr>
-            <a:lvl2pPr marL="609585" marR="0" lvl="1" indent="0" algn="l" rtl="0">
-              <a:lnSpc>
-                <a:spcPct val="100000"/>
-              </a:lnSpc>
-              <a:spcBef>
-                <a:spcPts val="0"/>
-              </a:spcBef>
-              <a:spcAft>
-                <a:spcPts val="0"/>
-              </a:spcAft>
-              <a:buClr>
-                <a:schemeClr val="lt1"/>
-              </a:buClr>
-              <a:buFont typeface="Roboto"/>
-              <a:buNone/>
-              <a:defRPr sz="2400" b="0" i="0" u="none" strike="noStrike" cap="none">
-                <a:solidFill>
-                  <a:schemeClr val="lt1"/>
-                </a:solidFill>
-                <a:latin typeface="Roboto"/>
-                <a:ea typeface="Roboto"/>
-                <a:cs typeface="Roboto"/>
-                <a:sym typeface="Roboto"/>
-              </a:defRPr>
-            </a:lvl2pPr>
-            <a:lvl3pPr marL="1219170" marR="0" lvl="2" indent="0" algn="l" rtl="0">
-              <a:lnSpc>
-                <a:spcPct val="100000"/>
-              </a:lnSpc>
-              <a:spcBef>
-                <a:spcPts val="0"/>
-              </a:spcBef>
-              <a:spcAft>
-                <a:spcPts val="0"/>
-              </a:spcAft>
-              <a:buClr>
-                <a:schemeClr val="lt1"/>
-              </a:buClr>
-              <a:buFont typeface="Roboto"/>
-              <a:buNone/>
-              <a:defRPr sz="2400" b="0" i="0" u="none" strike="noStrike" cap="none">
-                <a:solidFill>
-                  <a:schemeClr val="lt1"/>
-                </a:solidFill>
-                <a:latin typeface="Roboto"/>
-                <a:ea typeface="Roboto"/>
-                <a:cs typeface="Roboto"/>
-                <a:sym typeface="Roboto"/>
-              </a:defRPr>
-            </a:lvl3pPr>
-            <a:lvl4pPr marL="1828754" marR="0" lvl="3" indent="0" algn="l" rtl="0">
-              <a:lnSpc>
-                <a:spcPct val="100000"/>
-              </a:lnSpc>
-              <a:spcBef>
-                <a:spcPts val="0"/>
-              </a:spcBef>
-              <a:spcAft>
-                <a:spcPts val="0"/>
-              </a:spcAft>
-              <a:buClr>
-                <a:schemeClr val="lt1"/>
-              </a:buClr>
-              <a:buFont typeface="Roboto"/>
-              <a:buNone/>
-              <a:defRPr sz="2400" b="0" i="0" u="none" strike="noStrike" cap="none">
-                <a:solidFill>
-                  <a:schemeClr val="lt1"/>
-                </a:solidFill>
-                <a:latin typeface="Roboto"/>
-                <a:ea typeface="Roboto"/>
-                <a:cs typeface="Roboto"/>
-                <a:sym typeface="Roboto"/>
-              </a:defRPr>
-            </a:lvl4pPr>
-            <a:lvl5pPr marL="2438339" marR="0" lvl="4" indent="0" algn="l" rtl="0">
-              <a:lnSpc>
-                <a:spcPct val="100000"/>
-              </a:lnSpc>
-              <a:spcBef>
-                <a:spcPts val="0"/>
-              </a:spcBef>
-              <a:spcAft>
-                <a:spcPts val="0"/>
-              </a:spcAft>
-              <a:buClr>
-                <a:schemeClr val="lt1"/>
-              </a:buClr>
-              <a:buFont typeface="Roboto"/>
-              <a:buNone/>
-              <a:defRPr sz="2400" b="0" i="0" u="none" strike="noStrike" cap="none">
-                <a:solidFill>
-                  <a:schemeClr val="lt1"/>
-                </a:solidFill>
-                <a:latin typeface="Roboto"/>
-                <a:ea typeface="Roboto"/>
-                <a:cs typeface="Roboto"/>
-                <a:sym typeface="Roboto"/>
-              </a:defRPr>
-            </a:lvl5pPr>
-            <a:lvl6pPr marL="3047924" marR="0" lvl="5" indent="0" algn="l" rtl="0">
-              <a:lnSpc>
-                <a:spcPct val="100000"/>
-              </a:lnSpc>
-              <a:spcBef>
-                <a:spcPts val="0"/>
-              </a:spcBef>
-              <a:spcAft>
-                <a:spcPts val="0"/>
-              </a:spcAft>
-              <a:buClr>
-                <a:schemeClr val="lt1"/>
-              </a:buClr>
-              <a:buFont typeface="Roboto"/>
-              <a:buNone/>
-              <a:defRPr sz="2400" b="0" i="0" u="none" strike="noStrike" cap="none">
-                <a:solidFill>
-                  <a:schemeClr val="lt1"/>
-                </a:solidFill>
-                <a:latin typeface="Roboto"/>
-                <a:ea typeface="Roboto"/>
-                <a:cs typeface="Roboto"/>
-                <a:sym typeface="Roboto"/>
-              </a:defRPr>
-            </a:lvl6pPr>
-            <a:lvl7pPr marL="3657509" marR="0" lvl="6" indent="0" algn="l" rtl="0">
-              <a:lnSpc>
-                <a:spcPct val="100000"/>
-              </a:lnSpc>
-              <a:spcBef>
-                <a:spcPts val="0"/>
-              </a:spcBef>
-              <a:spcAft>
-                <a:spcPts val="0"/>
-              </a:spcAft>
-              <a:buClr>
-                <a:schemeClr val="lt1"/>
-              </a:buClr>
-              <a:buFont typeface="Roboto"/>
-              <a:buNone/>
-              <a:defRPr sz="2400" b="0" i="0" u="none" strike="noStrike" cap="none">
-                <a:solidFill>
-                  <a:schemeClr val="lt1"/>
-                </a:solidFill>
-                <a:latin typeface="Roboto"/>
-                <a:ea typeface="Roboto"/>
-                <a:cs typeface="Roboto"/>
-                <a:sym typeface="Roboto"/>
-              </a:defRPr>
-            </a:lvl7pPr>
-            <a:lvl8pPr marL="4267093" marR="0" lvl="7" indent="0" algn="l" rtl="0">
-              <a:lnSpc>
-                <a:spcPct val="100000"/>
-              </a:lnSpc>
-              <a:spcBef>
-                <a:spcPts val="0"/>
-              </a:spcBef>
-              <a:spcAft>
-                <a:spcPts val="0"/>
-              </a:spcAft>
-              <a:buClr>
-                <a:schemeClr val="lt1"/>
-              </a:buClr>
-              <a:buFont typeface="Roboto"/>
-              <a:buNone/>
-              <a:defRPr sz="2400" b="0" i="0" u="none" strike="noStrike" cap="none">
-                <a:solidFill>
-                  <a:schemeClr val="lt1"/>
-                </a:solidFill>
-                <a:latin typeface="Roboto"/>
-                <a:ea typeface="Roboto"/>
-                <a:cs typeface="Roboto"/>
-                <a:sym typeface="Roboto"/>
-              </a:defRPr>
-            </a:lvl8pPr>
-            <a:lvl9pPr marL="4876678" marR="0" lvl="8" indent="0" algn="l" rtl="0">
-              <a:lnSpc>
-                <a:spcPct val="100000"/>
-              </a:lnSpc>
-              <a:spcBef>
-                <a:spcPts val="0"/>
-              </a:spcBef>
-              <a:spcAft>
-                <a:spcPts val="0"/>
-              </a:spcAft>
-              <a:buClr>
-                <a:schemeClr val="lt1"/>
-              </a:buClr>
-              <a:buFont typeface="Roboto"/>
-              <a:buNone/>
-              <a:defRPr sz="2400" b="0" i="0" u="none" strike="noStrike" cap="none">
-                <a:solidFill>
-                  <a:schemeClr val="lt1"/>
-                </a:solidFill>
-                <a:latin typeface="Roboto"/>
-                <a:ea typeface="Roboto"/>
-                <a:cs typeface="Roboto"/>
-                <a:sym typeface="Roboto"/>
-              </a:defRPr>
-            </a:lvl9pPr>
-          </a:lstStyle>
-          <a:p>
-            <a:endParaRPr/>
-          </a:p>
-        </p:txBody>
-      </p:sp>
-      <p:sp>
-        <p:nvSpPr>
-          <p:cNvPr id="14" name="Shape 14"/>
-          <p:cNvSpPr txBox="1">
-            <a:spLocks noGrp="1"/>
-          </p:cNvSpPr>
-          <p:nvPr>
-            <p:ph type="sldNum" idx="12"/>
-          </p:nvPr>
-        </p:nvSpPr>
-        <p:spPr>
-          <a:xfrm>
-            <a:off x="11364720" y="6260831"/>
-            <a:ext cx="731600" cy="524800"/>
-          </a:xfrm>
-          <a:prstGeom prst="rect">
-            <a:avLst/>
-          </a:prstGeom>
-          <a:noFill/>
-          <a:ln>
-            <a:noFill/>
-          </a:ln>
-        </p:spPr>
-        <p:txBody>
-          <a:bodyPr wrap="square" lIns="91425" tIns="91425" rIns="91425" bIns="91425" anchor="ctr" anchorCtr="0">
-            <a:noAutofit/>
-          </a:bodyPr>
-          <a:lstStyle/>
-          <a:p>
-            <a:pPr>
-              <a:buClr>
-                <a:srgbClr val="000000"/>
-              </a:buClr>
-              <a:buSzPct val="25000"/>
-              <a:buFont typeface="Arial"/>
-              <a:buNone/>
             </a:pPr>
-            <a:fld id="{00000000-1234-1234-1234-123412341234}" type="slidenum">
-              <a:rPr lang="en"/>
-              <a:pPr>
-                <a:buClr>
-                  <a:srgbClr val="000000"/>
-                </a:buClr>
-                <a:buSzPct val="25000"/>
-                <a:buFont typeface="Arial"/>
-                <a:buNone/>
+            <a:fld id="{FD44707B-D922-47D5-BD24-D96E91B70543}" type="slidenum">
+              <a:rPr/>
+              <a:pPr eaLnBrk="0" fontAlgn="base" hangingPunct="0">
+                <a:spcBef>
+                  <a:spcPct val="50000"/>
+                </a:spcBef>
+                <a:spcAft>
+                  <a:spcPct val="0"/>
+                </a:spcAft>
               </a:pPr>
               <a:t>‹#›</a:t>
             </a:fld>
-            <a:endParaRPr lang="en"/>
+            <a:endParaRPr dirty="0"/>
           </a:p>
         </p:txBody>
       </p:sp>
-      <p:pic>
-        <p:nvPicPr>
-          <p:cNvPr id="15" name="Shape 15"/>
-          <p:cNvPicPr preferRelativeResize="0"/>
-          <p:nvPr/>
-        </p:nvPicPr>
-        <p:blipFill rotWithShape="1">
-          <a:blip r:embed="rId3">
-            <a:alphaModFix/>
-          </a:blip>
-          <a:srcRect/>
-          <a:stretch/>
-        </p:blipFill>
-        <p:spPr>
-          <a:xfrm>
-            <a:off x="520683" y="847349"/>
-            <a:ext cx="1663600" cy="1104800"/>
-          </a:xfrm>
-          <a:prstGeom prst="rect">
-            <a:avLst/>
-          </a:prstGeom>
-          <a:noFill/>
-          <a:ln>
-            <a:noFill/>
-          </a:ln>
-        </p:spPr>
-      </p:pic>
     </p:spTree>
     <p:extLst>
       <p:ext uri="{BB962C8B-B14F-4D97-AF65-F5344CB8AC3E}">
-        <p14:creationId xmlns:p14="http://schemas.microsoft.com/office/powerpoint/2010/main" val="138554402"/>
+        <p14:creationId xmlns:p14="http://schemas.microsoft.com/office/powerpoint/2010/main" val="795143416"/>
       </p:ext>
     </p:extLst>
   </p:cSld>
   <p:clrMapOvr>
-    <a:masterClrMapping/>
+    <a:overrideClrMapping bg1="dk1" tx1="lt1" bg2="dk2" tx2="lt2" accent1="accent1" accent2="accent2" accent3="accent3" accent4="accent4" accent5="accent5" accent6="accent6" hlink="hlink" folHlink="folHlink"/>
   </p:clrMapOvr>
+  <mc:AlternateContent xmlns:mc="http://schemas.openxmlformats.org/markup-compatibility/2006" xmlns:p14="http://schemas.microsoft.com/office/powerpoint/2010/main">
+    <mc:Choice Requires="p14">
+      <p:transition spd="med" p14:dur="700">
+        <p:fade/>
+      </p:transition>
+    </mc:Choice>
+    <mc:Fallback xmlns="">
+      <p:transition spd="med">
+        <p:fade/>
+      </p:transition>
+    </mc:Fallback>
+  </mc:AlternateContent>
 </p:sldLayout>
 </file>
 
@@ -17708,6 +18189,7 @@
     <p:sldLayoutId id="2147483665" r:id="rId6"/>
     <p:sldLayoutId id="2147483666" r:id="rId7"/>
     <p:sldLayoutId id="2147483668" r:id="rId8"/>
+    <p:sldLayoutId id="2147483686" r:id="rId9"/>
   </p:sldLayoutIdLst>
   <mc:AlternateContent xmlns:mc="http://schemas.openxmlformats.org/markup-compatibility/2006" xmlns:p14="http://schemas.microsoft.com/office/powerpoint/2010/main">
     <mc:Choice Requires="p14">
@@ -19729,6 +20211,519 @@
   <p:cSld>
     <p:spTree>
       <p:nvGrpSpPr>
+        <p:cNvPr id="1" name="Shape 303"/>
+        <p:cNvGrpSpPr/>
+        <p:nvPr/>
+      </p:nvGrpSpPr>
+      <p:grpSpPr>
+        <a:xfrm>
+          <a:off x="0" y="0"/>
+          <a:ext cx="0" cy="0"/>
+          <a:chOff x="0" y="0"/>
+          <a:chExt cx="0" cy="0"/>
+        </a:xfrm>
+      </p:grpSpPr>
+      <p:sp>
+        <p:nvSpPr>
+          <p:cNvPr id="304" name="Shape 304"/>
+          <p:cNvSpPr/>
+          <p:nvPr/>
+        </p:nvSpPr>
+        <p:spPr>
+          <a:xfrm>
+            <a:off x="258943" y="3589577"/>
+            <a:ext cx="11127925" cy="400000"/>
+          </a:xfrm>
+          <a:prstGeom prst="rect">
+            <a:avLst/>
+          </a:prstGeom>
+          <a:solidFill>
+            <a:srgbClr val="0B5394"/>
+          </a:solidFill>
+          <a:ln>
+            <a:noFill/>
+          </a:ln>
+        </p:spPr>
+        <p:txBody>
+          <a:bodyPr wrap="square" lIns="121900" tIns="60933" rIns="121900" bIns="60933" anchor="ctr" anchorCtr="0">
+            <a:noAutofit/>
+          </a:bodyPr>
+          <a:lstStyle/>
+          <a:p>
+            <a:pPr marL="1828754" indent="609585">
+              <a:buClr>
+                <a:srgbClr val="000000"/>
+              </a:buClr>
+            </a:pPr>
+            <a:r>
+              <a:rPr lang="en" sz="2400">
+                <a:solidFill>
+                  <a:schemeClr val="lt1"/>
+                </a:solidFill>
+                <a:latin typeface="Roboto"/>
+                <a:ea typeface="Roboto"/>
+                <a:cs typeface="Roboto"/>
+                <a:sym typeface="Roboto"/>
+              </a:rPr>
+              <a:t>UPM: </a:t>
+            </a:r>
+            <a:r>
+              <a:rPr lang="en" sz="2400">
+                <a:solidFill>
+                  <a:schemeClr val="lt1"/>
+                </a:solidFill>
+                <a:latin typeface="Roboto"/>
+                <a:ea typeface="Roboto"/>
+                <a:cs typeface="Roboto"/>
+                <a:sym typeface="Roboto"/>
+                <a:hlinkClick r:id="rId3"/>
+              </a:rPr>
+              <a:t>https://github.com/intel-iot-devkit/upm</a:t>
+            </a:r>
+          </a:p>
+        </p:txBody>
+      </p:sp>
+      <p:sp>
+        <p:nvSpPr>
+          <p:cNvPr id="305" name="Shape 305"/>
+          <p:cNvSpPr/>
+          <p:nvPr/>
+        </p:nvSpPr>
+        <p:spPr>
+          <a:xfrm>
+            <a:off x="258943" y="1284959"/>
+            <a:ext cx="11127925" cy="400000"/>
+          </a:xfrm>
+          <a:prstGeom prst="rect">
+            <a:avLst/>
+          </a:prstGeom>
+          <a:solidFill>
+            <a:srgbClr val="0B5394"/>
+          </a:solidFill>
+          <a:ln>
+            <a:noFill/>
+          </a:ln>
+        </p:spPr>
+        <p:txBody>
+          <a:bodyPr wrap="square" lIns="121900" tIns="60933" rIns="121900" bIns="60933" anchor="ctr" anchorCtr="0">
+            <a:noAutofit/>
+          </a:bodyPr>
+          <a:lstStyle/>
+          <a:p>
+            <a:pPr marL="1828754" indent="609585">
+              <a:buClr>
+                <a:srgbClr val="000000"/>
+              </a:buClr>
+            </a:pPr>
+            <a:r>
+              <a:rPr lang="en" sz="2400" dirty="0">
+                <a:solidFill>
+                  <a:schemeClr val="lt1"/>
+                </a:solidFill>
+                <a:latin typeface="Roboto"/>
+                <a:ea typeface="Roboto"/>
+                <a:cs typeface="Roboto"/>
+                <a:sym typeface="Roboto"/>
+              </a:rPr>
+              <a:t>libmraa aka “MRAA”: </a:t>
+            </a:r>
+            <a:r>
+              <a:rPr lang="en" sz="2400" dirty="0">
+                <a:solidFill>
+                  <a:schemeClr val="lt1"/>
+                </a:solidFill>
+                <a:latin typeface="Roboto"/>
+                <a:ea typeface="Roboto"/>
+                <a:cs typeface="Roboto"/>
+                <a:sym typeface="Roboto"/>
+                <a:hlinkClick r:id="rId4"/>
+              </a:rPr>
+              <a:t>https://github.com/intel-iot-devkit/mraa</a:t>
+            </a:r>
+          </a:p>
+        </p:txBody>
+      </p:sp>
+      <p:sp>
+        <p:nvSpPr>
+          <p:cNvPr id="306" name="Shape 306"/>
+          <p:cNvSpPr/>
+          <p:nvPr/>
+        </p:nvSpPr>
+        <p:spPr>
+          <a:xfrm>
+            <a:off x="258932" y="1684967"/>
+            <a:ext cx="9769600" cy="2174000"/>
+          </a:xfrm>
+          <a:prstGeom prst="roundRect">
+            <a:avLst>
+              <a:gd name="adj" fmla="val 7880"/>
+            </a:avLst>
+          </a:prstGeom>
+          <a:noFill/>
+          <a:ln>
+            <a:noFill/>
+          </a:ln>
+        </p:spPr>
+        <p:txBody>
+          <a:bodyPr wrap="square" lIns="121900" tIns="60933" rIns="121900" bIns="60933" anchor="t" anchorCtr="0">
+            <a:noAutofit/>
+          </a:bodyPr>
+          <a:lstStyle/>
+          <a:p>
+            <a:pPr marL="761981" indent="-169329">
+              <a:lnSpc>
+                <a:spcPct val="115000"/>
+              </a:lnSpc>
+              <a:buClr>
+                <a:schemeClr val="lt2"/>
+              </a:buClr>
+              <a:buFont typeface="Roboto"/>
+              <a:buChar char="•"/>
+            </a:pPr>
+            <a:r>
+              <a:rPr lang="en" dirty="0">
+                <a:latin typeface="Roboto"/>
+                <a:ea typeface="Roboto"/>
+                <a:cs typeface="Roboto"/>
+                <a:sym typeface="Roboto"/>
+              </a:rPr>
+              <a:t>Open Source IO Libs (UART, SPI, GPIO, I2C, AIO) </a:t>
+            </a:r>
+          </a:p>
+          <a:p>
+            <a:pPr marL="761981" indent="-169329">
+              <a:lnSpc>
+                <a:spcPct val="115000"/>
+              </a:lnSpc>
+              <a:buClr>
+                <a:schemeClr val="lt2"/>
+              </a:buClr>
+              <a:buFont typeface="Roboto"/>
+              <a:buChar char="•"/>
+            </a:pPr>
+            <a:r>
+              <a:rPr lang="en" dirty="0">
+                <a:latin typeface="Roboto"/>
+                <a:ea typeface="Roboto"/>
+                <a:cs typeface="Roboto"/>
+                <a:sym typeface="Roboto"/>
+              </a:rPr>
+              <a:t>Provides higher level abstraction making hardware IO easier to use from userspace</a:t>
+            </a:r>
+          </a:p>
+          <a:p>
+            <a:pPr marL="761981" indent="-169329">
+              <a:lnSpc>
+                <a:spcPct val="115000"/>
+              </a:lnSpc>
+              <a:buClr>
+                <a:schemeClr val="lt2"/>
+              </a:buClr>
+              <a:buFont typeface="Roboto"/>
+              <a:buChar char="•"/>
+            </a:pPr>
+            <a:r>
+              <a:rPr lang="en" dirty="0">
+                <a:latin typeface="Roboto"/>
+                <a:ea typeface="Roboto"/>
+                <a:cs typeface="Roboto"/>
+                <a:sym typeface="Roboto"/>
+              </a:rPr>
+              <a:t>Enables portability between devices</a:t>
+            </a:r>
+          </a:p>
+          <a:p>
+            <a:pPr marL="761981" indent="-169329">
+              <a:lnSpc>
+                <a:spcPct val="115000"/>
+              </a:lnSpc>
+              <a:buClr>
+                <a:schemeClr val="lt2"/>
+              </a:buClr>
+              <a:buFont typeface="Roboto"/>
+              <a:buChar char="•"/>
+            </a:pPr>
+            <a:r>
+              <a:rPr lang="en" dirty="0">
+                <a:latin typeface="Roboto"/>
+                <a:ea typeface="Roboto"/>
+                <a:cs typeface="Roboto"/>
+                <a:sym typeface="Roboto"/>
+              </a:rPr>
+              <a:t>Supports Intel® Galileo and Intel® Edison boards, MinnowBoard MAX, etc.</a:t>
+            </a:r>
+          </a:p>
+        </p:txBody>
+      </p:sp>
+      <p:sp>
+        <p:nvSpPr>
+          <p:cNvPr id="307" name="Shape 307"/>
+          <p:cNvSpPr/>
+          <p:nvPr/>
+        </p:nvSpPr>
+        <p:spPr>
+          <a:xfrm>
+            <a:off x="258935" y="4045744"/>
+            <a:ext cx="8470800" cy="1533600"/>
+          </a:xfrm>
+          <a:prstGeom prst="roundRect">
+            <a:avLst>
+              <a:gd name="adj" fmla="val 11079"/>
+            </a:avLst>
+          </a:prstGeom>
+          <a:noFill/>
+          <a:ln>
+            <a:noFill/>
+          </a:ln>
+        </p:spPr>
+        <p:txBody>
+          <a:bodyPr wrap="square" lIns="121900" tIns="60933" rIns="121900" bIns="60933" anchor="t" anchorCtr="0">
+            <a:noAutofit/>
+          </a:bodyPr>
+          <a:lstStyle/>
+          <a:p>
+            <a:pPr marL="761981" indent="-169329">
+              <a:lnSpc>
+                <a:spcPct val="115000"/>
+              </a:lnSpc>
+              <a:buClr>
+                <a:schemeClr val="lt2"/>
+              </a:buClr>
+              <a:buFont typeface="Roboto"/>
+              <a:buChar char="•"/>
+            </a:pPr>
+            <a:r>
+              <a:rPr lang="en" dirty="0">
+                <a:latin typeface="Roboto"/>
+                <a:ea typeface="Roboto"/>
+                <a:cs typeface="Roboto"/>
+                <a:sym typeface="Roboto"/>
+              </a:rPr>
+              <a:t>High level library repository of sensor drivers</a:t>
+            </a:r>
+          </a:p>
+          <a:p>
+            <a:pPr marL="761981" indent="-169329">
+              <a:lnSpc>
+                <a:spcPct val="115000"/>
+              </a:lnSpc>
+              <a:buClr>
+                <a:schemeClr val="lt2"/>
+              </a:buClr>
+              <a:buFont typeface="Roboto"/>
+              <a:buChar char="•"/>
+            </a:pPr>
+            <a:r>
+              <a:rPr lang="en" dirty="0">
+                <a:latin typeface="Roboto"/>
+                <a:ea typeface="Roboto"/>
+                <a:cs typeface="Roboto"/>
+                <a:sym typeface="Roboto"/>
+              </a:rPr>
+              <a:t>Sensors/Actuators using libmraa</a:t>
+            </a:r>
+          </a:p>
+          <a:p>
+            <a:pPr marL="761981" indent="-169329">
+              <a:lnSpc>
+                <a:spcPct val="115000"/>
+              </a:lnSpc>
+              <a:buClr>
+                <a:schemeClr val="lt2"/>
+              </a:buClr>
+              <a:buFont typeface="Roboto"/>
+              <a:buChar char="•"/>
+            </a:pPr>
+            <a:r>
+              <a:rPr lang="en" dirty="0">
+                <a:latin typeface="Roboto"/>
+                <a:ea typeface="Roboto"/>
+                <a:cs typeface="Roboto"/>
+                <a:sym typeface="Roboto"/>
+              </a:rPr>
+              <a:t>Making it easy to control</a:t>
+            </a:r>
+          </a:p>
+          <a:p>
+            <a:pPr marL="761981" indent="-169329">
+              <a:lnSpc>
+                <a:spcPct val="115000"/>
+              </a:lnSpc>
+              <a:buClr>
+                <a:schemeClr val="lt2"/>
+              </a:buClr>
+              <a:buFont typeface="Roboto"/>
+              <a:buChar char="•"/>
+            </a:pPr>
+            <a:r>
+              <a:rPr lang="en" dirty="0">
+                <a:latin typeface="Roboto"/>
+                <a:ea typeface="Roboto"/>
+                <a:cs typeface="Roboto"/>
+                <a:sym typeface="Roboto"/>
+              </a:rPr>
+              <a:t>Expanding support to Industrial grade sensors</a:t>
+            </a:r>
+          </a:p>
+        </p:txBody>
+      </p:sp>
+      <p:sp>
+        <p:nvSpPr>
+          <p:cNvPr id="308" name="Shape 308"/>
+          <p:cNvSpPr/>
+          <p:nvPr/>
+        </p:nvSpPr>
+        <p:spPr>
+          <a:xfrm>
+            <a:off x="2088800" y="5894167"/>
+            <a:ext cx="7853200" cy="609600"/>
+          </a:xfrm>
+          <a:prstGeom prst="roundRect">
+            <a:avLst>
+              <a:gd name="adj" fmla="val 16667"/>
+            </a:avLst>
+          </a:prstGeom>
+          <a:gradFill>
+            <a:gsLst>
+              <a:gs pos="0">
+                <a:srgbClr val="005998"/>
+              </a:gs>
+              <a:gs pos="100000">
+                <a:srgbClr val="003A5D"/>
+              </a:gs>
+            </a:gsLst>
+            <a:lin ang="2700006" scaled="0"/>
+          </a:gradFill>
+          <a:ln w="19050" cap="flat" cmpd="sng">
+            <a:solidFill>
+              <a:srgbClr val="292929">
+                <a:alpha val="69411"/>
+              </a:srgbClr>
+            </a:solidFill>
+            <a:prstDash val="solid"/>
+            <a:round/>
+            <a:headEnd type="none" w="med" len="med"/>
+            <a:tailEnd type="none" w="med" len="med"/>
+          </a:ln>
+        </p:spPr>
+        <p:txBody>
+          <a:bodyPr wrap="square" lIns="121900" tIns="60933" rIns="121900" bIns="60933" anchor="ctr" anchorCtr="0">
+            <a:noAutofit/>
+          </a:bodyPr>
+          <a:lstStyle/>
+          <a:p>
+            <a:pPr algn="ctr">
+              <a:buClr>
+                <a:srgbClr val="FFFFFF"/>
+              </a:buClr>
+              <a:buSzPct val="25000"/>
+            </a:pPr>
+            <a:r>
+              <a:rPr lang="en" sz="2400" b="1" i="1">
+                <a:solidFill>
+                  <a:srgbClr val="FFFFFF"/>
+                </a:solidFill>
+                <a:latin typeface="Arial"/>
+                <a:ea typeface="Arial"/>
+                <a:cs typeface="Arial"/>
+                <a:sym typeface="Arial"/>
+              </a:rPr>
+              <a:t>UPM and MRAA make it easy to build IoT projects!</a:t>
+            </a:r>
+          </a:p>
+        </p:txBody>
+      </p:sp>
+      <p:sp>
+        <p:nvSpPr>
+          <p:cNvPr id="309" name="Shape 309"/>
+          <p:cNvSpPr txBox="1">
+            <a:spLocks noGrp="1"/>
+          </p:cNvSpPr>
+          <p:nvPr>
+            <p:ph type="title"/>
+          </p:nvPr>
+        </p:nvSpPr>
+        <p:spPr>
+          <a:prstGeom prst="rect">
+            <a:avLst/>
+          </a:prstGeom>
+          <a:noFill/>
+          <a:ln>
+            <a:noFill/>
+          </a:ln>
+        </p:spPr>
+        <p:txBody>
+          <a:bodyPr vert="horz" wrap="square" lIns="121900" tIns="121900" rIns="121900" bIns="121900" rtlCol="0" anchor="ctr" anchorCtr="0">
+            <a:noAutofit/>
+          </a:bodyPr>
+          <a:lstStyle/>
+          <a:p>
+            <a:pPr>
+              <a:buSzPct val="25000"/>
+            </a:pPr>
+            <a:r>
+              <a:rPr lang="en"/>
+              <a:t>Introducing Intel IoT Device Libraries: MRAA and UPM</a:t>
+            </a:r>
+          </a:p>
+        </p:txBody>
+      </p:sp>
+      <p:sp>
+        <p:nvSpPr>
+          <p:cNvPr id="2" name="Text Placeholder 1"/>
+          <p:cNvSpPr>
+            <a:spLocks noGrp="1"/>
+          </p:cNvSpPr>
+          <p:nvPr>
+            <p:ph type="body" sz="quarter" idx="13"/>
+          </p:nvPr>
+        </p:nvSpPr>
+        <p:spPr/>
+        <p:txBody>
+          <a:bodyPr/>
+          <a:lstStyle/>
+          <a:p>
+            <a:endParaRPr lang="en-US"/>
+          </a:p>
+        </p:txBody>
+      </p:sp>
+    </p:spTree>
+    <p:extLst>
+      <p:ext uri="{BB962C8B-B14F-4D97-AF65-F5344CB8AC3E}">
+        <p14:creationId xmlns:p14="http://schemas.microsoft.com/office/powerpoint/2010/main" val="3477432664"/>
+      </p:ext>
+    </p:extLst>
+  </p:cSld>
+  <p:clrMapOvr>
+    <a:masterClrMapping/>
+  </p:clrMapOvr>
+  <mc:AlternateContent xmlns:mc="http://schemas.openxmlformats.org/markup-compatibility/2006" xmlns:p14="http://schemas.microsoft.com/office/powerpoint/2010/main">
+    <mc:Choice Requires="p14">
+      <p:transition spd="med" p14:dur="700">
+        <p:fade/>
+      </p:transition>
+    </mc:Choice>
+    <mc:Fallback xmlns="">
+      <p:transition spd="med">
+        <p:fade/>
+      </p:transition>
+    </mc:Fallback>
+  </mc:AlternateContent>
+  <p:timing>
+    <p:tnLst>
+      <p:par>
+        <p:cTn id="1" dur="indefinite" restart="never" nodeType="tmRoot"/>
+      </p:par>
+    </p:tnLst>
+  </p:timing>
+</p:sld>
+</file>
+
+<file path=ppt/slides/slide11.xml><?xml version="1.0" encoding="utf-8"?>
+<p:sld xmlns:a="http://schemas.openxmlformats.org/drawingml/2006/main" xmlns:r="http://schemas.openxmlformats.org/officeDocument/2006/relationships" xmlns:p="http://schemas.openxmlformats.org/presentationml/2006/main">
+  <p:cSld>
+    <p:spTree>
+      <p:nvGrpSpPr>
         <p:cNvPr id="1" name="Shape 262"/>
         <p:cNvGrpSpPr/>
         <p:nvPr/>
@@ -19808,7 +20803,7 @@
                 </a:buClr>
                 <a:buSzPct val="25000"/>
               </a:pPr>
-              <a:t>10</a:t>
+              <a:t>11</a:t>
             </a:fld>
             <a:endParaRPr lang="en"/>
           </a:p>
@@ -20799,7 +21794,7 @@
 </p:sld>
 </file>
 
-<file path=ppt/slides/slide11.xml><?xml version="1.0" encoding="utf-8"?>
+<file path=ppt/slides/slide12.xml><?xml version="1.0" encoding="utf-8"?>
 <p:sld xmlns:a="http://schemas.openxmlformats.org/drawingml/2006/main" xmlns:r="http://schemas.openxmlformats.org/officeDocument/2006/relationships" xmlns:p="http://schemas.openxmlformats.org/presentationml/2006/main">
   <p:cSld>
     <p:spTree>
@@ -20906,7 +21901,7 @@
                 </a:buClr>
                 <a:buSzPct val="25000"/>
               </a:pPr>
-              <a:t>11</a:t>
+              <a:t>12</a:t>
             </a:fld>
             <a:endParaRPr lang="en" sz="1867">
               <a:solidFill>
@@ -22882,7 +23877,7 @@
 </p:sld>
 </file>
 
-<file path=ppt/slides/slide12.xml><?xml version="1.0" encoding="utf-8"?>
+<file path=ppt/slides/slide13.xml><?xml version="1.0" encoding="utf-8"?>
 <p:sld xmlns:a="http://schemas.openxmlformats.org/drawingml/2006/main" xmlns:r="http://schemas.openxmlformats.org/officeDocument/2006/relationships" xmlns:p="http://schemas.openxmlformats.org/presentationml/2006/main">
   <p:cSld>
     <p:spTree>
@@ -24437,7 +25432,7 @@
 </p:sld>
 </file>
 
-<file path=ppt/slides/slide13.xml><?xml version="1.0" encoding="utf-8"?>
+<file path=ppt/slides/slide14.xml><?xml version="1.0" encoding="utf-8"?>
 <p:sld xmlns:a="http://schemas.openxmlformats.org/drawingml/2006/main" xmlns:r="http://schemas.openxmlformats.org/officeDocument/2006/relationships" xmlns:p="http://schemas.openxmlformats.org/presentationml/2006/main">
   <p:cSld>
     <p:spTree>
@@ -26521,7 +27516,7 @@
 </p:sld>
 </file>
 
-<file path=ppt/slides/slide14.xml><?xml version="1.0" encoding="utf-8"?>
+<file path=ppt/slides/slide15.xml><?xml version="1.0" encoding="utf-8"?>
 <p:sld xmlns:a="http://schemas.openxmlformats.org/drawingml/2006/main" xmlns:r="http://schemas.openxmlformats.org/officeDocument/2006/relationships" xmlns:p="http://schemas.openxmlformats.org/presentationml/2006/main">
   <p:cSld>
     <p:spTree>
@@ -26644,7 +27639,7 @@
 </p:sld>
 </file>
 
-<file path=ppt/slides/slide15.xml><?xml version="1.0" encoding="utf-8"?>
+<file path=ppt/slides/slide16.xml><?xml version="1.0" encoding="utf-8"?>
 <p:sld xmlns:a="http://schemas.openxmlformats.org/drawingml/2006/main" xmlns:r="http://schemas.openxmlformats.org/officeDocument/2006/relationships" xmlns:p="http://schemas.openxmlformats.org/presentationml/2006/main">
   <p:cSld>
     <p:spTree>
@@ -26712,7 +27707,7 @@
 </p:sld>
 </file>
 
-<file path=ppt/slides/slide16.xml><?xml version="1.0" encoding="utf-8"?>
+<file path=ppt/slides/slide17.xml><?xml version="1.0" encoding="utf-8"?>
 <p:sld xmlns:a="http://schemas.openxmlformats.org/drawingml/2006/main" xmlns:r="http://schemas.openxmlformats.org/officeDocument/2006/relationships" xmlns:p="http://schemas.openxmlformats.org/presentationml/2006/main">
   <p:cSld>
     <p:spTree>
@@ -26774,7 +27769,7 @@
                   <a:spcPct val="0"/>
                 </a:spcAft>
               </a:pPr>
-              <a:t>16</a:t>
+              <a:t>17</a:t>
             </a:fld>
             <a:endParaRPr lang="en-US" dirty="0">
               <a:solidFill>
@@ -26835,6 +27830,310 @@
       </p:grpSpPr>
       <p:sp>
         <p:nvSpPr>
+          <p:cNvPr id="4" name="Title 3"/>
+          <p:cNvSpPr>
+            <a:spLocks noGrp="1"/>
+          </p:cNvSpPr>
+          <p:nvPr>
+            <p:ph type="title"/>
+          </p:nvPr>
+        </p:nvSpPr>
+        <p:spPr/>
+        <p:txBody>
+          <a:bodyPr/>
+          <a:lstStyle/>
+          <a:p>
+            <a:r>
+              <a:rPr lang="en-US" dirty="0"/>
+              <a:t>Legal Notices and Disclaimers</a:t>
+            </a:r>
+          </a:p>
+        </p:txBody>
+      </p:sp>
+      <p:sp>
+        <p:nvSpPr>
+          <p:cNvPr id="5" name="Content Placeholder 4"/>
+          <p:cNvSpPr>
+            <a:spLocks noGrp="1"/>
+          </p:cNvSpPr>
+          <p:nvPr>
+            <p:ph idx="1"/>
+          </p:nvPr>
+        </p:nvSpPr>
+        <p:spPr/>
+        <p:txBody>
+          <a:bodyPr/>
+          <a:lstStyle/>
+          <a:p>
+            <a:r>
+              <a:rPr lang="en-US" sz="1200" dirty="0"/>
+              <a:t>Intel technologies’ features and benefits depend on system configuration and may require enabled hardware, software or service activation. Performance varies depending on system configuration. No computer system can be absolutely secure. Check with your system manufacturer or retailer or learn more at </a:t>
+            </a:r>
+            <a:r>
+              <a:rPr lang="en-US" sz="1200" dirty="0">
+                <a:hlinkClick r:id="rId3"/>
+              </a:rPr>
+              <a:t>www.intel.com</a:t>
+            </a:r>
+            <a:r>
+              <a:rPr lang="en-US" sz="1200" dirty="0"/>
+              <a:t>.</a:t>
+            </a:r>
+          </a:p>
+          <a:p>
+            <a:r>
+              <a:rPr lang="en-US" sz="1200"/>
+              <a:t>This </a:t>
+            </a:r>
+            <a:r>
+              <a:rPr lang="en-US" sz="1200" dirty="0"/>
+              <a:t>document contains information on products, services and/or processes in development. All information provided here is subject to change without notice. Contact your Intel representative to obtain the latest forecast, schedule, specifications and roadmaps.</a:t>
+            </a:r>
+          </a:p>
+          <a:p>
+            <a:pPr lvl="0"/>
+            <a:r>
+              <a:rPr lang="en-US" sz="1200" dirty="0"/>
+              <a:t>Any forecasts of goods and services needed for Intel’s operations are provided for discussion purposes only. Intel will have no liability to make any purchase in connection with forecasts published in this document.</a:t>
+            </a:r>
+          </a:p>
+          <a:p>
+            <a:pPr lvl="0"/>
+            <a:r>
+              <a:rPr lang="en-US" sz="1200" dirty="0"/>
+              <a:t>ARDUINO 101 and the ARDUINO infinity logo are trademarks or registered trademarks of Arduino, LLC.</a:t>
+            </a:r>
+          </a:p>
+          <a:p>
+            <a:r>
+              <a:rPr lang="en-US" sz="1200" dirty="0"/>
+              <a:t>Intel, the Intel logo, Intel Inside, the Intel Inside logo, OpenVINO, Intel Atom, Celeron, Intel Core, and Intel </a:t>
+            </a:r>
+            <a:r>
+              <a:rPr lang="en-US" sz="1200" dirty="0" err="1"/>
+              <a:t>Movidius</a:t>
+            </a:r>
+            <a:r>
+              <a:rPr lang="en-US" sz="1200" dirty="0"/>
+              <a:t> Myriad 2 are trademarks of Intel Corporation or its subsidiaries in the U.S. and/or other countries. </a:t>
+            </a:r>
+          </a:p>
+          <a:p>
+            <a:r>
+              <a:rPr lang="en-US" sz="1200" dirty="0"/>
+              <a:t>*Other names and brands may be claimed as the property of others. </a:t>
+            </a:r>
+          </a:p>
+          <a:p>
+            <a:endParaRPr lang="en-US" sz="1200" dirty="0"/>
+          </a:p>
+          <a:p>
+            <a:r>
+              <a:rPr lang="en-US" sz="1200" dirty="0"/>
+              <a:t>Copyright 2018 Intel Corporation. </a:t>
+            </a:r>
+          </a:p>
+        </p:txBody>
+      </p:sp>
+      <p:sp>
+        <p:nvSpPr>
+          <p:cNvPr id="6" name="Slide Number Placeholder 4">
+            <a:extLst>
+              <a:ext uri="{FF2B5EF4-FFF2-40B4-BE49-F238E27FC236}">
+                <a16:creationId xmlns:a16="http://schemas.microsoft.com/office/drawing/2014/main" xmlns="" id="{A2CC5965-A810-4428-AF69-DDA19DFEF8BC}"/>
+              </a:ext>
+            </a:extLst>
+          </p:cNvPr>
+          <p:cNvSpPr txBox="1">
+            <a:spLocks/>
+          </p:cNvSpPr>
+          <p:nvPr/>
+        </p:nvSpPr>
+        <p:spPr>
+          <a:xfrm>
+            <a:off x="11797792" y="6558315"/>
+            <a:ext cx="76944" cy="153888"/>
+          </a:xfrm>
+          <a:prstGeom prst="rect">
+            <a:avLst/>
+          </a:prstGeom>
+          <a:noFill/>
+          <a:ln w="50800" algn="ctr">
+            <a:noFill/>
+            <a:miter lim="800000"/>
+            <a:headEnd type="none" w="sm" len="sm"/>
+            <a:tailEnd type="none" w="sm" len="sm"/>
+          </a:ln>
+          <a:effectLst/>
+        </p:spPr>
+        <p:txBody>
+          <a:bodyPr wrap="none" lIns="0" tIns="0" rIns="0" bIns="0" anchor="ctr" anchorCtr="0">
+            <a:spAutoFit/>
+          </a:bodyPr>
+          <a:lstStyle>
+            <a:defPPr>
+              <a:defRPr lang="en-US"/>
+            </a:defPPr>
+            <a:lvl1pPr marL="0" algn="l" defTabSz="914400" rtl="0" eaLnBrk="1" latinLnBrk="0" hangingPunct="1">
+              <a:defRPr lang="en-US" sz="1067" kern="1200" smtClean="0">
+                <a:solidFill>
+                  <a:srgbClr val="FFFFFF"/>
+                </a:solidFill>
+                <a:latin typeface="+mn-lt"/>
+                <a:ea typeface="+mn-ea"/>
+                <a:cs typeface="Arial" panose="020B0604020202020204" pitchFamily="34" charset="0"/>
+              </a:defRPr>
+            </a:lvl1pPr>
+            <a:lvl2pPr marL="457200" algn="l" defTabSz="914400" rtl="0" eaLnBrk="1" latinLnBrk="0" hangingPunct="1">
+              <a:defRPr sz="1800" kern="1200">
+                <a:solidFill>
+                  <a:schemeClr val="tx1"/>
+                </a:solidFill>
+                <a:latin typeface="+mn-lt"/>
+                <a:ea typeface="+mn-ea"/>
+                <a:cs typeface="+mn-cs"/>
+              </a:defRPr>
+            </a:lvl2pPr>
+            <a:lvl3pPr marL="914400" algn="l" defTabSz="914400" rtl="0" eaLnBrk="1" latinLnBrk="0" hangingPunct="1">
+              <a:defRPr sz="1800" kern="1200">
+                <a:solidFill>
+                  <a:schemeClr val="tx1"/>
+                </a:solidFill>
+                <a:latin typeface="+mn-lt"/>
+                <a:ea typeface="+mn-ea"/>
+                <a:cs typeface="+mn-cs"/>
+              </a:defRPr>
+            </a:lvl3pPr>
+            <a:lvl4pPr marL="1371600" algn="l" defTabSz="914400" rtl="0" eaLnBrk="1" latinLnBrk="0" hangingPunct="1">
+              <a:defRPr sz="1800" kern="1200">
+                <a:solidFill>
+                  <a:schemeClr val="tx1"/>
+                </a:solidFill>
+                <a:latin typeface="+mn-lt"/>
+                <a:ea typeface="+mn-ea"/>
+                <a:cs typeface="+mn-cs"/>
+              </a:defRPr>
+            </a:lvl4pPr>
+            <a:lvl5pPr marL="1828800" algn="l" defTabSz="914400" rtl="0" eaLnBrk="1" latinLnBrk="0" hangingPunct="1">
+              <a:defRPr sz="1800" kern="1200">
+                <a:solidFill>
+                  <a:schemeClr val="tx1"/>
+                </a:solidFill>
+                <a:latin typeface="+mn-lt"/>
+                <a:ea typeface="+mn-ea"/>
+                <a:cs typeface="+mn-cs"/>
+              </a:defRPr>
+            </a:lvl5pPr>
+            <a:lvl6pPr marL="2286000" algn="l" defTabSz="914400" rtl="0" eaLnBrk="1" latinLnBrk="0" hangingPunct="1">
+              <a:defRPr sz="1800" kern="1200">
+                <a:solidFill>
+                  <a:schemeClr val="tx1"/>
+                </a:solidFill>
+                <a:latin typeface="+mn-lt"/>
+                <a:ea typeface="+mn-ea"/>
+                <a:cs typeface="+mn-cs"/>
+              </a:defRPr>
+            </a:lvl6pPr>
+            <a:lvl7pPr marL="2743200" algn="l" defTabSz="914400" rtl="0" eaLnBrk="1" latinLnBrk="0" hangingPunct="1">
+              <a:defRPr sz="1800" kern="1200">
+                <a:solidFill>
+                  <a:schemeClr val="tx1"/>
+                </a:solidFill>
+                <a:latin typeface="+mn-lt"/>
+                <a:ea typeface="+mn-ea"/>
+                <a:cs typeface="+mn-cs"/>
+              </a:defRPr>
+            </a:lvl7pPr>
+            <a:lvl8pPr marL="3200400" algn="l" defTabSz="914400" rtl="0" eaLnBrk="1" latinLnBrk="0" hangingPunct="1">
+              <a:defRPr sz="1800" kern="1200">
+                <a:solidFill>
+                  <a:schemeClr val="tx1"/>
+                </a:solidFill>
+                <a:latin typeface="+mn-lt"/>
+                <a:ea typeface="+mn-ea"/>
+                <a:cs typeface="+mn-cs"/>
+              </a:defRPr>
+            </a:lvl8pPr>
+            <a:lvl9pPr marL="3657600" algn="l" defTabSz="914400" rtl="0" eaLnBrk="1" latinLnBrk="0" hangingPunct="1">
+              <a:defRPr sz="1800" kern="1200">
+                <a:solidFill>
+                  <a:schemeClr val="tx1"/>
+                </a:solidFill>
+                <a:latin typeface="+mn-lt"/>
+                <a:ea typeface="+mn-ea"/>
+                <a:cs typeface="+mn-cs"/>
+              </a:defRPr>
+            </a:lvl9pPr>
+          </a:lstStyle>
+          <a:p>
+            <a:pPr eaLnBrk="0" fontAlgn="base" hangingPunct="0">
+              <a:spcBef>
+                <a:spcPct val="50000"/>
+              </a:spcBef>
+              <a:spcAft>
+                <a:spcPct val="0"/>
+              </a:spcAft>
+            </a:pPr>
+            <a:fld id="{FD44707B-D922-47D5-BD24-D96E91B70543}" type="slidenum">
+              <a:rPr lang="en-US" sz="1000" smtClean="0"/>
+              <a:pPr eaLnBrk="0" fontAlgn="base" hangingPunct="0">
+                <a:spcBef>
+                  <a:spcPct val="50000"/>
+                </a:spcBef>
+                <a:spcAft>
+                  <a:spcPct val="0"/>
+                </a:spcAft>
+              </a:pPr>
+              <a:t>2</a:t>
+            </a:fld>
+            <a:endParaRPr lang="en-US" sz="1000" dirty="0"/>
+          </a:p>
+        </p:txBody>
+      </p:sp>
+    </p:spTree>
+    <p:extLst>
+      <p:ext uri="{BB962C8B-B14F-4D97-AF65-F5344CB8AC3E}">
+        <p14:creationId xmlns:p14="http://schemas.microsoft.com/office/powerpoint/2010/main" val="1567422746"/>
+      </p:ext>
+    </p:extLst>
+  </p:cSld>
+  <p:clrMapOvr>
+    <a:masterClrMapping/>
+  </p:clrMapOvr>
+  <mc:AlternateContent xmlns:mc="http://schemas.openxmlformats.org/markup-compatibility/2006" xmlns:p14="http://schemas.microsoft.com/office/powerpoint/2010/main">
+    <mc:Choice Requires="p14">
+      <p:transition spd="med" p14:dur="700">
+        <p:fade/>
+      </p:transition>
+    </mc:Choice>
+    <mc:Fallback xmlns="">
+      <p:transition spd="med">
+        <p:fade/>
+      </p:transition>
+    </mc:Fallback>
+  </mc:AlternateContent>
+</p:sld>
+</file>
+
+<file path=ppt/slides/slide3.xml><?xml version="1.0" encoding="utf-8"?>
+<p:sld xmlns:a="http://schemas.openxmlformats.org/drawingml/2006/main" xmlns:r="http://schemas.openxmlformats.org/officeDocument/2006/relationships" xmlns:p="http://schemas.openxmlformats.org/presentationml/2006/main">
+  <p:cSld>
+    <p:spTree>
+      <p:nvGrpSpPr>
+        <p:cNvPr id="1" name=""/>
+        <p:cNvGrpSpPr/>
+        <p:nvPr/>
+      </p:nvGrpSpPr>
+      <p:grpSpPr>
+        <a:xfrm>
+          <a:off x="0" y="0"/>
+          <a:ext cx="0" cy="0"/>
+          <a:chOff x="0" y="0"/>
+          <a:chExt cx="0" cy="0"/>
+        </a:xfrm>
+      </p:grpSpPr>
+      <p:sp>
+        <p:nvSpPr>
           <p:cNvPr id="2" name="Slide Number Placeholder 1"/>
           <p:cNvSpPr>
             <a:spLocks noGrp="1"/>
@@ -26870,7 +28169,7 @@
                   <a:spcPct val="0"/>
                 </a:spcAft>
               </a:pPr>
-              <a:t>2</a:t>
+              <a:t>3</a:t>
             </a:fld>
             <a:endParaRPr lang="en-US" dirty="0">
               <a:solidFill>
@@ -26918,259 +28217,6 @@
     <p:extLst>
       <p:ext uri="{BB962C8B-B14F-4D97-AF65-F5344CB8AC3E}">
         <p14:creationId xmlns:p14="http://schemas.microsoft.com/office/powerpoint/2010/main" val="463175663"/>
-      </p:ext>
-    </p:extLst>
-  </p:cSld>
-  <p:clrMapOvr>
-    <a:masterClrMapping/>
-  </p:clrMapOvr>
-  <mc:AlternateContent xmlns:mc="http://schemas.openxmlformats.org/markup-compatibility/2006" xmlns:p14="http://schemas.microsoft.com/office/powerpoint/2010/main">
-    <mc:Choice Requires="p14">
-      <p:transition spd="med" p14:dur="700">
-        <p:fade/>
-      </p:transition>
-    </mc:Choice>
-    <mc:Fallback xmlns="">
-      <p:transition spd="med">
-        <p:fade/>
-      </p:transition>
-    </mc:Fallback>
-  </mc:AlternateContent>
-  <p:timing>
-    <p:tnLst>
-      <p:par>
-        <p:cTn id="1" dur="indefinite" restart="never" nodeType="tmRoot"/>
-      </p:par>
-    </p:tnLst>
-  </p:timing>
-</p:sld>
-</file>
-
-<file path=ppt/slides/slide3.xml><?xml version="1.0" encoding="utf-8"?>
-<p:sld xmlns:a="http://schemas.openxmlformats.org/drawingml/2006/main" xmlns:r="http://schemas.openxmlformats.org/officeDocument/2006/relationships" xmlns:p="http://schemas.openxmlformats.org/presentationml/2006/main">
-  <p:cSld>
-    <p:spTree>
-      <p:nvGrpSpPr>
-        <p:cNvPr id="1" name=""/>
-        <p:cNvGrpSpPr/>
-        <p:nvPr/>
-      </p:nvGrpSpPr>
-      <p:grpSpPr>
-        <a:xfrm>
-          <a:off x="0" y="0"/>
-          <a:ext cx="0" cy="0"/>
-          <a:chOff x="0" y="0"/>
-          <a:chExt cx="0" cy="0"/>
-        </a:xfrm>
-      </p:grpSpPr>
-      <p:sp>
-        <p:nvSpPr>
-          <p:cNvPr id="4" name="Title 3"/>
-          <p:cNvSpPr>
-            <a:spLocks noGrp="1"/>
-          </p:cNvSpPr>
-          <p:nvPr>
-            <p:ph type="title"/>
-          </p:nvPr>
-        </p:nvSpPr>
-        <p:spPr>
-          <a:xfrm>
-            <a:off x="264917" y="261570"/>
-            <a:ext cx="5342253" cy="724686"/>
-          </a:xfrm>
-        </p:spPr>
-        <p:txBody>
-          <a:bodyPr/>
-          <a:lstStyle/>
-          <a:p>
-            <a:r>
-              <a:rPr lang="en-US" sz="5870" kern="0" dirty="0" smtClean="0">
-                <a:solidFill>
-                  <a:srgbClr val="F3D54E"/>
-                </a:solidFill>
-                <a:effectLst>
-                  <a:outerShdw blurRad="431800" algn="ctr" rotWithShape="0">
-                    <a:prstClr val="black"/>
-                  </a:outerShdw>
-                </a:effectLst>
-              </a:rPr>
-              <a:t>Cyber</a:t>
-            </a:r>
-            <a:r>
-              <a:rPr lang="en-US" sz="5870" dirty="0" smtClean="0"/>
-              <a:t>-Physical</a:t>
-            </a:r>
-            <a:endParaRPr lang="en-US" sz="5870" dirty="0"/>
-          </a:p>
-        </p:txBody>
-      </p:sp>
-      <p:sp>
-        <p:nvSpPr>
-          <p:cNvPr id="5" name="Text Placeholder 4"/>
-          <p:cNvSpPr>
-            <a:spLocks noGrp="1"/>
-          </p:cNvSpPr>
-          <p:nvPr>
-            <p:ph type="body" sz="quarter" idx="13"/>
-          </p:nvPr>
-        </p:nvSpPr>
-        <p:spPr/>
-        <p:txBody>
-          <a:bodyPr/>
-          <a:lstStyle/>
-          <a:p>
-            <a:endParaRPr lang="en-US"/>
-          </a:p>
-        </p:txBody>
-      </p:sp>
-      <p:sp>
-        <p:nvSpPr>
-          <p:cNvPr id="2" name="Slide Number Placeholder 1"/>
-          <p:cNvSpPr>
-            <a:spLocks noGrp="1"/>
-          </p:cNvSpPr>
-          <p:nvPr>
-            <p:ph type="sldNum" sz="quarter" idx="14"/>
-          </p:nvPr>
-        </p:nvSpPr>
-        <p:spPr/>
-        <p:txBody>
-          <a:bodyPr/>
-          <a:lstStyle/>
-          <a:p>
-            <a:pPr eaLnBrk="0" fontAlgn="base" hangingPunct="0">
-              <a:spcBef>
-                <a:spcPct val="50000"/>
-              </a:spcBef>
-              <a:spcAft>
-                <a:spcPct val="0"/>
-              </a:spcAft>
-            </a:pPr>
-            <a:fld id="{FD44707B-D922-47D5-BD24-D96E91B70543}" type="slidenum">
-              <a:rPr lang="en-US" smtClean="0">
-                <a:solidFill>
-                  <a:prstClr val="white"/>
-                </a:solidFill>
-              </a:rPr>
-              <a:pPr eaLnBrk="0" fontAlgn="base" hangingPunct="0">
-                <a:spcBef>
-                  <a:spcPct val="50000"/>
-                </a:spcBef>
-                <a:spcAft>
-                  <a:spcPct val="0"/>
-                </a:spcAft>
-              </a:pPr>
-              <a:t>3</a:t>
-            </a:fld>
-            <a:endParaRPr lang="en-US" dirty="0">
-              <a:solidFill>
-                <a:prstClr val="white"/>
-              </a:solidFill>
-            </a:endParaRPr>
-          </a:p>
-        </p:txBody>
-      </p:sp>
-      <p:pic>
-        <p:nvPicPr>
-          <p:cNvPr id="8" name="Picture Placeholder 7"/>
-          <p:cNvPicPr>
-            <a:picLocks noGrp="1" noChangeAspect="1"/>
-          </p:cNvPicPr>
-          <p:nvPr>
-            <p:ph type="pic" sz="quarter" idx="15"/>
-          </p:nvPr>
-        </p:nvPicPr>
-        <p:blipFill>
-          <a:blip r:embed="rId3">
-            <a:extLst>
-              <a:ext uri="{28A0092B-C50C-407E-A947-70E740481C1C}">
-                <a14:useLocalDpi xmlns:a14="http://schemas.microsoft.com/office/drawing/2010/main" val="0"/>
-              </a:ext>
-            </a:extLst>
-          </a:blip>
-          <a:srcRect t="262" b="262"/>
-          <a:stretch>
-            <a:fillRect/>
-          </a:stretch>
-        </p:blipFill>
-        <p:spPr/>
-      </p:pic>
-      <p:sp>
-        <p:nvSpPr>
-          <p:cNvPr id="7" name="Text Placeholder 6"/>
-          <p:cNvSpPr>
-            <a:spLocks noGrp="1"/>
-          </p:cNvSpPr>
-          <p:nvPr>
-            <p:ph type="body" sz="quarter" idx="16"/>
-          </p:nvPr>
-        </p:nvSpPr>
-        <p:spPr/>
-        <p:txBody>
-          <a:bodyPr/>
-          <a:lstStyle/>
-          <a:p>
-            <a:r>
-              <a:rPr lang="en-US" sz="2200" dirty="0" smtClean="0"/>
-              <a:t>Cyber-Physical </a:t>
-            </a:r>
-            <a:r>
-              <a:rPr lang="en-US" sz="2200" dirty="0"/>
-              <a:t>Systems (CPS) are integrations of computation, networking, and physical processes</a:t>
-            </a:r>
-            <a:r>
-              <a:rPr lang="en-US" sz="2200" dirty="0" smtClean="0"/>
-              <a:t>.</a:t>
-            </a:r>
-          </a:p>
-          <a:p>
-            <a:endParaRPr lang="en-US" sz="2200" dirty="0"/>
-          </a:p>
-          <a:p>
-            <a:r>
-              <a:rPr lang="en-US" sz="2200" dirty="0" smtClean="0"/>
-              <a:t>Physical processes affect the computation model of the process and vice-versa.</a:t>
-            </a:r>
-          </a:p>
-          <a:p>
-            <a:endParaRPr lang="en-US" sz="2200" dirty="0"/>
-          </a:p>
-          <a:p>
-            <a:r>
-              <a:rPr lang="en-US" sz="2200" dirty="0"/>
-              <a:t>The economic </a:t>
-            </a:r>
-            <a:r>
-              <a:rPr lang="en-US" sz="2200" dirty="0" smtClean="0"/>
-              <a:t>impact of cyber-physical systems </a:t>
-            </a:r>
-            <a:r>
-              <a:rPr lang="en-US" sz="2200" dirty="0"/>
-              <a:t>is vastly greater than what has been </a:t>
-            </a:r>
-            <a:r>
-              <a:rPr lang="en-US" sz="2200" dirty="0" smtClean="0"/>
-              <a:t>realized. Major </a:t>
-            </a:r>
-            <a:r>
-              <a:rPr lang="en-US" sz="2200" dirty="0"/>
-              <a:t>investments are being made worldwide to develop the </a:t>
-            </a:r>
-            <a:r>
-              <a:rPr lang="en-US" sz="2200" dirty="0" smtClean="0"/>
-              <a:t>technology. </a:t>
-            </a:r>
-            <a:endParaRPr lang="en-US" sz="2200" dirty="0"/>
-          </a:p>
-          <a:p>
-            <a:endParaRPr lang="en-US" sz="2200" dirty="0"/>
-          </a:p>
-        </p:txBody>
-      </p:sp>
-    </p:spTree>
-    <p:extLst>
-      <p:ext uri="{BB962C8B-B14F-4D97-AF65-F5344CB8AC3E}">
-        <p14:creationId xmlns:p14="http://schemas.microsoft.com/office/powerpoint/2010/main" val="2825982363"/>
       </p:ext>
     </p:extLst>
   </p:cSld>
@@ -27218,7 +28264,7 @@
       </p:grpSpPr>
       <p:sp>
         <p:nvSpPr>
-          <p:cNvPr id="7" name="Title 6"/>
+          <p:cNvPr id="4" name="Title 3"/>
           <p:cNvSpPr>
             <a:spLocks noGrp="1"/>
           </p:cNvSpPr>
@@ -27226,22 +28272,59 @@
             <p:ph type="title"/>
           </p:nvPr>
         </p:nvSpPr>
+        <p:spPr>
+          <a:xfrm>
+            <a:off x="264917" y="261570"/>
+            <a:ext cx="5342253" cy="724686"/>
+          </a:xfrm>
+        </p:spPr>
+        <p:txBody>
+          <a:bodyPr/>
+          <a:lstStyle/>
+          <a:p>
+            <a:r>
+              <a:rPr lang="en-US" sz="5870" kern="0" dirty="0" smtClean="0">
+                <a:solidFill>
+                  <a:srgbClr val="F3D54E"/>
+                </a:solidFill>
+                <a:effectLst>
+                  <a:outerShdw blurRad="431800" algn="ctr" rotWithShape="0">
+                    <a:prstClr val="black"/>
+                  </a:outerShdw>
+                </a:effectLst>
+              </a:rPr>
+              <a:t>Cyber</a:t>
+            </a:r>
+            <a:r>
+              <a:rPr lang="en-US" sz="5870" dirty="0" smtClean="0"/>
+              <a:t>-Physical</a:t>
+            </a:r>
+            <a:endParaRPr lang="en-US" sz="5870" dirty="0"/>
+          </a:p>
+        </p:txBody>
+      </p:sp>
+      <p:sp>
+        <p:nvSpPr>
+          <p:cNvPr id="5" name="Text Placeholder 4"/>
+          <p:cNvSpPr>
+            <a:spLocks noGrp="1"/>
+          </p:cNvSpPr>
+          <p:nvPr>
+            <p:ph type="body" sz="quarter" idx="13"/>
+          </p:nvPr>
+        </p:nvSpPr>
         <p:spPr/>
         <p:txBody>
           <a:bodyPr/>
           <a:lstStyle/>
           <a:p>
-            <a:r>
-              <a:rPr lang="en-US" dirty="0" smtClean="0"/>
-              <a:t>Sensors for products that enhance worker safety</a:t>
-            </a:r>
-            <a:endParaRPr lang="en-US" dirty="0"/>
+            <a:endParaRPr lang="en-US"/>
           </a:p>
         </p:txBody>
       </p:sp>
       <p:sp>
         <p:nvSpPr>
-          <p:cNvPr id="4" name="Slide Number Placeholder 3"/>
+          <p:cNvPr id="2" name="Slide Number Placeholder 1"/>
           <p:cNvSpPr>
             <a:spLocks noGrp="1"/>
           </p:cNvSpPr>
@@ -27288,11 +28371,13 @@
       </p:sp>
       <p:pic>
         <p:nvPicPr>
-          <p:cNvPr id="2050" name="Picture 2" descr="DAQRI Brings AR to Industry"/>
+          <p:cNvPr id="8" name="Picture Placeholder 7"/>
           <p:cNvPicPr>
-            <a:picLocks noChangeAspect="1" noChangeArrowheads="1"/>
+            <a:picLocks noGrp="1" noChangeAspect="1"/>
           </p:cNvPicPr>
-          <p:nvPr/>
+          <p:nvPr>
+            <p:ph type="pic" sz="quarter" idx="15"/>
+          </p:nvPr>
         </p:nvPicPr>
         <p:blipFill>
           <a:blip r:embed="rId3">
@@ -27302,410 +28387,89 @@
               </a:ext>
             </a:extLst>
           </a:blip>
-          <a:srcRect/>
+          <a:srcRect t="262" b="262"/>
           <a:stretch>
             <a:fillRect/>
           </a:stretch>
         </p:blipFill>
-        <p:spPr bwMode="auto">
-          <a:xfrm>
-            <a:off x="471951" y="1512058"/>
-            <a:ext cx="2642185" cy="1519467"/>
-          </a:xfrm>
-          <a:prstGeom prst="rect">
-            <a:avLst/>
-          </a:prstGeom>
-          <a:noFill/>
-          <a:extLst>
-            <a:ext uri="{909E8E84-426E-40DD-AFC4-6F175D3DCCD1}">
-              <a14:hiddenFill xmlns:a14="http://schemas.microsoft.com/office/drawing/2010/main">
-                <a:solidFill>
-                  <a:srgbClr val="FFFFFF"/>
-                </a:solidFill>
-              </a14:hiddenFill>
-            </a:ext>
-          </a:extLst>
-        </p:spPr>
+        <p:spPr/>
       </p:pic>
       <p:sp>
         <p:nvSpPr>
-          <p:cNvPr id="9" name="Rectangle 8"/>
-          <p:cNvSpPr/>
-          <p:nvPr/>
+          <p:cNvPr id="7" name="Text Placeholder 6"/>
+          <p:cNvSpPr>
+            <a:spLocks noGrp="1"/>
+          </p:cNvSpPr>
+          <p:nvPr>
+            <p:ph type="body" sz="quarter" idx="16"/>
+          </p:nvPr>
         </p:nvSpPr>
-        <p:spPr>
-          <a:xfrm>
-            <a:off x="471951" y="3168855"/>
-            <a:ext cx="2642185" cy="2308324"/>
-          </a:xfrm>
-          <a:prstGeom prst="rect">
-            <a:avLst/>
-          </a:prstGeom>
-        </p:spPr>
+        <p:spPr/>
         <p:txBody>
-          <a:bodyPr wrap="square">
-            <a:spAutoFit/>
-          </a:bodyPr>
+          <a:bodyPr/>
           <a:lstStyle/>
           <a:p>
             <a:r>
-              <a:rPr lang="en-US" sz="1600" dirty="0">
-                <a:latin typeface="Intel Clear Light" panose="020B0404020203020204" pitchFamily="34" charset="0"/>
-                <a:ea typeface="Intel Clear Light" panose="020B0404020203020204" pitchFamily="34" charset="0"/>
-                <a:cs typeface="Intel Clear Light" panose="020B0404020203020204" pitchFamily="34" charset="0"/>
-                <a:hlinkClick r:id="rId4"/>
-              </a:rPr>
-              <a:t>DAQRI Brings Augmented Reality to Industry</a:t>
-            </a:r>
-            <a:endParaRPr lang="en-US" sz="1600" dirty="0">
-              <a:latin typeface="Intel Clear Light" panose="020B0404020203020204" pitchFamily="34" charset="0"/>
-              <a:ea typeface="Intel Clear Light" panose="020B0404020203020204" pitchFamily="34" charset="0"/>
-              <a:cs typeface="Intel Clear Light" panose="020B0404020203020204" pitchFamily="34" charset="0"/>
-            </a:endParaRPr>
-          </a:p>
-          <a:p>
-            <a:r>
-              <a:rPr lang="en-US" sz="1600" dirty="0">
-                <a:latin typeface="Intel Clear Light" panose="020B0404020203020204" pitchFamily="34" charset="0"/>
-                <a:ea typeface="Intel Clear Light" panose="020B0404020203020204" pitchFamily="34" charset="0"/>
-                <a:cs typeface="Intel Clear Light" panose="020B0404020203020204" pitchFamily="34" charset="0"/>
-              </a:rPr>
-              <a:t>The DAQRI Smart Helmet* powered by Intel allows wearers to overlay maps, schematics, and thermal images to effectively see through walls, pipes, and other solid objects.</a:t>
-            </a:r>
-            <a:endParaRPr lang="en-US" sz="1600" b="0" i="0" dirty="0">
-              <a:effectLst/>
-              <a:latin typeface="Intel Clear Light" panose="020B0404020203020204" pitchFamily="34" charset="0"/>
-              <a:ea typeface="Intel Clear Light" panose="020B0404020203020204" pitchFamily="34" charset="0"/>
-              <a:cs typeface="Intel Clear Light" panose="020B0404020203020204" pitchFamily="34" charset="0"/>
-            </a:endParaRPr>
-          </a:p>
-        </p:txBody>
-      </p:sp>
-      <p:sp>
-        <p:nvSpPr>
-          <p:cNvPr id="10" name="Rectangle 9"/>
-          <p:cNvSpPr/>
-          <p:nvPr/>
-        </p:nvSpPr>
-        <p:spPr>
-          <a:xfrm>
-            <a:off x="3293757" y="3197695"/>
-            <a:ext cx="2701275" cy="3046988"/>
-          </a:xfrm>
-          <a:prstGeom prst="rect">
-            <a:avLst/>
-          </a:prstGeom>
-        </p:spPr>
-        <p:txBody>
-          <a:bodyPr wrap="square">
-            <a:spAutoFit/>
-          </a:bodyPr>
-          <a:lstStyle/>
-          <a:p>
-            <a:r>
-              <a:rPr lang="en-US" sz="1600" dirty="0">
-                <a:latin typeface="Intel Clear Light" panose="020B0404020203020204" pitchFamily="34" charset="0"/>
-                <a:ea typeface="Intel Clear Light" panose="020B0404020203020204" pitchFamily="34" charset="0"/>
-                <a:cs typeface="Intel Clear Light" panose="020B0404020203020204" pitchFamily="34" charset="0"/>
-                <a:hlinkClick r:id="rId5"/>
-              </a:rPr>
-              <a:t>Epson Offers Augmented-Reality-Ready Smart Glasses</a:t>
-            </a:r>
-            <a:endParaRPr lang="en-US" sz="1600" dirty="0">
-              <a:latin typeface="Intel Clear Light" panose="020B0404020203020204" pitchFamily="34" charset="0"/>
-              <a:ea typeface="Intel Clear Light" panose="020B0404020203020204" pitchFamily="34" charset="0"/>
-              <a:cs typeface="Intel Clear Light" panose="020B0404020203020204" pitchFamily="34" charset="0"/>
-            </a:endParaRPr>
-          </a:p>
-          <a:p>
-            <a:r>
-              <a:rPr lang="en-US" sz="1600" dirty="0">
-                <a:latin typeface="Intel Clear Light" panose="020B0404020203020204" pitchFamily="34" charset="0"/>
-                <a:ea typeface="Intel Clear Light" panose="020B0404020203020204" pitchFamily="34" charset="0"/>
-                <a:cs typeface="Intel Clear Light" panose="020B0404020203020204" pitchFamily="34" charset="0"/>
-              </a:rPr>
-              <a:t>MOVERIO* smart glasses are powered by an Intel Atom® </a:t>
-            </a:r>
-            <a:r>
-              <a:rPr lang="en-US" sz="1600" dirty="0" err="1">
-                <a:latin typeface="Intel Clear Light" panose="020B0404020203020204" pitchFamily="34" charset="0"/>
-                <a:ea typeface="Intel Clear Light" panose="020B0404020203020204" pitchFamily="34" charset="0"/>
-                <a:cs typeface="Intel Clear Light" panose="020B0404020203020204" pitchFamily="34" charset="0"/>
-              </a:rPr>
-              <a:t>processor.The</a:t>
-            </a:r>
-            <a:r>
-              <a:rPr lang="en-US" sz="1600" dirty="0">
-                <a:latin typeface="Intel Clear Light" panose="020B0404020203020204" pitchFamily="34" charset="0"/>
-                <a:ea typeface="Intel Clear Light" panose="020B0404020203020204" pitchFamily="34" charset="0"/>
-                <a:cs typeface="Intel Clear Light" panose="020B0404020203020204" pitchFamily="34" charset="0"/>
-              </a:rPr>
-              <a:t> BT-350 is designed for multi-user, augmented reality applications, such as remote support, arts &amp; culture, enterprise drone, and subtitling &amp; translation</a:t>
-            </a:r>
-            <a:r>
-              <a:rPr lang="en-US" sz="1600" dirty="0">
-                <a:solidFill>
-                  <a:srgbClr val="555555"/>
-                </a:solidFill>
-                <a:latin typeface="intel-clear"/>
-              </a:rPr>
+              <a:rPr lang="en-US" sz="2200" dirty="0" smtClean="0"/>
+              <a:t>Cyber-Physical </a:t>
+            </a:r>
+            <a:r>
+              <a:rPr lang="en-US" sz="2200" dirty="0"/>
+              <a:t>Systems (CPS) are integrations of computation, networking, and physical processes</a:t>
+            </a:r>
+            <a:r>
+              <a:rPr lang="en-US" sz="2200" dirty="0" smtClean="0"/>
               <a:t>.</a:t>
             </a:r>
-            <a:endParaRPr lang="en-US" sz="1600" b="0" i="0" dirty="0">
-              <a:solidFill>
-                <a:srgbClr val="555555"/>
-              </a:solidFill>
-              <a:effectLst/>
-              <a:latin typeface="intel-clear"/>
-            </a:endParaRPr>
-          </a:p>
-        </p:txBody>
-      </p:sp>
-      <p:pic>
-        <p:nvPicPr>
-          <p:cNvPr id="2052" name="Picture 4" descr="Epson Offers AR-Ready Smart Glasses"/>
-          <p:cNvPicPr>
-            <a:picLocks noChangeAspect="1" noChangeArrowheads="1"/>
-          </p:cNvPicPr>
-          <p:nvPr/>
-        </p:nvPicPr>
-        <p:blipFill>
-          <a:blip r:embed="rId6">
-            <a:extLst>
-              <a:ext uri="{28A0092B-C50C-407E-A947-70E740481C1C}">
-                <a14:useLocalDpi xmlns:a14="http://schemas.microsoft.com/office/drawing/2010/main" val="0"/>
-              </a:ext>
-            </a:extLst>
-          </a:blip>
-          <a:srcRect/>
-          <a:stretch>
-            <a:fillRect/>
-          </a:stretch>
-        </p:blipFill>
-        <p:spPr bwMode="auto">
-          <a:xfrm>
-            <a:off x="3293757" y="1512058"/>
-            <a:ext cx="2701275" cy="1519467"/>
-          </a:xfrm>
-          <a:prstGeom prst="rect">
-            <a:avLst/>
-          </a:prstGeom>
-          <a:noFill/>
-          <a:extLst>
-            <a:ext uri="{909E8E84-426E-40DD-AFC4-6F175D3DCCD1}">
-              <a14:hiddenFill xmlns:a14="http://schemas.microsoft.com/office/drawing/2010/main">
-                <a:solidFill>
-                  <a:srgbClr val="FFFFFF"/>
-                </a:solidFill>
-              </a14:hiddenFill>
-            </a:ext>
-          </a:extLst>
-        </p:spPr>
-      </p:pic>
-      <p:pic>
-        <p:nvPicPr>
-          <p:cNvPr id="2056" name="Picture 8" descr="Fujitsu Improves Worker Management"/>
-          <p:cNvPicPr>
-            <a:picLocks noChangeAspect="1" noChangeArrowheads="1"/>
-          </p:cNvPicPr>
-          <p:nvPr/>
-        </p:nvPicPr>
-        <p:blipFill>
-          <a:blip r:embed="rId7">
-            <a:extLst>
-              <a:ext uri="{28A0092B-C50C-407E-A947-70E740481C1C}">
-                <a14:useLocalDpi xmlns:a14="http://schemas.microsoft.com/office/drawing/2010/main" val="0"/>
-              </a:ext>
-            </a:extLst>
-          </a:blip>
-          <a:srcRect/>
-          <a:stretch>
-            <a:fillRect/>
-          </a:stretch>
-        </p:blipFill>
-        <p:spPr bwMode="auto">
-          <a:xfrm>
-            <a:off x="6156267" y="1512058"/>
-            <a:ext cx="2701275" cy="1519467"/>
-          </a:xfrm>
-          <a:prstGeom prst="rect">
-            <a:avLst/>
-          </a:prstGeom>
-          <a:noFill/>
-          <a:extLst>
-            <a:ext uri="{909E8E84-426E-40DD-AFC4-6F175D3DCCD1}">
-              <a14:hiddenFill xmlns:a14="http://schemas.microsoft.com/office/drawing/2010/main">
-                <a:solidFill>
-                  <a:srgbClr val="FFFFFF"/>
-                </a:solidFill>
-              </a14:hiddenFill>
-            </a:ext>
-          </a:extLst>
-        </p:spPr>
-      </p:pic>
-      <p:pic>
-        <p:nvPicPr>
-          <p:cNvPr id="2058" name="Picture 10" descr="KNAPP Aims at Zero Defects"/>
-          <p:cNvPicPr>
-            <a:picLocks noChangeAspect="1" noChangeArrowheads="1"/>
-          </p:cNvPicPr>
-          <p:nvPr/>
-        </p:nvPicPr>
-        <p:blipFill>
-          <a:blip r:embed="rId8">
-            <a:extLst>
-              <a:ext uri="{28A0092B-C50C-407E-A947-70E740481C1C}">
-                <a14:useLocalDpi xmlns:a14="http://schemas.microsoft.com/office/drawing/2010/main" val="0"/>
-              </a:ext>
-            </a:extLst>
-          </a:blip>
-          <a:srcRect/>
-          <a:stretch>
-            <a:fillRect/>
-          </a:stretch>
-        </p:blipFill>
-        <p:spPr bwMode="auto">
-          <a:xfrm>
-            <a:off x="9018777" y="1518227"/>
-            <a:ext cx="2701275" cy="1519467"/>
-          </a:xfrm>
-          <a:prstGeom prst="rect">
-            <a:avLst/>
-          </a:prstGeom>
-          <a:noFill/>
-          <a:extLst>
-            <a:ext uri="{909E8E84-426E-40DD-AFC4-6F175D3DCCD1}">
-              <a14:hiddenFill xmlns:a14="http://schemas.microsoft.com/office/drawing/2010/main">
-                <a:solidFill>
-                  <a:srgbClr val="FFFFFF"/>
-                </a:solidFill>
-              </a14:hiddenFill>
-            </a:ext>
-          </a:extLst>
-        </p:spPr>
-      </p:pic>
-      <p:sp>
-        <p:nvSpPr>
-          <p:cNvPr id="11" name="Rectangle 10"/>
-          <p:cNvSpPr/>
-          <p:nvPr/>
-        </p:nvSpPr>
-        <p:spPr>
-          <a:xfrm>
-            <a:off x="6156267" y="3243860"/>
-            <a:ext cx="2701275" cy="3046988"/>
-          </a:xfrm>
-          <a:prstGeom prst="rect">
-            <a:avLst/>
-          </a:prstGeom>
-        </p:spPr>
-        <p:txBody>
-          <a:bodyPr wrap="square">
-            <a:spAutoFit/>
-          </a:bodyPr>
-          <a:lstStyle/>
-          <a:p>
-            <a:r>
-              <a:rPr lang="en-US" sz="1600" dirty="0">
-                <a:latin typeface="Intel Clear Light" panose="020B0404020203020204" pitchFamily="34" charset="0"/>
-                <a:ea typeface="Intel Clear Light" panose="020B0404020203020204" pitchFamily="34" charset="0"/>
-                <a:cs typeface="Intel Clear Light" panose="020B0404020203020204" pitchFamily="34" charset="0"/>
-                <a:hlinkClick r:id="rId9"/>
-              </a:rPr>
-              <a:t>Fujitsu Improves Worker Management</a:t>
-            </a:r>
-            <a:endParaRPr lang="en-US" sz="1600" dirty="0">
-              <a:latin typeface="Intel Clear Light" panose="020B0404020203020204" pitchFamily="34" charset="0"/>
-              <a:ea typeface="Intel Clear Light" panose="020B0404020203020204" pitchFamily="34" charset="0"/>
-              <a:cs typeface="Intel Clear Light" panose="020B0404020203020204" pitchFamily="34" charset="0"/>
-            </a:endParaRPr>
-          </a:p>
-          <a:p>
-            <a:r>
-              <a:rPr lang="en-US" sz="1600" dirty="0">
-                <a:latin typeface="Intel Clear Light" panose="020B0404020203020204" pitchFamily="34" charset="0"/>
-                <a:ea typeface="Intel Clear Light" panose="020B0404020203020204" pitchFamily="34" charset="0"/>
-                <a:cs typeface="Intel Clear Light" panose="020B0404020203020204" pitchFamily="34" charset="0"/>
-              </a:rPr>
-              <a:t>Fujitsu’s UBIQUITOUSWARE* is an industrial worker management platform enabling data acquisition from a wide variety of sensors. An Intel® architecture-based </a:t>
-            </a:r>
-            <a:r>
-              <a:rPr lang="en-US" sz="1600" dirty="0" err="1">
-                <a:latin typeface="Intel Clear Light" panose="020B0404020203020204" pitchFamily="34" charset="0"/>
-                <a:ea typeface="Intel Clear Light" panose="020B0404020203020204" pitchFamily="34" charset="0"/>
-                <a:cs typeface="Intel Clear Light" panose="020B0404020203020204" pitchFamily="34" charset="0"/>
-              </a:rPr>
-              <a:t>IoT</a:t>
-            </a:r>
-            <a:r>
-              <a:rPr lang="en-US" sz="1600" dirty="0">
-                <a:latin typeface="Intel Clear Light" panose="020B0404020203020204" pitchFamily="34" charset="0"/>
-                <a:ea typeface="Intel Clear Light" panose="020B0404020203020204" pitchFamily="34" charset="0"/>
-                <a:cs typeface="Intel Clear Light" panose="020B0404020203020204" pitchFamily="34" charset="0"/>
-              </a:rPr>
-              <a:t> gateway gathers, filters, and applies local analytics.</a:t>
-            </a:r>
-            <a:endParaRPr lang="en-US" sz="1600" b="0" i="0" dirty="0">
-              <a:effectLst/>
-              <a:latin typeface="Intel Clear Light" panose="020B0404020203020204" pitchFamily="34" charset="0"/>
-              <a:ea typeface="Intel Clear Light" panose="020B0404020203020204" pitchFamily="34" charset="0"/>
-              <a:cs typeface="Intel Clear Light" panose="020B0404020203020204" pitchFamily="34" charset="0"/>
-            </a:endParaRPr>
-          </a:p>
-        </p:txBody>
-      </p:sp>
-      <p:sp>
-        <p:nvSpPr>
-          <p:cNvPr id="12" name="Rectangle 11"/>
-          <p:cNvSpPr/>
-          <p:nvPr/>
-        </p:nvSpPr>
-        <p:spPr>
-          <a:xfrm>
-            <a:off x="9018776" y="3243861"/>
-            <a:ext cx="2701276" cy="2308324"/>
-          </a:xfrm>
-          <a:prstGeom prst="rect">
-            <a:avLst/>
-          </a:prstGeom>
-        </p:spPr>
-        <p:txBody>
-          <a:bodyPr wrap="square">
-            <a:spAutoFit/>
-          </a:bodyPr>
-          <a:lstStyle/>
-          <a:p>
-            <a:r>
-              <a:rPr lang="en-US" sz="1600" dirty="0">
-                <a:latin typeface="Intel Clear Light" panose="020B0404020203020204" pitchFamily="34" charset="0"/>
-                <a:ea typeface="Intel Clear Light" panose="020B0404020203020204" pitchFamily="34" charset="0"/>
-                <a:cs typeface="Intel Clear Light" panose="020B0404020203020204" pitchFamily="34" charset="0"/>
-                <a:hlinkClick r:id="rId10"/>
-              </a:rPr>
-              <a:t>KNAPP Aims at Zero Defects</a:t>
-            </a:r>
-            <a:endParaRPr lang="en-US" sz="1600" dirty="0">
-              <a:latin typeface="Intel Clear Light" panose="020B0404020203020204" pitchFamily="34" charset="0"/>
-              <a:ea typeface="Intel Clear Light" panose="020B0404020203020204" pitchFamily="34" charset="0"/>
-              <a:cs typeface="Intel Clear Light" panose="020B0404020203020204" pitchFamily="34" charset="0"/>
-            </a:endParaRPr>
-          </a:p>
-          <a:p>
-            <a:r>
-              <a:rPr lang="en-US" sz="1600" dirty="0">
-                <a:latin typeface="Intel Clear Light" panose="020B0404020203020204" pitchFamily="34" charset="0"/>
-                <a:ea typeface="Intel Clear Light" panose="020B0404020203020204" pitchFamily="34" charset="0"/>
-                <a:cs typeface="Intel Clear Light" panose="020B0404020203020204" pitchFamily="34" charset="0"/>
-              </a:rPr>
-              <a:t>The KNAPP IVII Headset* is an Intel-powered wireless, smart worker wearable solution with a unique see-through display that gives workers access to both real and virtual information.</a:t>
-            </a:r>
+          </a:p>
+          <a:p>
+            <a:endParaRPr lang="en-US" sz="2200" dirty="0"/>
+          </a:p>
+          <a:p>
+            <a:r>
+              <a:rPr lang="en-US" sz="2200" dirty="0" smtClean="0"/>
+              <a:t>Physical processes affect the computation model of the process and vice-versa.</a:t>
+            </a:r>
+          </a:p>
+          <a:p>
+            <a:endParaRPr lang="en-US" sz="2200" dirty="0"/>
+          </a:p>
+          <a:p>
+            <a:r>
+              <a:rPr lang="en-US" sz="2200" dirty="0"/>
+              <a:t>The economic </a:t>
+            </a:r>
+            <a:r>
+              <a:rPr lang="en-US" sz="2200" dirty="0" smtClean="0"/>
+              <a:t>impact of cyber-physical systems </a:t>
+            </a:r>
+            <a:r>
+              <a:rPr lang="en-US" sz="2200" dirty="0"/>
+              <a:t>is vastly greater than what has been </a:t>
+            </a:r>
+            <a:r>
+              <a:rPr lang="en-US" sz="2200" dirty="0" smtClean="0"/>
+              <a:t>realized. Major </a:t>
+            </a:r>
+            <a:r>
+              <a:rPr lang="en-US" sz="2200" dirty="0"/>
+              <a:t>investments are being made worldwide to develop the </a:t>
+            </a:r>
+            <a:r>
+              <a:rPr lang="en-US" sz="2200" dirty="0" smtClean="0"/>
+              <a:t>technology. </a:t>
+            </a:r>
+            <a:endParaRPr lang="en-US" sz="2200" dirty="0"/>
+          </a:p>
+          <a:p>
+            <a:endParaRPr lang="en-US" sz="2200" dirty="0"/>
           </a:p>
         </p:txBody>
       </p:sp>
     </p:spTree>
     <p:extLst>
       <p:ext uri="{BB962C8B-B14F-4D97-AF65-F5344CB8AC3E}">
-        <p14:creationId xmlns:p14="http://schemas.microsoft.com/office/powerpoint/2010/main" val="742758365"/>
+        <p14:creationId xmlns:p14="http://schemas.microsoft.com/office/powerpoint/2010/main" val="2825982363"/>
       </p:ext>
     </p:extLst>
   </p:cSld>
@@ -27761,34 +28525,16 @@
             <p:ph type="title"/>
           </p:nvPr>
         </p:nvSpPr>
-        <p:spPr>
-          <a:xfrm>
-            <a:off x="471951" y="304703"/>
-            <a:ext cx="11248101" cy="724686"/>
-          </a:xfrm>
-        </p:spPr>
+        <p:spPr/>
         <p:txBody>
           <a:bodyPr/>
           <a:lstStyle/>
           <a:p>
             <a:r>
-              <a:rPr lang="en-US" sz="5870" kern="0" dirty="0">
-                <a:solidFill>
-                  <a:srgbClr val="F3D54E"/>
-                </a:solidFill>
-                <a:effectLst>
-                  <a:outerShdw blurRad="431800" algn="ctr" rotWithShape="0">
-                    <a:prstClr val="black"/>
-                  </a:outerShdw>
-                </a:effectLst>
-              </a:rPr>
-              <a:t>Sensing </a:t>
-            </a:r>
-            <a:r>
-              <a:rPr lang="en-US" sz="5870" dirty="0" smtClean="0"/>
-              <a:t>for Automation and Robotics</a:t>
-            </a:r>
-            <a:endParaRPr lang="en-US" sz="5870" dirty="0"/>
+              <a:rPr lang="en-US" dirty="0" smtClean="0"/>
+              <a:t>Sensors for products that enhance worker safety</a:t>
+            </a:r>
+            <a:endParaRPr lang="en-US" dirty="0"/>
           </a:p>
         </p:txBody>
       </p:sp>
@@ -27830,6 +28576,559 @@
                 </a:spcAft>
               </a:pPr>
               <a:t>5</a:t>
+            </a:fld>
+            <a:endParaRPr lang="en-US" dirty="0">
+              <a:solidFill>
+                <a:prstClr val="white"/>
+              </a:solidFill>
+            </a:endParaRPr>
+          </a:p>
+        </p:txBody>
+      </p:sp>
+      <p:pic>
+        <p:nvPicPr>
+          <p:cNvPr id="2050" name="Picture 2" descr="DAQRI Brings AR to Industry"/>
+          <p:cNvPicPr>
+            <a:picLocks noChangeAspect="1" noChangeArrowheads="1"/>
+          </p:cNvPicPr>
+          <p:nvPr/>
+        </p:nvPicPr>
+        <p:blipFill>
+          <a:blip r:embed="rId3">
+            <a:extLst>
+              <a:ext uri="{28A0092B-C50C-407E-A947-70E740481C1C}">
+                <a14:useLocalDpi xmlns:a14="http://schemas.microsoft.com/office/drawing/2010/main" val="0"/>
+              </a:ext>
+            </a:extLst>
+          </a:blip>
+          <a:srcRect/>
+          <a:stretch>
+            <a:fillRect/>
+          </a:stretch>
+        </p:blipFill>
+        <p:spPr bwMode="auto">
+          <a:xfrm>
+            <a:off x="471951" y="1512058"/>
+            <a:ext cx="2642185" cy="1519467"/>
+          </a:xfrm>
+          <a:prstGeom prst="rect">
+            <a:avLst/>
+          </a:prstGeom>
+          <a:noFill/>
+          <a:extLst>
+            <a:ext uri="{909E8E84-426E-40DD-AFC4-6F175D3DCCD1}">
+              <a14:hiddenFill xmlns:a14="http://schemas.microsoft.com/office/drawing/2010/main">
+                <a:solidFill>
+                  <a:srgbClr val="FFFFFF"/>
+                </a:solidFill>
+              </a14:hiddenFill>
+            </a:ext>
+          </a:extLst>
+        </p:spPr>
+      </p:pic>
+      <p:sp>
+        <p:nvSpPr>
+          <p:cNvPr id="9" name="Rectangle 8"/>
+          <p:cNvSpPr/>
+          <p:nvPr/>
+        </p:nvSpPr>
+        <p:spPr>
+          <a:xfrm>
+            <a:off x="471951" y="3168855"/>
+            <a:ext cx="2642185" cy="2308324"/>
+          </a:xfrm>
+          <a:prstGeom prst="rect">
+            <a:avLst/>
+          </a:prstGeom>
+        </p:spPr>
+        <p:txBody>
+          <a:bodyPr wrap="square">
+            <a:spAutoFit/>
+          </a:bodyPr>
+          <a:lstStyle/>
+          <a:p>
+            <a:r>
+              <a:rPr lang="en-US" sz="1600" dirty="0">
+                <a:latin typeface="Intel Clear Light" panose="020B0404020203020204" pitchFamily="34" charset="0"/>
+                <a:ea typeface="Intel Clear Light" panose="020B0404020203020204" pitchFamily="34" charset="0"/>
+                <a:cs typeface="Intel Clear Light" panose="020B0404020203020204" pitchFamily="34" charset="0"/>
+                <a:hlinkClick r:id="rId4"/>
+              </a:rPr>
+              <a:t>DAQRI Brings Augmented Reality to Industry</a:t>
+            </a:r>
+            <a:endParaRPr lang="en-US" sz="1600" dirty="0">
+              <a:latin typeface="Intel Clear Light" panose="020B0404020203020204" pitchFamily="34" charset="0"/>
+              <a:ea typeface="Intel Clear Light" panose="020B0404020203020204" pitchFamily="34" charset="0"/>
+              <a:cs typeface="Intel Clear Light" panose="020B0404020203020204" pitchFamily="34" charset="0"/>
+            </a:endParaRPr>
+          </a:p>
+          <a:p>
+            <a:r>
+              <a:rPr lang="en-US" sz="1600" dirty="0">
+                <a:latin typeface="Intel Clear Light" panose="020B0404020203020204" pitchFamily="34" charset="0"/>
+                <a:ea typeface="Intel Clear Light" panose="020B0404020203020204" pitchFamily="34" charset="0"/>
+                <a:cs typeface="Intel Clear Light" panose="020B0404020203020204" pitchFamily="34" charset="0"/>
+              </a:rPr>
+              <a:t>The DAQRI Smart Helmet* powered by Intel allows wearers to overlay maps, schematics, and thermal images to effectively see through walls, pipes, and other solid objects.</a:t>
+            </a:r>
+            <a:endParaRPr lang="en-US" sz="1600" b="0" i="0" dirty="0">
+              <a:effectLst/>
+              <a:latin typeface="Intel Clear Light" panose="020B0404020203020204" pitchFamily="34" charset="0"/>
+              <a:ea typeface="Intel Clear Light" panose="020B0404020203020204" pitchFamily="34" charset="0"/>
+              <a:cs typeface="Intel Clear Light" panose="020B0404020203020204" pitchFamily="34" charset="0"/>
+            </a:endParaRPr>
+          </a:p>
+        </p:txBody>
+      </p:sp>
+      <p:sp>
+        <p:nvSpPr>
+          <p:cNvPr id="10" name="Rectangle 9"/>
+          <p:cNvSpPr/>
+          <p:nvPr/>
+        </p:nvSpPr>
+        <p:spPr>
+          <a:xfrm>
+            <a:off x="3293757" y="3197695"/>
+            <a:ext cx="2701275" cy="3046988"/>
+          </a:xfrm>
+          <a:prstGeom prst="rect">
+            <a:avLst/>
+          </a:prstGeom>
+        </p:spPr>
+        <p:txBody>
+          <a:bodyPr wrap="square">
+            <a:spAutoFit/>
+          </a:bodyPr>
+          <a:lstStyle/>
+          <a:p>
+            <a:r>
+              <a:rPr lang="en-US" sz="1600" dirty="0">
+                <a:latin typeface="Intel Clear Light" panose="020B0404020203020204" pitchFamily="34" charset="0"/>
+                <a:ea typeface="Intel Clear Light" panose="020B0404020203020204" pitchFamily="34" charset="0"/>
+                <a:cs typeface="Intel Clear Light" panose="020B0404020203020204" pitchFamily="34" charset="0"/>
+                <a:hlinkClick r:id="rId5"/>
+              </a:rPr>
+              <a:t>Epson Offers Augmented-Reality-Ready Smart Glasses</a:t>
+            </a:r>
+            <a:endParaRPr lang="en-US" sz="1600" dirty="0">
+              <a:latin typeface="Intel Clear Light" panose="020B0404020203020204" pitchFamily="34" charset="0"/>
+              <a:ea typeface="Intel Clear Light" panose="020B0404020203020204" pitchFamily="34" charset="0"/>
+              <a:cs typeface="Intel Clear Light" panose="020B0404020203020204" pitchFamily="34" charset="0"/>
+            </a:endParaRPr>
+          </a:p>
+          <a:p>
+            <a:r>
+              <a:rPr lang="en-US" sz="1600" dirty="0">
+                <a:latin typeface="Intel Clear Light" panose="020B0404020203020204" pitchFamily="34" charset="0"/>
+                <a:ea typeface="Intel Clear Light" panose="020B0404020203020204" pitchFamily="34" charset="0"/>
+                <a:cs typeface="Intel Clear Light" panose="020B0404020203020204" pitchFamily="34" charset="0"/>
+              </a:rPr>
+              <a:t>MOVERIO* smart glasses are powered by an Intel Atom® </a:t>
+            </a:r>
+            <a:r>
+              <a:rPr lang="en-US" sz="1600" dirty="0" err="1">
+                <a:latin typeface="Intel Clear Light" panose="020B0404020203020204" pitchFamily="34" charset="0"/>
+                <a:ea typeface="Intel Clear Light" panose="020B0404020203020204" pitchFamily="34" charset="0"/>
+                <a:cs typeface="Intel Clear Light" panose="020B0404020203020204" pitchFamily="34" charset="0"/>
+              </a:rPr>
+              <a:t>processor.The</a:t>
+            </a:r>
+            <a:r>
+              <a:rPr lang="en-US" sz="1600" dirty="0">
+                <a:latin typeface="Intel Clear Light" panose="020B0404020203020204" pitchFamily="34" charset="0"/>
+                <a:ea typeface="Intel Clear Light" panose="020B0404020203020204" pitchFamily="34" charset="0"/>
+                <a:cs typeface="Intel Clear Light" panose="020B0404020203020204" pitchFamily="34" charset="0"/>
+              </a:rPr>
+              <a:t> BT-350 is designed for multi-user, augmented reality applications, such as remote support, arts &amp; culture, enterprise drone, and subtitling &amp; translation</a:t>
+            </a:r>
+            <a:r>
+              <a:rPr lang="en-US" sz="1600" dirty="0">
+                <a:solidFill>
+                  <a:srgbClr val="555555"/>
+                </a:solidFill>
+                <a:latin typeface="intel-clear"/>
+              </a:rPr>
+              <a:t>.</a:t>
+            </a:r>
+            <a:endParaRPr lang="en-US" sz="1600" b="0" i="0" dirty="0">
+              <a:solidFill>
+                <a:srgbClr val="555555"/>
+              </a:solidFill>
+              <a:effectLst/>
+              <a:latin typeface="intel-clear"/>
+            </a:endParaRPr>
+          </a:p>
+        </p:txBody>
+      </p:sp>
+      <p:pic>
+        <p:nvPicPr>
+          <p:cNvPr id="2052" name="Picture 4" descr="Epson Offers AR-Ready Smart Glasses"/>
+          <p:cNvPicPr>
+            <a:picLocks noChangeAspect="1" noChangeArrowheads="1"/>
+          </p:cNvPicPr>
+          <p:nvPr/>
+        </p:nvPicPr>
+        <p:blipFill>
+          <a:blip r:embed="rId6">
+            <a:extLst>
+              <a:ext uri="{28A0092B-C50C-407E-A947-70E740481C1C}">
+                <a14:useLocalDpi xmlns:a14="http://schemas.microsoft.com/office/drawing/2010/main" val="0"/>
+              </a:ext>
+            </a:extLst>
+          </a:blip>
+          <a:srcRect/>
+          <a:stretch>
+            <a:fillRect/>
+          </a:stretch>
+        </p:blipFill>
+        <p:spPr bwMode="auto">
+          <a:xfrm>
+            <a:off x="3293757" y="1512058"/>
+            <a:ext cx="2701275" cy="1519467"/>
+          </a:xfrm>
+          <a:prstGeom prst="rect">
+            <a:avLst/>
+          </a:prstGeom>
+          <a:noFill/>
+          <a:extLst>
+            <a:ext uri="{909E8E84-426E-40DD-AFC4-6F175D3DCCD1}">
+              <a14:hiddenFill xmlns:a14="http://schemas.microsoft.com/office/drawing/2010/main">
+                <a:solidFill>
+                  <a:srgbClr val="FFFFFF"/>
+                </a:solidFill>
+              </a14:hiddenFill>
+            </a:ext>
+          </a:extLst>
+        </p:spPr>
+      </p:pic>
+      <p:pic>
+        <p:nvPicPr>
+          <p:cNvPr id="2056" name="Picture 8" descr="Fujitsu Improves Worker Management"/>
+          <p:cNvPicPr>
+            <a:picLocks noChangeAspect="1" noChangeArrowheads="1"/>
+          </p:cNvPicPr>
+          <p:nvPr/>
+        </p:nvPicPr>
+        <p:blipFill>
+          <a:blip r:embed="rId7">
+            <a:extLst>
+              <a:ext uri="{28A0092B-C50C-407E-A947-70E740481C1C}">
+                <a14:useLocalDpi xmlns:a14="http://schemas.microsoft.com/office/drawing/2010/main" val="0"/>
+              </a:ext>
+            </a:extLst>
+          </a:blip>
+          <a:srcRect/>
+          <a:stretch>
+            <a:fillRect/>
+          </a:stretch>
+        </p:blipFill>
+        <p:spPr bwMode="auto">
+          <a:xfrm>
+            <a:off x="6156267" y="1512058"/>
+            <a:ext cx="2701275" cy="1519467"/>
+          </a:xfrm>
+          <a:prstGeom prst="rect">
+            <a:avLst/>
+          </a:prstGeom>
+          <a:noFill/>
+          <a:extLst>
+            <a:ext uri="{909E8E84-426E-40DD-AFC4-6F175D3DCCD1}">
+              <a14:hiddenFill xmlns:a14="http://schemas.microsoft.com/office/drawing/2010/main">
+                <a:solidFill>
+                  <a:srgbClr val="FFFFFF"/>
+                </a:solidFill>
+              </a14:hiddenFill>
+            </a:ext>
+          </a:extLst>
+        </p:spPr>
+      </p:pic>
+      <p:pic>
+        <p:nvPicPr>
+          <p:cNvPr id="2058" name="Picture 10" descr="KNAPP Aims at Zero Defects"/>
+          <p:cNvPicPr>
+            <a:picLocks noChangeAspect="1" noChangeArrowheads="1"/>
+          </p:cNvPicPr>
+          <p:nvPr/>
+        </p:nvPicPr>
+        <p:blipFill>
+          <a:blip r:embed="rId8">
+            <a:extLst>
+              <a:ext uri="{28A0092B-C50C-407E-A947-70E740481C1C}">
+                <a14:useLocalDpi xmlns:a14="http://schemas.microsoft.com/office/drawing/2010/main" val="0"/>
+              </a:ext>
+            </a:extLst>
+          </a:blip>
+          <a:srcRect/>
+          <a:stretch>
+            <a:fillRect/>
+          </a:stretch>
+        </p:blipFill>
+        <p:spPr bwMode="auto">
+          <a:xfrm>
+            <a:off x="9018777" y="1518227"/>
+            <a:ext cx="2701275" cy="1519467"/>
+          </a:xfrm>
+          <a:prstGeom prst="rect">
+            <a:avLst/>
+          </a:prstGeom>
+          <a:noFill/>
+          <a:extLst>
+            <a:ext uri="{909E8E84-426E-40DD-AFC4-6F175D3DCCD1}">
+              <a14:hiddenFill xmlns:a14="http://schemas.microsoft.com/office/drawing/2010/main">
+                <a:solidFill>
+                  <a:srgbClr val="FFFFFF"/>
+                </a:solidFill>
+              </a14:hiddenFill>
+            </a:ext>
+          </a:extLst>
+        </p:spPr>
+      </p:pic>
+      <p:sp>
+        <p:nvSpPr>
+          <p:cNvPr id="11" name="Rectangle 10"/>
+          <p:cNvSpPr/>
+          <p:nvPr/>
+        </p:nvSpPr>
+        <p:spPr>
+          <a:xfrm>
+            <a:off x="6156267" y="3243860"/>
+            <a:ext cx="2701275" cy="3046988"/>
+          </a:xfrm>
+          <a:prstGeom prst="rect">
+            <a:avLst/>
+          </a:prstGeom>
+        </p:spPr>
+        <p:txBody>
+          <a:bodyPr wrap="square">
+            <a:spAutoFit/>
+          </a:bodyPr>
+          <a:lstStyle/>
+          <a:p>
+            <a:r>
+              <a:rPr lang="en-US" sz="1600" dirty="0">
+                <a:latin typeface="Intel Clear Light" panose="020B0404020203020204" pitchFamily="34" charset="0"/>
+                <a:ea typeface="Intel Clear Light" panose="020B0404020203020204" pitchFamily="34" charset="0"/>
+                <a:cs typeface="Intel Clear Light" panose="020B0404020203020204" pitchFamily="34" charset="0"/>
+                <a:hlinkClick r:id="rId9"/>
+              </a:rPr>
+              <a:t>Fujitsu Improves Worker Management</a:t>
+            </a:r>
+            <a:endParaRPr lang="en-US" sz="1600" dirty="0">
+              <a:latin typeface="Intel Clear Light" panose="020B0404020203020204" pitchFamily="34" charset="0"/>
+              <a:ea typeface="Intel Clear Light" panose="020B0404020203020204" pitchFamily="34" charset="0"/>
+              <a:cs typeface="Intel Clear Light" panose="020B0404020203020204" pitchFamily="34" charset="0"/>
+            </a:endParaRPr>
+          </a:p>
+          <a:p>
+            <a:r>
+              <a:rPr lang="en-US" sz="1600" dirty="0">
+                <a:latin typeface="Intel Clear Light" panose="020B0404020203020204" pitchFamily="34" charset="0"/>
+                <a:ea typeface="Intel Clear Light" panose="020B0404020203020204" pitchFamily="34" charset="0"/>
+                <a:cs typeface="Intel Clear Light" panose="020B0404020203020204" pitchFamily="34" charset="0"/>
+              </a:rPr>
+              <a:t>Fujitsu’s UBIQUITOUSWARE* is an industrial worker management platform enabling data acquisition from a wide variety of sensors. An Intel® architecture-based </a:t>
+            </a:r>
+            <a:r>
+              <a:rPr lang="en-US" sz="1600" dirty="0" err="1">
+                <a:latin typeface="Intel Clear Light" panose="020B0404020203020204" pitchFamily="34" charset="0"/>
+                <a:ea typeface="Intel Clear Light" panose="020B0404020203020204" pitchFamily="34" charset="0"/>
+                <a:cs typeface="Intel Clear Light" panose="020B0404020203020204" pitchFamily="34" charset="0"/>
+              </a:rPr>
+              <a:t>IoT</a:t>
+            </a:r>
+            <a:r>
+              <a:rPr lang="en-US" sz="1600" dirty="0">
+                <a:latin typeface="Intel Clear Light" panose="020B0404020203020204" pitchFamily="34" charset="0"/>
+                <a:ea typeface="Intel Clear Light" panose="020B0404020203020204" pitchFamily="34" charset="0"/>
+                <a:cs typeface="Intel Clear Light" panose="020B0404020203020204" pitchFamily="34" charset="0"/>
+              </a:rPr>
+              <a:t> gateway gathers, filters, and applies local analytics.</a:t>
+            </a:r>
+            <a:endParaRPr lang="en-US" sz="1600" b="0" i="0" dirty="0">
+              <a:effectLst/>
+              <a:latin typeface="Intel Clear Light" panose="020B0404020203020204" pitchFamily="34" charset="0"/>
+              <a:ea typeface="Intel Clear Light" panose="020B0404020203020204" pitchFamily="34" charset="0"/>
+              <a:cs typeface="Intel Clear Light" panose="020B0404020203020204" pitchFamily="34" charset="0"/>
+            </a:endParaRPr>
+          </a:p>
+        </p:txBody>
+      </p:sp>
+      <p:sp>
+        <p:nvSpPr>
+          <p:cNvPr id="12" name="Rectangle 11"/>
+          <p:cNvSpPr/>
+          <p:nvPr/>
+        </p:nvSpPr>
+        <p:spPr>
+          <a:xfrm>
+            <a:off x="9018776" y="3243861"/>
+            <a:ext cx="2701276" cy="2308324"/>
+          </a:xfrm>
+          <a:prstGeom prst="rect">
+            <a:avLst/>
+          </a:prstGeom>
+        </p:spPr>
+        <p:txBody>
+          <a:bodyPr wrap="square">
+            <a:spAutoFit/>
+          </a:bodyPr>
+          <a:lstStyle/>
+          <a:p>
+            <a:r>
+              <a:rPr lang="en-US" sz="1600" dirty="0">
+                <a:latin typeface="Intel Clear Light" panose="020B0404020203020204" pitchFamily="34" charset="0"/>
+                <a:ea typeface="Intel Clear Light" panose="020B0404020203020204" pitchFamily="34" charset="0"/>
+                <a:cs typeface="Intel Clear Light" panose="020B0404020203020204" pitchFamily="34" charset="0"/>
+                <a:hlinkClick r:id="rId10"/>
+              </a:rPr>
+              <a:t>KNAPP Aims at Zero Defects</a:t>
+            </a:r>
+            <a:endParaRPr lang="en-US" sz="1600" dirty="0">
+              <a:latin typeface="Intel Clear Light" panose="020B0404020203020204" pitchFamily="34" charset="0"/>
+              <a:ea typeface="Intel Clear Light" panose="020B0404020203020204" pitchFamily="34" charset="0"/>
+              <a:cs typeface="Intel Clear Light" panose="020B0404020203020204" pitchFamily="34" charset="0"/>
+            </a:endParaRPr>
+          </a:p>
+          <a:p>
+            <a:r>
+              <a:rPr lang="en-US" sz="1600" dirty="0">
+                <a:latin typeface="Intel Clear Light" panose="020B0404020203020204" pitchFamily="34" charset="0"/>
+                <a:ea typeface="Intel Clear Light" panose="020B0404020203020204" pitchFamily="34" charset="0"/>
+                <a:cs typeface="Intel Clear Light" panose="020B0404020203020204" pitchFamily="34" charset="0"/>
+              </a:rPr>
+              <a:t>The KNAPP IVII Headset* is an Intel-powered wireless, smart worker wearable solution with a unique see-through display that gives workers access to both real and virtual information.</a:t>
+            </a:r>
+          </a:p>
+        </p:txBody>
+      </p:sp>
+    </p:spTree>
+    <p:extLst>
+      <p:ext uri="{BB962C8B-B14F-4D97-AF65-F5344CB8AC3E}">
+        <p14:creationId xmlns:p14="http://schemas.microsoft.com/office/powerpoint/2010/main" val="742758365"/>
+      </p:ext>
+    </p:extLst>
+  </p:cSld>
+  <p:clrMapOvr>
+    <a:masterClrMapping/>
+  </p:clrMapOvr>
+  <mc:AlternateContent xmlns:mc="http://schemas.openxmlformats.org/markup-compatibility/2006" xmlns:p14="http://schemas.microsoft.com/office/powerpoint/2010/main">
+    <mc:Choice Requires="p14">
+      <p:transition spd="med" p14:dur="700">
+        <p:fade/>
+      </p:transition>
+    </mc:Choice>
+    <mc:Fallback xmlns="">
+      <p:transition spd="med">
+        <p:fade/>
+      </p:transition>
+    </mc:Fallback>
+  </mc:AlternateContent>
+  <p:timing>
+    <p:tnLst>
+      <p:par>
+        <p:cTn id="1" dur="indefinite" restart="never" nodeType="tmRoot"/>
+      </p:par>
+    </p:tnLst>
+  </p:timing>
+</p:sld>
+</file>
+
+<file path=ppt/slides/slide6.xml><?xml version="1.0" encoding="utf-8"?>
+<p:sld xmlns:a="http://schemas.openxmlformats.org/drawingml/2006/main" xmlns:r="http://schemas.openxmlformats.org/officeDocument/2006/relationships" xmlns:p="http://schemas.openxmlformats.org/presentationml/2006/main">
+  <p:cSld>
+    <p:spTree>
+      <p:nvGrpSpPr>
+        <p:cNvPr id="1" name=""/>
+        <p:cNvGrpSpPr/>
+        <p:nvPr/>
+      </p:nvGrpSpPr>
+      <p:grpSpPr>
+        <a:xfrm>
+          <a:off x="0" y="0"/>
+          <a:ext cx="0" cy="0"/>
+          <a:chOff x="0" y="0"/>
+          <a:chExt cx="0" cy="0"/>
+        </a:xfrm>
+      </p:grpSpPr>
+      <p:sp>
+        <p:nvSpPr>
+          <p:cNvPr id="7" name="Title 6"/>
+          <p:cNvSpPr>
+            <a:spLocks noGrp="1"/>
+          </p:cNvSpPr>
+          <p:nvPr>
+            <p:ph type="title"/>
+          </p:nvPr>
+        </p:nvSpPr>
+        <p:spPr>
+          <a:xfrm>
+            <a:off x="471951" y="304703"/>
+            <a:ext cx="11248101" cy="724686"/>
+          </a:xfrm>
+        </p:spPr>
+        <p:txBody>
+          <a:bodyPr/>
+          <a:lstStyle/>
+          <a:p>
+            <a:r>
+              <a:rPr lang="en-US" sz="5870" kern="0" dirty="0">
+                <a:solidFill>
+                  <a:srgbClr val="F3D54E"/>
+                </a:solidFill>
+                <a:effectLst>
+                  <a:outerShdw blurRad="431800" algn="ctr" rotWithShape="0">
+                    <a:prstClr val="black"/>
+                  </a:outerShdw>
+                </a:effectLst>
+              </a:rPr>
+              <a:t>Sensing </a:t>
+            </a:r>
+            <a:r>
+              <a:rPr lang="en-US" sz="5870" dirty="0" smtClean="0"/>
+              <a:t>for Automation and Robotics</a:t>
+            </a:r>
+            <a:endParaRPr lang="en-US" sz="5870" dirty="0"/>
+          </a:p>
+        </p:txBody>
+      </p:sp>
+      <p:sp>
+        <p:nvSpPr>
+          <p:cNvPr id="4" name="Slide Number Placeholder 3"/>
+          <p:cNvSpPr>
+            <a:spLocks noGrp="1"/>
+          </p:cNvSpPr>
+          <p:nvPr>
+            <p:ph type="sldNum" sz="quarter" idx="14"/>
+          </p:nvPr>
+        </p:nvSpPr>
+        <p:spPr/>
+        <p:txBody>
+          <a:bodyPr/>
+          <a:lstStyle/>
+          <a:p>
+            <a:pPr eaLnBrk="0" fontAlgn="base" hangingPunct="0">
+              <a:spcBef>
+                <a:spcPct val="50000"/>
+              </a:spcBef>
+              <a:spcAft>
+                <a:spcPct val="0"/>
+              </a:spcAft>
+            </a:pPr>
+            <a:fld id="{FD44707B-D922-47D5-BD24-D96E91B70543}" type="slidenum">
+              <a:rPr lang="en-US" smtClean="0">
+                <a:solidFill>
+                  <a:prstClr val="white"/>
+                </a:solidFill>
+              </a:rPr>
+              <a:pPr eaLnBrk="0" fontAlgn="base" hangingPunct="0">
+                <a:spcBef>
+                  <a:spcPct val="50000"/>
+                </a:spcBef>
+                <a:spcAft>
+                  <a:spcPct val="0"/>
+                </a:spcAft>
+              </a:pPr>
+              <a:t>6</a:t>
             </a:fld>
             <a:endParaRPr lang="en-US" dirty="0">
               <a:solidFill>
@@ -28003,7 +29302,7 @@
 </p:sld>
 </file>
 
-<file path=ppt/slides/slide6.xml><?xml version="1.0" encoding="utf-8"?>
+<file path=ppt/slides/slide7.xml><?xml version="1.0" encoding="utf-8"?>
 <p:sld xmlns:a="http://schemas.openxmlformats.org/drawingml/2006/main" xmlns:r="http://schemas.openxmlformats.org/officeDocument/2006/relationships" xmlns:p="http://schemas.openxmlformats.org/presentationml/2006/main" show="0">
   <p:cSld>
     <p:spTree>
@@ -28104,7 +29403,7 @@
                   <a:spcPct val="0"/>
                 </a:spcAft>
               </a:pPr>
-              <a:t>6</a:t>
+              <a:t>7</a:t>
             </a:fld>
             <a:endParaRPr lang="en-US" dirty="0">
               <a:solidFill>
@@ -28248,13 +29547,13 @@
   <p:clrMapOvr>
     <a:masterClrMapping/>
   </p:clrMapOvr>
-  <mc:AlternateContent xmlns:mc="http://schemas.openxmlformats.org/markup-compatibility/2006">
-    <mc:Choice xmlns:p14="http://schemas.microsoft.com/office/powerpoint/2010/main" Requires="p14">
+  <mc:AlternateContent xmlns:mc="http://schemas.openxmlformats.org/markup-compatibility/2006" xmlns:p14="http://schemas.microsoft.com/office/powerpoint/2010/main">
+    <mc:Choice Requires="p14">
       <p:transition spd="med" p14:dur="700">
         <p:fade/>
       </p:transition>
     </mc:Choice>
-    <mc:Fallback>
+    <mc:Fallback xmlns="">
       <p:transition spd="med">
         <p:fade/>
       </p:transition>
@@ -28270,7 +29569,7 @@
 </p:sld>
 </file>
 
-<file path=ppt/slides/slide7.xml><?xml version="1.0" encoding="utf-8"?>
+<file path=ppt/slides/slide8.xml><?xml version="1.0" encoding="utf-8"?>
 <p:sld xmlns:a="http://schemas.openxmlformats.org/drawingml/2006/main" xmlns:r="http://schemas.openxmlformats.org/officeDocument/2006/relationships" xmlns:p="http://schemas.openxmlformats.org/presentationml/2006/main">
   <p:cSld>
     <p:spTree>
@@ -28394,7 +29693,7 @@
                   <a:spcPct val="0"/>
                 </a:spcAft>
               </a:pPr>
-              <a:t>7</a:t>
+              <a:t>8</a:t>
             </a:fld>
             <a:endParaRPr lang="en-US" dirty="0">
               <a:solidFill>
@@ -28436,7 +29735,7 @@
 </p:sld>
 </file>
 
-<file path=ppt/slides/slide8.xml><?xml version="1.0" encoding="utf-8"?>
+<file path=ppt/slides/slide9.xml><?xml version="1.0" encoding="utf-8"?>
 <p:sld xmlns:a="http://schemas.openxmlformats.org/drawingml/2006/main" xmlns:r="http://schemas.openxmlformats.org/officeDocument/2006/relationships" xmlns:p="http://schemas.openxmlformats.org/presentationml/2006/main">
   <p:cSld>
     <p:spTree>
@@ -28602,7 +29901,7 @@
                 </a:buClr>
                 <a:buSzPct val="25000"/>
               </a:pPr>
-              <a:t>8</a:t>
+              <a:t>9</a:t>
             </a:fld>
             <a:endParaRPr lang="en"/>
           </a:p>
@@ -29029,519 +30328,6 @@
     <p:extLst>
       <p:ext uri="{BB962C8B-B14F-4D97-AF65-F5344CB8AC3E}">
         <p14:creationId xmlns:p14="http://schemas.microsoft.com/office/powerpoint/2010/main" val="1225601681"/>
-      </p:ext>
-    </p:extLst>
-  </p:cSld>
-  <p:clrMapOvr>
-    <a:masterClrMapping/>
-  </p:clrMapOvr>
-  <mc:AlternateContent xmlns:mc="http://schemas.openxmlformats.org/markup-compatibility/2006" xmlns:p14="http://schemas.microsoft.com/office/powerpoint/2010/main">
-    <mc:Choice Requires="p14">
-      <p:transition spd="med" p14:dur="700">
-        <p:fade/>
-      </p:transition>
-    </mc:Choice>
-    <mc:Fallback xmlns="">
-      <p:transition spd="med">
-        <p:fade/>
-      </p:transition>
-    </mc:Fallback>
-  </mc:AlternateContent>
-  <p:timing>
-    <p:tnLst>
-      <p:par>
-        <p:cTn id="1" dur="indefinite" restart="never" nodeType="tmRoot"/>
-      </p:par>
-    </p:tnLst>
-  </p:timing>
-</p:sld>
-</file>
-
-<file path=ppt/slides/slide9.xml><?xml version="1.0" encoding="utf-8"?>
-<p:sld xmlns:a="http://schemas.openxmlformats.org/drawingml/2006/main" xmlns:r="http://schemas.openxmlformats.org/officeDocument/2006/relationships" xmlns:p="http://schemas.openxmlformats.org/presentationml/2006/main">
-  <p:cSld>
-    <p:spTree>
-      <p:nvGrpSpPr>
-        <p:cNvPr id="1" name="Shape 303"/>
-        <p:cNvGrpSpPr/>
-        <p:nvPr/>
-      </p:nvGrpSpPr>
-      <p:grpSpPr>
-        <a:xfrm>
-          <a:off x="0" y="0"/>
-          <a:ext cx="0" cy="0"/>
-          <a:chOff x="0" y="0"/>
-          <a:chExt cx="0" cy="0"/>
-        </a:xfrm>
-      </p:grpSpPr>
-      <p:sp>
-        <p:nvSpPr>
-          <p:cNvPr id="304" name="Shape 304"/>
-          <p:cNvSpPr/>
-          <p:nvPr/>
-        </p:nvSpPr>
-        <p:spPr>
-          <a:xfrm>
-            <a:off x="258943" y="3589577"/>
-            <a:ext cx="11127925" cy="400000"/>
-          </a:xfrm>
-          <a:prstGeom prst="rect">
-            <a:avLst/>
-          </a:prstGeom>
-          <a:solidFill>
-            <a:srgbClr val="0B5394"/>
-          </a:solidFill>
-          <a:ln>
-            <a:noFill/>
-          </a:ln>
-        </p:spPr>
-        <p:txBody>
-          <a:bodyPr wrap="square" lIns="121900" tIns="60933" rIns="121900" bIns="60933" anchor="ctr" anchorCtr="0">
-            <a:noAutofit/>
-          </a:bodyPr>
-          <a:lstStyle/>
-          <a:p>
-            <a:pPr marL="1828754" indent="609585">
-              <a:buClr>
-                <a:srgbClr val="000000"/>
-              </a:buClr>
-            </a:pPr>
-            <a:r>
-              <a:rPr lang="en" sz="2400">
-                <a:solidFill>
-                  <a:schemeClr val="lt1"/>
-                </a:solidFill>
-                <a:latin typeface="Roboto"/>
-                <a:ea typeface="Roboto"/>
-                <a:cs typeface="Roboto"/>
-                <a:sym typeface="Roboto"/>
-              </a:rPr>
-              <a:t>UPM: </a:t>
-            </a:r>
-            <a:r>
-              <a:rPr lang="en" sz="2400">
-                <a:solidFill>
-                  <a:schemeClr val="lt1"/>
-                </a:solidFill>
-                <a:latin typeface="Roboto"/>
-                <a:ea typeface="Roboto"/>
-                <a:cs typeface="Roboto"/>
-                <a:sym typeface="Roboto"/>
-                <a:hlinkClick r:id="rId3"/>
-              </a:rPr>
-              <a:t>https://github.com/intel-iot-devkit/upm</a:t>
-            </a:r>
-          </a:p>
-        </p:txBody>
-      </p:sp>
-      <p:sp>
-        <p:nvSpPr>
-          <p:cNvPr id="305" name="Shape 305"/>
-          <p:cNvSpPr/>
-          <p:nvPr/>
-        </p:nvSpPr>
-        <p:spPr>
-          <a:xfrm>
-            <a:off x="258943" y="1284959"/>
-            <a:ext cx="11127925" cy="400000"/>
-          </a:xfrm>
-          <a:prstGeom prst="rect">
-            <a:avLst/>
-          </a:prstGeom>
-          <a:solidFill>
-            <a:srgbClr val="0B5394"/>
-          </a:solidFill>
-          <a:ln>
-            <a:noFill/>
-          </a:ln>
-        </p:spPr>
-        <p:txBody>
-          <a:bodyPr wrap="square" lIns="121900" tIns="60933" rIns="121900" bIns="60933" anchor="ctr" anchorCtr="0">
-            <a:noAutofit/>
-          </a:bodyPr>
-          <a:lstStyle/>
-          <a:p>
-            <a:pPr marL="1828754" indent="609585">
-              <a:buClr>
-                <a:srgbClr val="000000"/>
-              </a:buClr>
-            </a:pPr>
-            <a:r>
-              <a:rPr lang="en" sz="2400" dirty="0">
-                <a:solidFill>
-                  <a:schemeClr val="lt1"/>
-                </a:solidFill>
-                <a:latin typeface="Roboto"/>
-                <a:ea typeface="Roboto"/>
-                <a:cs typeface="Roboto"/>
-                <a:sym typeface="Roboto"/>
-              </a:rPr>
-              <a:t>libmraa aka “MRAA”: </a:t>
-            </a:r>
-            <a:r>
-              <a:rPr lang="en" sz="2400" dirty="0">
-                <a:solidFill>
-                  <a:schemeClr val="lt1"/>
-                </a:solidFill>
-                <a:latin typeface="Roboto"/>
-                <a:ea typeface="Roboto"/>
-                <a:cs typeface="Roboto"/>
-                <a:sym typeface="Roboto"/>
-                <a:hlinkClick r:id="rId4"/>
-              </a:rPr>
-              <a:t>https://github.com/intel-iot-devkit/mraa</a:t>
-            </a:r>
-          </a:p>
-        </p:txBody>
-      </p:sp>
-      <p:sp>
-        <p:nvSpPr>
-          <p:cNvPr id="306" name="Shape 306"/>
-          <p:cNvSpPr/>
-          <p:nvPr/>
-        </p:nvSpPr>
-        <p:spPr>
-          <a:xfrm>
-            <a:off x="258932" y="1684967"/>
-            <a:ext cx="9769600" cy="2174000"/>
-          </a:xfrm>
-          <a:prstGeom prst="roundRect">
-            <a:avLst>
-              <a:gd name="adj" fmla="val 7880"/>
-            </a:avLst>
-          </a:prstGeom>
-          <a:noFill/>
-          <a:ln>
-            <a:noFill/>
-          </a:ln>
-        </p:spPr>
-        <p:txBody>
-          <a:bodyPr wrap="square" lIns="121900" tIns="60933" rIns="121900" bIns="60933" anchor="t" anchorCtr="0">
-            <a:noAutofit/>
-          </a:bodyPr>
-          <a:lstStyle/>
-          <a:p>
-            <a:pPr marL="761981" indent="-169329">
-              <a:lnSpc>
-                <a:spcPct val="115000"/>
-              </a:lnSpc>
-              <a:buClr>
-                <a:schemeClr val="lt2"/>
-              </a:buClr>
-              <a:buFont typeface="Roboto"/>
-              <a:buChar char="•"/>
-            </a:pPr>
-            <a:r>
-              <a:rPr lang="en" dirty="0">
-                <a:latin typeface="Roboto"/>
-                <a:ea typeface="Roboto"/>
-                <a:cs typeface="Roboto"/>
-                <a:sym typeface="Roboto"/>
-              </a:rPr>
-              <a:t>Open Source IO Libs (UART, SPI, GPIO, I2C, AIO) </a:t>
-            </a:r>
-          </a:p>
-          <a:p>
-            <a:pPr marL="761981" indent="-169329">
-              <a:lnSpc>
-                <a:spcPct val="115000"/>
-              </a:lnSpc>
-              <a:buClr>
-                <a:schemeClr val="lt2"/>
-              </a:buClr>
-              <a:buFont typeface="Roboto"/>
-              <a:buChar char="•"/>
-            </a:pPr>
-            <a:r>
-              <a:rPr lang="en" dirty="0">
-                <a:latin typeface="Roboto"/>
-                <a:ea typeface="Roboto"/>
-                <a:cs typeface="Roboto"/>
-                <a:sym typeface="Roboto"/>
-              </a:rPr>
-              <a:t>Provides higher level abstraction making hardware IO easier to use from userspace</a:t>
-            </a:r>
-          </a:p>
-          <a:p>
-            <a:pPr marL="761981" indent="-169329">
-              <a:lnSpc>
-                <a:spcPct val="115000"/>
-              </a:lnSpc>
-              <a:buClr>
-                <a:schemeClr val="lt2"/>
-              </a:buClr>
-              <a:buFont typeface="Roboto"/>
-              <a:buChar char="•"/>
-            </a:pPr>
-            <a:r>
-              <a:rPr lang="en" dirty="0">
-                <a:latin typeface="Roboto"/>
-                <a:ea typeface="Roboto"/>
-                <a:cs typeface="Roboto"/>
-                <a:sym typeface="Roboto"/>
-              </a:rPr>
-              <a:t>Enables portability between devices</a:t>
-            </a:r>
-          </a:p>
-          <a:p>
-            <a:pPr marL="761981" indent="-169329">
-              <a:lnSpc>
-                <a:spcPct val="115000"/>
-              </a:lnSpc>
-              <a:buClr>
-                <a:schemeClr val="lt2"/>
-              </a:buClr>
-              <a:buFont typeface="Roboto"/>
-              <a:buChar char="•"/>
-            </a:pPr>
-            <a:r>
-              <a:rPr lang="en" dirty="0">
-                <a:latin typeface="Roboto"/>
-                <a:ea typeface="Roboto"/>
-                <a:cs typeface="Roboto"/>
-                <a:sym typeface="Roboto"/>
-              </a:rPr>
-              <a:t>Supports Intel® Galileo and Intel® Edison boards, MinnowBoard MAX, etc.</a:t>
-            </a:r>
-          </a:p>
-        </p:txBody>
-      </p:sp>
-      <p:sp>
-        <p:nvSpPr>
-          <p:cNvPr id="307" name="Shape 307"/>
-          <p:cNvSpPr/>
-          <p:nvPr/>
-        </p:nvSpPr>
-        <p:spPr>
-          <a:xfrm>
-            <a:off x="258935" y="4045744"/>
-            <a:ext cx="8470800" cy="1533600"/>
-          </a:xfrm>
-          <a:prstGeom prst="roundRect">
-            <a:avLst>
-              <a:gd name="adj" fmla="val 11079"/>
-            </a:avLst>
-          </a:prstGeom>
-          <a:noFill/>
-          <a:ln>
-            <a:noFill/>
-          </a:ln>
-        </p:spPr>
-        <p:txBody>
-          <a:bodyPr wrap="square" lIns="121900" tIns="60933" rIns="121900" bIns="60933" anchor="t" anchorCtr="0">
-            <a:noAutofit/>
-          </a:bodyPr>
-          <a:lstStyle/>
-          <a:p>
-            <a:pPr marL="761981" indent="-169329">
-              <a:lnSpc>
-                <a:spcPct val="115000"/>
-              </a:lnSpc>
-              <a:buClr>
-                <a:schemeClr val="lt2"/>
-              </a:buClr>
-              <a:buFont typeface="Roboto"/>
-              <a:buChar char="•"/>
-            </a:pPr>
-            <a:r>
-              <a:rPr lang="en" dirty="0">
-                <a:latin typeface="Roboto"/>
-                <a:ea typeface="Roboto"/>
-                <a:cs typeface="Roboto"/>
-                <a:sym typeface="Roboto"/>
-              </a:rPr>
-              <a:t>High level library repository of sensor drivers</a:t>
-            </a:r>
-          </a:p>
-          <a:p>
-            <a:pPr marL="761981" indent="-169329">
-              <a:lnSpc>
-                <a:spcPct val="115000"/>
-              </a:lnSpc>
-              <a:buClr>
-                <a:schemeClr val="lt2"/>
-              </a:buClr>
-              <a:buFont typeface="Roboto"/>
-              <a:buChar char="•"/>
-            </a:pPr>
-            <a:r>
-              <a:rPr lang="en" dirty="0">
-                <a:latin typeface="Roboto"/>
-                <a:ea typeface="Roboto"/>
-                <a:cs typeface="Roboto"/>
-                <a:sym typeface="Roboto"/>
-              </a:rPr>
-              <a:t>Sensors/Actuators using libmraa</a:t>
-            </a:r>
-          </a:p>
-          <a:p>
-            <a:pPr marL="761981" indent="-169329">
-              <a:lnSpc>
-                <a:spcPct val="115000"/>
-              </a:lnSpc>
-              <a:buClr>
-                <a:schemeClr val="lt2"/>
-              </a:buClr>
-              <a:buFont typeface="Roboto"/>
-              <a:buChar char="•"/>
-            </a:pPr>
-            <a:r>
-              <a:rPr lang="en" dirty="0">
-                <a:latin typeface="Roboto"/>
-                <a:ea typeface="Roboto"/>
-                <a:cs typeface="Roboto"/>
-                <a:sym typeface="Roboto"/>
-              </a:rPr>
-              <a:t>Making it easy to control</a:t>
-            </a:r>
-          </a:p>
-          <a:p>
-            <a:pPr marL="761981" indent="-169329">
-              <a:lnSpc>
-                <a:spcPct val="115000"/>
-              </a:lnSpc>
-              <a:buClr>
-                <a:schemeClr val="lt2"/>
-              </a:buClr>
-              <a:buFont typeface="Roboto"/>
-              <a:buChar char="•"/>
-            </a:pPr>
-            <a:r>
-              <a:rPr lang="en" dirty="0">
-                <a:latin typeface="Roboto"/>
-                <a:ea typeface="Roboto"/>
-                <a:cs typeface="Roboto"/>
-                <a:sym typeface="Roboto"/>
-              </a:rPr>
-              <a:t>Expanding support to Industrial grade sensors</a:t>
-            </a:r>
-          </a:p>
-        </p:txBody>
-      </p:sp>
-      <p:sp>
-        <p:nvSpPr>
-          <p:cNvPr id="308" name="Shape 308"/>
-          <p:cNvSpPr/>
-          <p:nvPr/>
-        </p:nvSpPr>
-        <p:spPr>
-          <a:xfrm>
-            <a:off x="2088800" y="5894167"/>
-            <a:ext cx="7853200" cy="609600"/>
-          </a:xfrm>
-          <a:prstGeom prst="roundRect">
-            <a:avLst>
-              <a:gd name="adj" fmla="val 16667"/>
-            </a:avLst>
-          </a:prstGeom>
-          <a:gradFill>
-            <a:gsLst>
-              <a:gs pos="0">
-                <a:srgbClr val="005998"/>
-              </a:gs>
-              <a:gs pos="100000">
-                <a:srgbClr val="003A5D"/>
-              </a:gs>
-            </a:gsLst>
-            <a:lin ang="2700006" scaled="0"/>
-          </a:gradFill>
-          <a:ln w="19050" cap="flat" cmpd="sng">
-            <a:solidFill>
-              <a:srgbClr val="292929">
-                <a:alpha val="69411"/>
-              </a:srgbClr>
-            </a:solidFill>
-            <a:prstDash val="solid"/>
-            <a:round/>
-            <a:headEnd type="none" w="med" len="med"/>
-            <a:tailEnd type="none" w="med" len="med"/>
-          </a:ln>
-        </p:spPr>
-        <p:txBody>
-          <a:bodyPr wrap="square" lIns="121900" tIns="60933" rIns="121900" bIns="60933" anchor="ctr" anchorCtr="0">
-            <a:noAutofit/>
-          </a:bodyPr>
-          <a:lstStyle/>
-          <a:p>
-            <a:pPr algn="ctr">
-              <a:buClr>
-                <a:srgbClr val="FFFFFF"/>
-              </a:buClr>
-              <a:buSzPct val="25000"/>
-            </a:pPr>
-            <a:r>
-              <a:rPr lang="en" sz="2400" b="1" i="1">
-                <a:solidFill>
-                  <a:srgbClr val="FFFFFF"/>
-                </a:solidFill>
-                <a:latin typeface="Arial"/>
-                <a:ea typeface="Arial"/>
-                <a:cs typeface="Arial"/>
-                <a:sym typeface="Arial"/>
-              </a:rPr>
-              <a:t>UPM and MRAA make it easy to build IoT projects!</a:t>
-            </a:r>
-          </a:p>
-        </p:txBody>
-      </p:sp>
-      <p:sp>
-        <p:nvSpPr>
-          <p:cNvPr id="309" name="Shape 309"/>
-          <p:cNvSpPr txBox="1">
-            <a:spLocks noGrp="1"/>
-          </p:cNvSpPr>
-          <p:nvPr>
-            <p:ph type="title"/>
-          </p:nvPr>
-        </p:nvSpPr>
-        <p:spPr>
-          <a:prstGeom prst="rect">
-            <a:avLst/>
-          </a:prstGeom>
-          <a:noFill/>
-          <a:ln>
-            <a:noFill/>
-          </a:ln>
-        </p:spPr>
-        <p:txBody>
-          <a:bodyPr vert="horz" wrap="square" lIns="121900" tIns="121900" rIns="121900" bIns="121900" rtlCol="0" anchor="ctr" anchorCtr="0">
-            <a:noAutofit/>
-          </a:bodyPr>
-          <a:lstStyle/>
-          <a:p>
-            <a:pPr>
-              <a:buSzPct val="25000"/>
-            </a:pPr>
-            <a:r>
-              <a:rPr lang="en"/>
-              <a:t>Introducing Intel IoT Device Libraries: MRAA and UPM</a:t>
-            </a:r>
-          </a:p>
-        </p:txBody>
-      </p:sp>
-      <p:sp>
-        <p:nvSpPr>
-          <p:cNvPr id="2" name="Text Placeholder 1"/>
-          <p:cNvSpPr>
-            <a:spLocks noGrp="1"/>
-          </p:cNvSpPr>
-          <p:nvPr>
-            <p:ph type="body" sz="quarter" idx="13"/>
-          </p:nvPr>
-        </p:nvSpPr>
-        <p:spPr/>
-        <p:txBody>
-          <a:bodyPr/>
-          <a:lstStyle/>
-          <a:p>
-            <a:endParaRPr lang="en-US"/>
-          </a:p>
-        </p:txBody>
-      </p:sp>
-    </p:spTree>
-    <p:extLst>
-      <p:ext uri="{BB962C8B-B14F-4D97-AF65-F5344CB8AC3E}">
-        <p14:creationId xmlns:p14="http://schemas.microsoft.com/office/powerpoint/2010/main" val="3477432664"/>
       </p:ext>
     </p:extLst>
   </p:cSld>
